--- a/Spotify Dataset Analisys.pptx
+++ b/Spotify Dataset Analisys.pptx
@@ -6,18 +6,22 @@
   </p:sldMasterIdLst>
   <p:sldIdLst>
     <p:sldId id="256" r:id="rId2"/>
-    <p:sldId id="257" r:id="rId3"/>
-    <p:sldId id="258" r:id="rId4"/>
-    <p:sldId id="259" r:id="rId5"/>
-    <p:sldId id="260" r:id="rId6"/>
-    <p:sldId id="261" r:id="rId7"/>
-    <p:sldId id="263" r:id="rId8"/>
-    <p:sldId id="262" r:id="rId9"/>
-    <p:sldId id="264" r:id="rId10"/>
-    <p:sldId id="265" r:id="rId11"/>
-    <p:sldId id="266" r:id="rId12"/>
-    <p:sldId id="267" r:id="rId13"/>
-    <p:sldId id="268" r:id="rId14"/>
+    <p:sldId id="269" r:id="rId3"/>
+    <p:sldId id="270" r:id="rId4"/>
+    <p:sldId id="257" r:id="rId5"/>
+    <p:sldId id="258" r:id="rId6"/>
+    <p:sldId id="259" r:id="rId7"/>
+    <p:sldId id="260" r:id="rId8"/>
+    <p:sldId id="261" r:id="rId9"/>
+    <p:sldId id="263" r:id="rId10"/>
+    <p:sldId id="262" r:id="rId11"/>
+    <p:sldId id="264" r:id="rId12"/>
+    <p:sldId id="265" r:id="rId13"/>
+    <p:sldId id="266" r:id="rId14"/>
+    <p:sldId id="267" r:id="rId15"/>
+    <p:sldId id="272" r:id="rId16"/>
+    <p:sldId id="271" r:id="rId17"/>
+    <p:sldId id="268" r:id="rId18"/>
   </p:sldIdLst>
   <p:sldSz cx="12192000" cy="6858000"/>
   <p:notesSz cx="6858000" cy="9144000"/>
@@ -122,6 +126,6869 @@
     </p:ext>
   </p:extLst>
 </p:presentation>
+</file>
+
+<file path=ppt/diagrams/colors1.xml><?xml version="1.0" encoding="utf-8"?>
+<dgm:colorsDef xmlns:dgm="http://schemas.openxmlformats.org/drawingml/2006/diagram" xmlns:a="http://schemas.openxmlformats.org/drawingml/2006/main" uniqueId="urn:microsoft.com/office/officeart/2005/8/colors/accent2_2">
+  <dgm:title val=""/>
+  <dgm:desc val=""/>
+  <dgm:catLst>
+    <dgm:cat type="accent2" pri="11200"/>
+  </dgm:catLst>
+  <dgm:styleLbl name="node0">
+    <dgm:fillClrLst meth="repeat">
+      <a:schemeClr val="accent2"/>
+    </dgm:fillClrLst>
+    <dgm:linClrLst meth="repeat">
+      <a:schemeClr val="lt1"/>
+    </dgm:linClrLst>
+    <dgm:effectClrLst/>
+    <dgm:txLinClrLst/>
+    <dgm:txFillClrLst/>
+    <dgm:txEffectClrLst/>
+  </dgm:styleLbl>
+  <dgm:styleLbl name="node1">
+    <dgm:fillClrLst meth="repeat">
+      <a:schemeClr val="accent2"/>
+    </dgm:fillClrLst>
+    <dgm:linClrLst meth="repeat">
+      <a:schemeClr val="lt1"/>
+    </dgm:linClrLst>
+    <dgm:effectClrLst/>
+    <dgm:txLinClrLst/>
+    <dgm:txFillClrLst/>
+    <dgm:txEffectClrLst/>
+  </dgm:styleLbl>
+  <dgm:styleLbl name="alignNode1">
+    <dgm:fillClrLst meth="repeat">
+      <a:schemeClr val="accent2"/>
+    </dgm:fillClrLst>
+    <dgm:linClrLst meth="repeat">
+      <a:schemeClr val="accent2"/>
+    </dgm:linClrLst>
+    <dgm:effectClrLst/>
+    <dgm:txLinClrLst/>
+    <dgm:txFillClrLst/>
+    <dgm:txEffectClrLst/>
+  </dgm:styleLbl>
+  <dgm:styleLbl name="lnNode1">
+    <dgm:fillClrLst meth="repeat">
+      <a:schemeClr val="accent2"/>
+    </dgm:fillClrLst>
+    <dgm:linClrLst meth="repeat">
+      <a:schemeClr val="lt1"/>
+    </dgm:linClrLst>
+    <dgm:effectClrLst/>
+    <dgm:txLinClrLst/>
+    <dgm:txFillClrLst/>
+    <dgm:txEffectClrLst/>
+  </dgm:styleLbl>
+  <dgm:styleLbl name="vennNode1">
+    <dgm:fillClrLst meth="repeat">
+      <a:schemeClr val="accent2">
+        <a:alpha val="50000"/>
+      </a:schemeClr>
+    </dgm:fillClrLst>
+    <dgm:linClrLst meth="repeat">
+      <a:schemeClr val="lt1"/>
+    </dgm:linClrLst>
+    <dgm:effectClrLst/>
+    <dgm:txLinClrLst/>
+    <dgm:txFillClrLst/>
+    <dgm:txEffectClrLst/>
+  </dgm:styleLbl>
+  <dgm:styleLbl name="node2">
+    <dgm:fillClrLst meth="repeat">
+      <a:schemeClr val="accent2"/>
+    </dgm:fillClrLst>
+    <dgm:linClrLst meth="repeat">
+      <a:schemeClr val="lt1"/>
+    </dgm:linClrLst>
+    <dgm:effectClrLst/>
+    <dgm:txLinClrLst/>
+    <dgm:txFillClrLst/>
+    <dgm:txEffectClrLst/>
+  </dgm:styleLbl>
+  <dgm:styleLbl name="node3">
+    <dgm:fillClrLst meth="repeat">
+      <a:schemeClr val="accent2"/>
+    </dgm:fillClrLst>
+    <dgm:linClrLst meth="repeat">
+      <a:schemeClr val="lt1"/>
+    </dgm:linClrLst>
+    <dgm:effectClrLst/>
+    <dgm:txLinClrLst/>
+    <dgm:txFillClrLst/>
+    <dgm:txEffectClrLst/>
+  </dgm:styleLbl>
+  <dgm:styleLbl name="node4">
+    <dgm:fillClrLst meth="repeat">
+      <a:schemeClr val="accent2"/>
+    </dgm:fillClrLst>
+    <dgm:linClrLst meth="repeat">
+      <a:schemeClr val="lt1"/>
+    </dgm:linClrLst>
+    <dgm:effectClrLst/>
+    <dgm:txLinClrLst/>
+    <dgm:txFillClrLst/>
+    <dgm:txEffectClrLst/>
+  </dgm:styleLbl>
+  <dgm:styleLbl name="fgImgPlace1">
+    <dgm:fillClrLst meth="repeat">
+      <a:schemeClr val="accent2">
+        <a:tint val="50000"/>
+      </a:schemeClr>
+    </dgm:fillClrLst>
+    <dgm:linClrLst meth="repeat">
+      <a:schemeClr val="lt1"/>
+    </dgm:linClrLst>
+    <dgm:effectClrLst/>
+    <dgm:txLinClrLst/>
+    <dgm:txFillClrLst meth="repeat">
+      <a:schemeClr val="lt1"/>
+    </dgm:txFillClrLst>
+    <dgm:txEffectClrLst/>
+  </dgm:styleLbl>
+  <dgm:styleLbl name="alignImgPlace1">
+    <dgm:fillClrLst meth="repeat">
+      <a:schemeClr val="accent2">
+        <a:tint val="50000"/>
+      </a:schemeClr>
+    </dgm:fillClrLst>
+    <dgm:linClrLst meth="repeat">
+      <a:schemeClr val="lt1"/>
+    </dgm:linClrLst>
+    <dgm:effectClrLst/>
+    <dgm:txLinClrLst/>
+    <dgm:txFillClrLst meth="repeat">
+      <a:schemeClr val="lt1"/>
+    </dgm:txFillClrLst>
+    <dgm:txEffectClrLst/>
+  </dgm:styleLbl>
+  <dgm:styleLbl name="bgImgPlace1">
+    <dgm:fillClrLst meth="repeat">
+      <a:schemeClr val="accent2">
+        <a:tint val="50000"/>
+      </a:schemeClr>
+    </dgm:fillClrLst>
+    <dgm:linClrLst meth="repeat">
+      <a:schemeClr val="lt1"/>
+    </dgm:linClrLst>
+    <dgm:effectClrLst/>
+    <dgm:txLinClrLst/>
+    <dgm:txFillClrLst meth="repeat">
+      <a:schemeClr val="lt1"/>
+    </dgm:txFillClrLst>
+    <dgm:txEffectClrLst/>
+  </dgm:styleLbl>
+  <dgm:styleLbl name="sibTrans2D1">
+    <dgm:fillClrLst meth="repeat">
+      <a:schemeClr val="accent2">
+        <a:tint val="60000"/>
+      </a:schemeClr>
+    </dgm:fillClrLst>
+    <dgm:linClrLst meth="repeat">
+      <a:schemeClr val="accent2">
+        <a:tint val="60000"/>
+      </a:schemeClr>
+    </dgm:linClrLst>
+    <dgm:effectClrLst/>
+    <dgm:txLinClrLst/>
+    <dgm:txFillClrLst/>
+    <dgm:txEffectClrLst/>
+  </dgm:styleLbl>
+  <dgm:styleLbl name="fgSibTrans2D1">
+    <dgm:fillClrLst meth="repeat">
+      <a:schemeClr val="accent2">
+        <a:tint val="60000"/>
+      </a:schemeClr>
+    </dgm:fillClrLst>
+    <dgm:linClrLst meth="repeat">
+      <a:schemeClr val="accent2">
+        <a:tint val="60000"/>
+      </a:schemeClr>
+    </dgm:linClrLst>
+    <dgm:effectClrLst/>
+    <dgm:txLinClrLst/>
+    <dgm:txFillClrLst/>
+    <dgm:txEffectClrLst/>
+  </dgm:styleLbl>
+  <dgm:styleLbl name="bgSibTrans2D1">
+    <dgm:fillClrLst meth="repeat">
+      <a:schemeClr val="accent2">
+        <a:tint val="60000"/>
+      </a:schemeClr>
+    </dgm:fillClrLst>
+    <dgm:linClrLst meth="repeat">
+      <a:schemeClr val="accent2">
+        <a:tint val="60000"/>
+      </a:schemeClr>
+    </dgm:linClrLst>
+    <dgm:effectClrLst/>
+    <dgm:txLinClrLst/>
+    <dgm:txFillClrLst/>
+    <dgm:txEffectClrLst/>
+  </dgm:styleLbl>
+  <dgm:styleLbl name="sibTrans1D1">
+    <dgm:fillClrLst meth="repeat">
+      <a:schemeClr val="accent2"/>
+    </dgm:fillClrLst>
+    <dgm:linClrLst meth="repeat">
+      <a:schemeClr val="accent2"/>
+    </dgm:linClrLst>
+    <dgm:effectClrLst/>
+    <dgm:txLinClrLst/>
+    <dgm:txFillClrLst meth="repeat">
+      <a:schemeClr val="tx1"/>
+    </dgm:txFillClrLst>
+    <dgm:txEffectClrLst/>
+  </dgm:styleLbl>
+  <dgm:styleLbl name="callout">
+    <dgm:fillClrLst meth="repeat">
+      <a:schemeClr val="accent2"/>
+    </dgm:fillClrLst>
+    <dgm:linClrLst meth="repeat">
+      <a:schemeClr val="accent2">
+        <a:tint val="50000"/>
+      </a:schemeClr>
+    </dgm:linClrLst>
+    <dgm:effectClrLst/>
+    <dgm:txLinClrLst/>
+    <dgm:txFillClrLst meth="repeat">
+      <a:schemeClr val="tx1"/>
+    </dgm:txFillClrLst>
+    <dgm:txEffectClrLst/>
+  </dgm:styleLbl>
+  <dgm:styleLbl name="asst0">
+    <dgm:fillClrLst meth="repeat">
+      <a:schemeClr val="accent2"/>
+    </dgm:fillClrLst>
+    <dgm:linClrLst meth="repeat">
+      <a:schemeClr val="lt1"/>
+    </dgm:linClrLst>
+    <dgm:effectClrLst/>
+    <dgm:txLinClrLst/>
+    <dgm:txFillClrLst/>
+    <dgm:txEffectClrLst/>
+  </dgm:styleLbl>
+  <dgm:styleLbl name="asst1">
+    <dgm:fillClrLst meth="repeat">
+      <a:schemeClr val="accent2"/>
+    </dgm:fillClrLst>
+    <dgm:linClrLst meth="repeat">
+      <a:schemeClr val="lt1"/>
+    </dgm:linClrLst>
+    <dgm:effectClrLst/>
+    <dgm:txLinClrLst/>
+    <dgm:txFillClrLst/>
+    <dgm:txEffectClrLst/>
+  </dgm:styleLbl>
+  <dgm:styleLbl name="asst2">
+    <dgm:fillClrLst meth="repeat">
+      <a:schemeClr val="accent2"/>
+    </dgm:fillClrLst>
+    <dgm:linClrLst meth="repeat">
+      <a:schemeClr val="lt1"/>
+    </dgm:linClrLst>
+    <dgm:effectClrLst/>
+    <dgm:txLinClrLst/>
+    <dgm:txFillClrLst/>
+    <dgm:txEffectClrLst/>
+  </dgm:styleLbl>
+  <dgm:styleLbl name="asst3">
+    <dgm:fillClrLst meth="repeat">
+      <a:schemeClr val="accent2"/>
+    </dgm:fillClrLst>
+    <dgm:linClrLst meth="repeat">
+      <a:schemeClr val="lt1"/>
+    </dgm:linClrLst>
+    <dgm:effectClrLst/>
+    <dgm:txLinClrLst/>
+    <dgm:txFillClrLst/>
+    <dgm:txEffectClrLst/>
+  </dgm:styleLbl>
+  <dgm:styleLbl name="asst4">
+    <dgm:fillClrLst meth="repeat">
+      <a:schemeClr val="accent2"/>
+    </dgm:fillClrLst>
+    <dgm:linClrLst meth="repeat">
+      <a:schemeClr val="lt1"/>
+    </dgm:linClrLst>
+    <dgm:effectClrLst/>
+    <dgm:txLinClrLst/>
+    <dgm:txFillClrLst/>
+    <dgm:txEffectClrLst/>
+  </dgm:styleLbl>
+  <dgm:styleLbl name="parChTrans2D1">
+    <dgm:fillClrLst meth="repeat">
+      <a:schemeClr val="accent2">
+        <a:tint val="60000"/>
+      </a:schemeClr>
+    </dgm:fillClrLst>
+    <dgm:linClrLst meth="repeat">
+      <a:schemeClr val="accent2">
+        <a:tint val="60000"/>
+      </a:schemeClr>
+    </dgm:linClrLst>
+    <dgm:effectClrLst/>
+    <dgm:txLinClrLst/>
+    <dgm:txFillClrLst meth="repeat">
+      <a:schemeClr val="lt1"/>
+    </dgm:txFillClrLst>
+    <dgm:txEffectClrLst/>
+  </dgm:styleLbl>
+  <dgm:styleLbl name="parChTrans2D2">
+    <dgm:fillClrLst meth="repeat">
+      <a:schemeClr val="accent2"/>
+    </dgm:fillClrLst>
+    <dgm:linClrLst meth="repeat">
+      <a:schemeClr val="accent2"/>
+    </dgm:linClrLst>
+    <dgm:effectClrLst/>
+    <dgm:txLinClrLst/>
+    <dgm:txFillClrLst meth="repeat">
+      <a:schemeClr val="lt1"/>
+    </dgm:txFillClrLst>
+    <dgm:txEffectClrLst/>
+  </dgm:styleLbl>
+  <dgm:styleLbl name="parChTrans2D3">
+    <dgm:fillClrLst meth="repeat">
+      <a:schemeClr val="accent2"/>
+    </dgm:fillClrLst>
+    <dgm:linClrLst meth="repeat">
+      <a:schemeClr val="accent2"/>
+    </dgm:linClrLst>
+    <dgm:effectClrLst/>
+    <dgm:txLinClrLst/>
+    <dgm:txFillClrLst meth="repeat">
+      <a:schemeClr val="lt1"/>
+    </dgm:txFillClrLst>
+    <dgm:txEffectClrLst/>
+  </dgm:styleLbl>
+  <dgm:styleLbl name="parChTrans2D4">
+    <dgm:fillClrLst meth="repeat">
+      <a:schemeClr val="accent2"/>
+    </dgm:fillClrLst>
+    <dgm:linClrLst meth="repeat">
+      <a:schemeClr val="accent2"/>
+    </dgm:linClrLst>
+    <dgm:effectClrLst/>
+    <dgm:txLinClrLst/>
+    <dgm:txFillClrLst meth="repeat">
+      <a:schemeClr val="lt1"/>
+    </dgm:txFillClrLst>
+    <dgm:txEffectClrLst/>
+  </dgm:styleLbl>
+  <dgm:styleLbl name="parChTrans1D1">
+    <dgm:fillClrLst meth="repeat">
+      <a:schemeClr val="accent2"/>
+    </dgm:fillClrLst>
+    <dgm:linClrLst meth="repeat">
+      <a:schemeClr val="accent2">
+        <a:shade val="60000"/>
+      </a:schemeClr>
+    </dgm:linClrLst>
+    <dgm:effectClrLst/>
+    <dgm:txLinClrLst/>
+    <dgm:txFillClrLst meth="repeat">
+      <a:schemeClr val="tx1"/>
+    </dgm:txFillClrLst>
+    <dgm:txEffectClrLst/>
+  </dgm:styleLbl>
+  <dgm:styleLbl name="parChTrans1D2">
+    <dgm:fillClrLst meth="repeat">
+      <a:schemeClr val="accent2"/>
+    </dgm:fillClrLst>
+    <dgm:linClrLst meth="repeat">
+      <a:schemeClr val="accent2">
+        <a:shade val="60000"/>
+      </a:schemeClr>
+    </dgm:linClrLst>
+    <dgm:effectClrLst/>
+    <dgm:txLinClrLst/>
+    <dgm:txFillClrLst meth="repeat">
+      <a:schemeClr val="tx1"/>
+    </dgm:txFillClrLst>
+    <dgm:txEffectClrLst/>
+  </dgm:styleLbl>
+  <dgm:styleLbl name="parChTrans1D3">
+    <dgm:fillClrLst meth="repeat">
+      <a:schemeClr val="accent2"/>
+    </dgm:fillClrLst>
+    <dgm:linClrLst meth="repeat">
+      <a:schemeClr val="accent2">
+        <a:shade val="80000"/>
+      </a:schemeClr>
+    </dgm:linClrLst>
+    <dgm:effectClrLst/>
+    <dgm:txLinClrLst/>
+    <dgm:txFillClrLst meth="repeat">
+      <a:schemeClr val="tx1"/>
+    </dgm:txFillClrLst>
+    <dgm:txEffectClrLst/>
+  </dgm:styleLbl>
+  <dgm:styleLbl name="parChTrans1D4">
+    <dgm:fillClrLst meth="repeat">
+      <a:schemeClr val="accent2"/>
+    </dgm:fillClrLst>
+    <dgm:linClrLst meth="repeat">
+      <a:schemeClr val="accent2">
+        <a:shade val="80000"/>
+      </a:schemeClr>
+    </dgm:linClrLst>
+    <dgm:effectClrLst/>
+    <dgm:txLinClrLst/>
+    <dgm:txFillClrLst meth="repeat">
+      <a:schemeClr val="tx1"/>
+    </dgm:txFillClrLst>
+    <dgm:txEffectClrLst/>
+  </dgm:styleLbl>
+  <dgm:styleLbl name="fgAcc1">
+    <dgm:fillClrLst meth="repeat">
+      <a:schemeClr val="lt1">
+        <a:alpha val="90000"/>
+      </a:schemeClr>
+    </dgm:fillClrLst>
+    <dgm:linClrLst meth="repeat">
+      <a:schemeClr val="accent2"/>
+    </dgm:linClrLst>
+    <dgm:effectClrLst/>
+    <dgm:txLinClrLst/>
+    <dgm:txFillClrLst meth="repeat">
+      <a:schemeClr val="dk1"/>
+    </dgm:txFillClrLst>
+    <dgm:txEffectClrLst/>
+  </dgm:styleLbl>
+  <dgm:styleLbl name="conFgAcc1">
+    <dgm:fillClrLst meth="repeat">
+      <a:schemeClr val="lt1">
+        <a:alpha val="90000"/>
+      </a:schemeClr>
+    </dgm:fillClrLst>
+    <dgm:linClrLst meth="repeat">
+      <a:schemeClr val="accent2"/>
+    </dgm:linClrLst>
+    <dgm:effectClrLst/>
+    <dgm:txLinClrLst/>
+    <dgm:txFillClrLst meth="repeat">
+      <a:schemeClr val="dk1"/>
+    </dgm:txFillClrLst>
+    <dgm:txEffectClrLst/>
+  </dgm:styleLbl>
+  <dgm:styleLbl name="alignAcc1">
+    <dgm:fillClrLst meth="repeat">
+      <a:schemeClr val="lt1">
+        <a:alpha val="90000"/>
+      </a:schemeClr>
+    </dgm:fillClrLst>
+    <dgm:linClrLst meth="repeat">
+      <a:schemeClr val="accent2"/>
+    </dgm:linClrLst>
+    <dgm:effectClrLst/>
+    <dgm:txLinClrLst/>
+    <dgm:txFillClrLst meth="repeat">
+      <a:schemeClr val="dk1"/>
+    </dgm:txFillClrLst>
+    <dgm:txEffectClrLst/>
+  </dgm:styleLbl>
+  <dgm:styleLbl name="trAlignAcc1">
+    <dgm:fillClrLst meth="repeat">
+      <a:schemeClr val="lt1">
+        <a:alpha val="40000"/>
+      </a:schemeClr>
+    </dgm:fillClrLst>
+    <dgm:linClrLst meth="repeat">
+      <a:schemeClr val="accent2"/>
+    </dgm:linClrLst>
+    <dgm:effectClrLst/>
+    <dgm:txLinClrLst/>
+    <dgm:txFillClrLst meth="repeat">
+      <a:schemeClr val="dk1"/>
+    </dgm:txFillClrLst>
+    <dgm:txEffectClrLst/>
+  </dgm:styleLbl>
+  <dgm:styleLbl name="bgAcc1">
+    <dgm:fillClrLst meth="repeat">
+      <a:schemeClr val="lt1">
+        <a:alpha val="90000"/>
+      </a:schemeClr>
+    </dgm:fillClrLst>
+    <dgm:linClrLst meth="repeat">
+      <a:schemeClr val="accent2"/>
+    </dgm:linClrLst>
+    <dgm:effectClrLst/>
+    <dgm:txLinClrLst/>
+    <dgm:txFillClrLst meth="repeat">
+      <a:schemeClr val="dk1"/>
+    </dgm:txFillClrLst>
+    <dgm:txEffectClrLst/>
+  </dgm:styleLbl>
+  <dgm:styleLbl name="solidFgAcc1">
+    <dgm:fillClrLst meth="repeat">
+      <a:schemeClr val="lt1"/>
+    </dgm:fillClrLst>
+    <dgm:linClrLst meth="repeat">
+      <a:schemeClr val="accent2"/>
+    </dgm:linClrLst>
+    <dgm:effectClrLst/>
+    <dgm:txLinClrLst/>
+    <dgm:txFillClrLst meth="repeat">
+      <a:schemeClr val="dk1"/>
+    </dgm:txFillClrLst>
+    <dgm:txEffectClrLst/>
+  </dgm:styleLbl>
+  <dgm:styleLbl name="solidAlignAcc1">
+    <dgm:fillClrLst meth="repeat">
+      <a:schemeClr val="lt1"/>
+    </dgm:fillClrLst>
+    <dgm:linClrLst meth="repeat">
+      <a:schemeClr val="accent2"/>
+    </dgm:linClrLst>
+    <dgm:effectClrLst/>
+    <dgm:txLinClrLst/>
+    <dgm:txFillClrLst meth="repeat">
+      <a:schemeClr val="dk1"/>
+    </dgm:txFillClrLst>
+    <dgm:txEffectClrLst/>
+  </dgm:styleLbl>
+  <dgm:styleLbl name="solidBgAcc1">
+    <dgm:fillClrLst meth="repeat">
+      <a:schemeClr val="lt1"/>
+    </dgm:fillClrLst>
+    <dgm:linClrLst meth="repeat">
+      <a:schemeClr val="accent2"/>
+    </dgm:linClrLst>
+    <dgm:effectClrLst/>
+    <dgm:txLinClrLst/>
+    <dgm:txFillClrLst meth="repeat">
+      <a:schemeClr val="dk1"/>
+    </dgm:txFillClrLst>
+    <dgm:txEffectClrLst/>
+  </dgm:styleLbl>
+  <dgm:styleLbl name="fgAccFollowNode1">
+    <dgm:fillClrLst meth="repeat">
+      <a:schemeClr val="accent2">
+        <a:alpha val="90000"/>
+        <a:tint val="40000"/>
+      </a:schemeClr>
+    </dgm:fillClrLst>
+    <dgm:linClrLst meth="repeat">
+      <a:schemeClr val="accent2">
+        <a:alpha val="90000"/>
+        <a:tint val="40000"/>
+      </a:schemeClr>
+    </dgm:linClrLst>
+    <dgm:effectClrLst/>
+    <dgm:txLinClrLst/>
+    <dgm:txFillClrLst meth="repeat">
+      <a:schemeClr val="dk1"/>
+    </dgm:txFillClrLst>
+    <dgm:txEffectClrLst/>
+  </dgm:styleLbl>
+  <dgm:styleLbl name="alignAccFollowNode1">
+    <dgm:fillClrLst meth="repeat">
+      <a:schemeClr val="accent2">
+        <a:alpha val="90000"/>
+        <a:tint val="40000"/>
+      </a:schemeClr>
+    </dgm:fillClrLst>
+    <dgm:linClrLst meth="repeat">
+      <a:schemeClr val="accent2">
+        <a:alpha val="90000"/>
+        <a:tint val="40000"/>
+      </a:schemeClr>
+    </dgm:linClrLst>
+    <dgm:effectClrLst/>
+    <dgm:txLinClrLst/>
+    <dgm:txFillClrLst meth="repeat">
+      <a:schemeClr val="dk1"/>
+    </dgm:txFillClrLst>
+    <dgm:txEffectClrLst/>
+  </dgm:styleLbl>
+  <dgm:styleLbl name="bgAccFollowNode1">
+    <dgm:fillClrLst meth="repeat">
+      <a:schemeClr val="accent2">
+        <a:alpha val="90000"/>
+        <a:tint val="40000"/>
+      </a:schemeClr>
+    </dgm:fillClrLst>
+    <dgm:linClrLst meth="repeat">
+      <a:schemeClr val="accent2">
+        <a:alpha val="90000"/>
+        <a:tint val="40000"/>
+      </a:schemeClr>
+    </dgm:linClrLst>
+    <dgm:effectClrLst/>
+    <dgm:txLinClrLst/>
+    <dgm:txFillClrLst meth="repeat">
+      <a:schemeClr val="dk1"/>
+    </dgm:txFillClrLst>
+    <dgm:txEffectClrLst/>
+  </dgm:styleLbl>
+  <dgm:styleLbl name="fgAcc0">
+    <dgm:fillClrLst meth="repeat">
+      <a:schemeClr val="lt1">
+        <a:alpha val="90000"/>
+      </a:schemeClr>
+    </dgm:fillClrLst>
+    <dgm:linClrLst meth="repeat">
+      <a:schemeClr val="accent2"/>
+    </dgm:linClrLst>
+    <dgm:effectClrLst/>
+    <dgm:txLinClrLst/>
+    <dgm:txFillClrLst meth="repeat">
+      <a:schemeClr val="dk1"/>
+    </dgm:txFillClrLst>
+    <dgm:txEffectClrLst/>
+  </dgm:styleLbl>
+  <dgm:styleLbl name="fgAcc2">
+    <dgm:fillClrLst meth="repeat">
+      <a:schemeClr val="lt1">
+        <a:alpha val="90000"/>
+      </a:schemeClr>
+    </dgm:fillClrLst>
+    <dgm:linClrLst meth="repeat">
+      <a:schemeClr val="accent2"/>
+    </dgm:linClrLst>
+    <dgm:effectClrLst/>
+    <dgm:txLinClrLst/>
+    <dgm:txFillClrLst meth="repeat">
+      <a:schemeClr val="dk1"/>
+    </dgm:txFillClrLst>
+    <dgm:txEffectClrLst/>
+  </dgm:styleLbl>
+  <dgm:styleLbl name="fgAcc3">
+    <dgm:fillClrLst meth="repeat">
+      <a:schemeClr val="lt1">
+        <a:alpha val="90000"/>
+      </a:schemeClr>
+    </dgm:fillClrLst>
+    <dgm:linClrLst meth="repeat">
+      <a:schemeClr val="accent2"/>
+    </dgm:linClrLst>
+    <dgm:effectClrLst/>
+    <dgm:txLinClrLst/>
+    <dgm:txFillClrLst meth="repeat">
+      <a:schemeClr val="dk1"/>
+    </dgm:txFillClrLst>
+    <dgm:txEffectClrLst/>
+  </dgm:styleLbl>
+  <dgm:styleLbl name="fgAcc4">
+    <dgm:fillClrLst meth="repeat">
+      <a:schemeClr val="lt1">
+        <a:alpha val="90000"/>
+      </a:schemeClr>
+    </dgm:fillClrLst>
+    <dgm:linClrLst meth="repeat">
+      <a:schemeClr val="accent2"/>
+    </dgm:linClrLst>
+    <dgm:effectClrLst/>
+    <dgm:txLinClrLst/>
+    <dgm:txFillClrLst meth="repeat">
+      <a:schemeClr val="dk1"/>
+    </dgm:txFillClrLst>
+    <dgm:txEffectClrLst/>
+  </dgm:styleLbl>
+  <dgm:styleLbl name="bgShp">
+    <dgm:fillClrLst meth="repeat">
+      <a:schemeClr val="accent2">
+        <a:tint val="40000"/>
+      </a:schemeClr>
+    </dgm:fillClrLst>
+    <dgm:linClrLst meth="repeat">
+      <a:schemeClr val="accent2"/>
+    </dgm:linClrLst>
+    <dgm:effectClrLst/>
+    <dgm:txLinClrLst/>
+    <dgm:txFillClrLst meth="repeat">
+      <a:schemeClr val="dk1"/>
+    </dgm:txFillClrLst>
+    <dgm:txEffectClrLst/>
+  </dgm:styleLbl>
+  <dgm:styleLbl name="dkBgShp">
+    <dgm:fillClrLst meth="repeat">
+      <a:schemeClr val="accent2">
+        <a:shade val="80000"/>
+      </a:schemeClr>
+    </dgm:fillClrLst>
+    <dgm:linClrLst meth="repeat">
+      <a:schemeClr val="accent2"/>
+    </dgm:linClrLst>
+    <dgm:effectClrLst/>
+    <dgm:txLinClrLst/>
+    <dgm:txFillClrLst meth="repeat">
+      <a:schemeClr val="lt1"/>
+    </dgm:txFillClrLst>
+    <dgm:txEffectClrLst/>
+  </dgm:styleLbl>
+  <dgm:styleLbl name="trBgShp">
+    <dgm:fillClrLst meth="repeat">
+      <a:schemeClr val="accent2">
+        <a:tint val="50000"/>
+        <a:alpha val="40000"/>
+      </a:schemeClr>
+    </dgm:fillClrLst>
+    <dgm:linClrLst meth="repeat">
+      <a:schemeClr val="accent2"/>
+    </dgm:linClrLst>
+    <dgm:effectClrLst/>
+    <dgm:txLinClrLst/>
+    <dgm:txFillClrLst meth="repeat">
+      <a:schemeClr val="lt1"/>
+    </dgm:txFillClrLst>
+    <dgm:txEffectClrLst/>
+  </dgm:styleLbl>
+  <dgm:styleLbl name="fgShp">
+    <dgm:fillClrLst meth="repeat">
+      <a:schemeClr val="accent2">
+        <a:tint val="60000"/>
+      </a:schemeClr>
+    </dgm:fillClrLst>
+    <dgm:linClrLst meth="repeat">
+      <a:schemeClr val="lt1"/>
+    </dgm:linClrLst>
+    <dgm:effectClrLst/>
+    <dgm:txLinClrLst/>
+    <dgm:txFillClrLst meth="repeat">
+      <a:schemeClr val="dk1"/>
+    </dgm:txFillClrLst>
+    <dgm:txEffectClrLst/>
+  </dgm:styleLbl>
+  <dgm:styleLbl name="revTx">
+    <dgm:fillClrLst meth="repeat">
+      <a:schemeClr val="lt1">
+        <a:alpha val="0"/>
+      </a:schemeClr>
+    </dgm:fillClrLst>
+    <dgm:linClrLst meth="repeat">
+      <a:schemeClr val="dk1">
+        <a:alpha val="0"/>
+      </a:schemeClr>
+    </dgm:linClrLst>
+    <dgm:effectClrLst/>
+    <dgm:txLinClrLst/>
+    <dgm:txFillClrLst meth="repeat">
+      <a:schemeClr val="tx1"/>
+    </dgm:txFillClrLst>
+    <dgm:txEffectClrLst/>
+  </dgm:styleLbl>
+</dgm:colorsDef>
+</file>
+
+<file path=ppt/diagrams/colors2.xml><?xml version="1.0" encoding="utf-8"?>
+<dgm:colorsDef xmlns:dgm="http://schemas.openxmlformats.org/drawingml/2006/diagram" xmlns:a="http://schemas.openxmlformats.org/drawingml/2006/main" uniqueId="urn:microsoft.com/office/officeart/2005/8/colors/accent2_2">
+  <dgm:title val=""/>
+  <dgm:desc val=""/>
+  <dgm:catLst>
+    <dgm:cat type="accent2" pri="11200"/>
+  </dgm:catLst>
+  <dgm:styleLbl name="node0">
+    <dgm:fillClrLst meth="repeat">
+      <a:schemeClr val="accent2"/>
+    </dgm:fillClrLst>
+    <dgm:linClrLst meth="repeat">
+      <a:schemeClr val="lt1"/>
+    </dgm:linClrLst>
+    <dgm:effectClrLst/>
+    <dgm:txLinClrLst/>
+    <dgm:txFillClrLst/>
+    <dgm:txEffectClrLst/>
+  </dgm:styleLbl>
+  <dgm:styleLbl name="node1">
+    <dgm:fillClrLst meth="repeat">
+      <a:schemeClr val="accent2"/>
+    </dgm:fillClrLst>
+    <dgm:linClrLst meth="repeat">
+      <a:schemeClr val="lt1"/>
+    </dgm:linClrLst>
+    <dgm:effectClrLst/>
+    <dgm:txLinClrLst/>
+    <dgm:txFillClrLst/>
+    <dgm:txEffectClrLst/>
+  </dgm:styleLbl>
+  <dgm:styleLbl name="alignNode1">
+    <dgm:fillClrLst meth="repeat">
+      <a:schemeClr val="accent2"/>
+    </dgm:fillClrLst>
+    <dgm:linClrLst meth="repeat">
+      <a:schemeClr val="accent2"/>
+    </dgm:linClrLst>
+    <dgm:effectClrLst/>
+    <dgm:txLinClrLst/>
+    <dgm:txFillClrLst/>
+    <dgm:txEffectClrLst/>
+  </dgm:styleLbl>
+  <dgm:styleLbl name="lnNode1">
+    <dgm:fillClrLst meth="repeat">
+      <a:schemeClr val="accent2"/>
+    </dgm:fillClrLst>
+    <dgm:linClrLst meth="repeat">
+      <a:schemeClr val="lt1"/>
+    </dgm:linClrLst>
+    <dgm:effectClrLst/>
+    <dgm:txLinClrLst/>
+    <dgm:txFillClrLst/>
+    <dgm:txEffectClrLst/>
+  </dgm:styleLbl>
+  <dgm:styleLbl name="vennNode1">
+    <dgm:fillClrLst meth="repeat">
+      <a:schemeClr val="accent2">
+        <a:alpha val="50000"/>
+      </a:schemeClr>
+    </dgm:fillClrLst>
+    <dgm:linClrLst meth="repeat">
+      <a:schemeClr val="lt1"/>
+    </dgm:linClrLst>
+    <dgm:effectClrLst/>
+    <dgm:txLinClrLst/>
+    <dgm:txFillClrLst/>
+    <dgm:txEffectClrLst/>
+  </dgm:styleLbl>
+  <dgm:styleLbl name="node2">
+    <dgm:fillClrLst meth="repeat">
+      <a:schemeClr val="accent2"/>
+    </dgm:fillClrLst>
+    <dgm:linClrLst meth="repeat">
+      <a:schemeClr val="lt1"/>
+    </dgm:linClrLst>
+    <dgm:effectClrLst/>
+    <dgm:txLinClrLst/>
+    <dgm:txFillClrLst/>
+    <dgm:txEffectClrLst/>
+  </dgm:styleLbl>
+  <dgm:styleLbl name="node3">
+    <dgm:fillClrLst meth="repeat">
+      <a:schemeClr val="accent2"/>
+    </dgm:fillClrLst>
+    <dgm:linClrLst meth="repeat">
+      <a:schemeClr val="lt1"/>
+    </dgm:linClrLst>
+    <dgm:effectClrLst/>
+    <dgm:txLinClrLst/>
+    <dgm:txFillClrLst/>
+    <dgm:txEffectClrLst/>
+  </dgm:styleLbl>
+  <dgm:styleLbl name="node4">
+    <dgm:fillClrLst meth="repeat">
+      <a:schemeClr val="accent2"/>
+    </dgm:fillClrLst>
+    <dgm:linClrLst meth="repeat">
+      <a:schemeClr val="lt1"/>
+    </dgm:linClrLst>
+    <dgm:effectClrLst/>
+    <dgm:txLinClrLst/>
+    <dgm:txFillClrLst/>
+    <dgm:txEffectClrLst/>
+  </dgm:styleLbl>
+  <dgm:styleLbl name="fgImgPlace1">
+    <dgm:fillClrLst meth="repeat">
+      <a:schemeClr val="accent2">
+        <a:tint val="50000"/>
+      </a:schemeClr>
+    </dgm:fillClrLst>
+    <dgm:linClrLst meth="repeat">
+      <a:schemeClr val="lt1"/>
+    </dgm:linClrLst>
+    <dgm:effectClrLst/>
+    <dgm:txLinClrLst/>
+    <dgm:txFillClrLst meth="repeat">
+      <a:schemeClr val="lt1"/>
+    </dgm:txFillClrLst>
+    <dgm:txEffectClrLst/>
+  </dgm:styleLbl>
+  <dgm:styleLbl name="alignImgPlace1">
+    <dgm:fillClrLst meth="repeat">
+      <a:schemeClr val="accent2">
+        <a:tint val="50000"/>
+      </a:schemeClr>
+    </dgm:fillClrLst>
+    <dgm:linClrLst meth="repeat">
+      <a:schemeClr val="lt1"/>
+    </dgm:linClrLst>
+    <dgm:effectClrLst/>
+    <dgm:txLinClrLst/>
+    <dgm:txFillClrLst meth="repeat">
+      <a:schemeClr val="lt1"/>
+    </dgm:txFillClrLst>
+    <dgm:txEffectClrLst/>
+  </dgm:styleLbl>
+  <dgm:styleLbl name="bgImgPlace1">
+    <dgm:fillClrLst meth="repeat">
+      <a:schemeClr val="accent2">
+        <a:tint val="50000"/>
+      </a:schemeClr>
+    </dgm:fillClrLst>
+    <dgm:linClrLst meth="repeat">
+      <a:schemeClr val="lt1"/>
+    </dgm:linClrLst>
+    <dgm:effectClrLst/>
+    <dgm:txLinClrLst/>
+    <dgm:txFillClrLst meth="repeat">
+      <a:schemeClr val="lt1"/>
+    </dgm:txFillClrLst>
+    <dgm:txEffectClrLst/>
+  </dgm:styleLbl>
+  <dgm:styleLbl name="sibTrans2D1">
+    <dgm:fillClrLst meth="repeat">
+      <a:schemeClr val="accent2">
+        <a:tint val="60000"/>
+      </a:schemeClr>
+    </dgm:fillClrLst>
+    <dgm:linClrLst meth="repeat">
+      <a:schemeClr val="accent2">
+        <a:tint val="60000"/>
+      </a:schemeClr>
+    </dgm:linClrLst>
+    <dgm:effectClrLst/>
+    <dgm:txLinClrLst/>
+    <dgm:txFillClrLst/>
+    <dgm:txEffectClrLst/>
+  </dgm:styleLbl>
+  <dgm:styleLbl name="fgSibTrans2D1">
+    <dgm:fillClrLst meth="repeat">
+      <a:schemeClr val="accent2">
+        <a:tint val="60000"/>
+      </a:schemeClr>
+    </dgm:fillClrLst>
+    <dgm:linClrLst meth="repeat">
+      <a:schemeClr val="accent2">
+        <a:tint val="60000"/>
+      </a:schemeClr>
+    </dgm:linClrLst>
+    <dgm:effectClrLst/>
+    <dgm:txLinClrLst/>
+    <dgm:txFillClrLst/>
+    <dgm:txEffectClrLst/>
+  </dgm:styleLbl>
+  <dgm:styleLbl name="bgSibTrans2D1">
+    <dgm:fillClrLst meth="repeat">
+      <a:schemeClr val="accent2">
+        <a:tint val="60000"/>
+      </a:schemeClr>
+    </dgm:fillClrLst>
+    <dgm:linClrLst meth="repeat">
+      <a:schemeClr val="accent2">
+        <a:tint val="60000"/>
+      </a:schemeClr>
+    </dgm:linClrLst>
+    <dgm:effectClrLst/>
+    <dgm:txLinClrLst/>
+    <dgm:txFillClrLst/>
+    <dgm:txEffectClrLst/>
+  </dgm:styleLbl>
+  <dgm:styleLbl name="sibTrans1D1">
+    <dgm:fillClrLst meth="repeat">
+      <a:schemeClr val="accent2"/>
+    </dgm:fillClrLst>
+    <dgm:linClrLst meth="repeat">
+      <a:schemeClr val="accent2"/>
+    </dgm:linClrLst>
+    <dgm:effectClrLst/>
+    <dgm:txLinClrLst/>
+    <dgm:txFillClrLst meth="repeat">
+      <a:schemeClr val="tx1"/>
+    </dgm:txFillClrLst>
+    <dgm:txEffectClrLst/>
+  </dgm:styleLbl>
+  <dgm:styleLbl name="callout">
+    <dgm:fillClrLst meth="repeat">
+      <a:schemeClr val="accent2"/>
+    </dgm:fillClrLst>
+    <dgm:linClrLst meth="repeat">
+      <a:schemeClr val="accent2">
+        <a:tint val="50000"/>
+      </a:schemeClr>
+    </dgm:linClrLst>
+    <dgm:effectClrLst/>
+    <dgm:txLinClrLst/>
+    <dgm:txFillClrLst meth="repeat">
+      <a:schemeClr val="tx1"/>
+    </dgm:txFillClrLst>
+    <dgm:txEffectClrLst/>
+  </dgm:styleLbl>
+  <dgm:styleLbl name="asst0">
+    <dgm:fillClrLst meth="repeat">
+      <a:schemeClr val="accent2"/>
+    </dgm:fillClrLst>
+    <dgm:linClrLst meth="repeat">
+      <a:schemeClr val="lt1"/>
+    </dgm:linClrLst>
+    <dgm:effectClrLst/>
+    <dgm:txLinClrLst/>
+    <dgm:txFillClrLst/>
+    <dgm:txEffectClrLst/>
+  </dgm:styleLbl>
+  <dgm:styleLbl name="asst1">
+    <dgm:fillClrLst meth="repeat">
+      <a:schemeClr val="accent2"/>
+    </dgm:fillClrLst>
+    <dgm:linClrLst meth="repeat">
+      <a:schemeClr val="lt1"/>
+    </dgm:linClrLst>
+    <dgm:effectClrLst/>
+    <dgm:txLinClrLst/>
+    <dgm:txFillClrLst/>
+    <dgm:txEffectClrLst/>
+  </dgm:styleLbl>
+  <dgm:styleLbl name="asst2">
+    <dgm:fillClrLst meth="repeat">
+      <a:schemeClr val="accent2"/>
+    </dgm:fillClrLst>
+    <dgm:linClrLst meth="repeat">
+      <a:schemeClr val="lt1"/>
+    </dgm:linClrLst>
+    <dgm:effectClrLst/>
+    <dgm:txLinClrLst/>
+    <dgm:txFillClrLst/>
+    <dgm:txEffectClrLst/>
+  </dgm:styleLbl>
+  <dgm:styleLbl name="asst3">
+    <dgm:fillClrLst meth="repeat">
+      <a:schemeClr val="accent2"/>
+    </dgm:fillClrLst>
+    <dgm:linClrLst meth="repeat">
+      <a:schemeClr val="lt1"/>
+    </dgm:linClrLst>
+    <dgm:effectClrLst/>
+    <dgm:txLinClrLst/>
+    <dgm:txFillClrLst/>
+    <dgm:txEffectClrLst/>
+  </dgm:styleLbl>
+  <dgm:styleLbl name="asst4">
+    <dgm:fillClrLst meth="repeat">
+      <a:schemeClr val="accent2"/>
+    </dgm:fillClrLst>
+    <dgm:linClrLst meth="repeat">
+      <a:schemeClr val="lt1"/>
+    </dgm:linClrLst>
+    <dgm:effectClrLst/>
+    <dgm:txLinClrLst/>
+    <dgm:txFillClrLst/>
+    <dgm:txEffectClrLst/>
+  </dgm:styleLbl>
+  <dgm:styleLbl name="parChTrans2D1">
+    <dgm:fillClrLst meth="repeat">
+      <a:schemeClr val="accent2">
+        <a:tint val="60000"/>
+      </a:schemeClr>
+    </dgm:fillClrLst>
+    <dgm:linClrLst meth="repeat">
+      <a:schemeClr val="accent2">
+        <a:tint val="60000"/>
+      </a:schemeClr>
+    </dgm:linClrLst>
+    <dgm:effectClrLst/>
+    <dgm:txLinClrLst/>
+    <dgm:txFillClrLst meth="repeat">
+      <a:schemeClr val="lt1"/>
+    </dgm:txFillClrLst>
+    <dgm:txEffectClrLst/>
+  </dgm:styleLbl>
+  <dgm:styleLbl name="parChTrans2D2">
+    <dgm:fillClrLst meth="repeat">
+      <a:schemeClr val="accent2"/>
+    </dgm:fillClrLst>
+    <dgm:linClrLst meth="repeat">
+      <a:schemeClr val="accent2"/>
+    </dgm:linClrLst>
+    <dgm:effectClrLst/>
+    <dgm:txLinClrLst/>
+    <dgm:txFillClrLst meth="repeat">
+      <a:schemeClr val="lt1"/>
+    </dgm:txFillClrLst>
+    <dgm:txEffectClrLst/>
+  </dgm:styleLbl>
+  <dgm:styleLbl name="parChTrans2D3">
+    <dgm:fillClrLst meth="repeat">
+      <a:schemeClr val="accent2"/>
+    </dgm:fillClrLst>
+    <dgm:linClrLst meth="repeat">
+      <a:schemeClr val="accent2"/>
+    </dgm:linClrLst>
+    <dgm:effectClrLst/>
+    <dgm:txLinClrLst/>
+    <dgm:txFillClrLst meth="repeat">
+      <a:schemeClr val="lt1"/>
+    </dgm:txFillClrLst>
+    <dgm:txEffectClrLst/>
+  </dgm:styleLbl>
+  <dgm:styleLbl name="parChTrans2D4">
+    <dgm:fillClrLst meth="repeat">
+      <a:schemeClr val="accent2"/>
+    </dgm:fillClrLst>
+    <dgm:linClrLst meth="repeat">
+      <a:schemeClr val="accent2"/>
+    </dgm:linClrLst>
+    <dgm:effectClrLst/>
+    <dgm:txLinClrLst/>
+    <dgm:txFillClrLst meth="repeat">
+      <a:schemeClr val="lt1"/>
+    </dgm:txFillClrLst>
+    <dgm:txEffectClrLst/>
+  </dgm:styleLbl>
+  <dgm:styleLbl name="parChTrans1D1">
+    <dgm:fillClrLst meth="repeat">
+      <a:schemeClr val="accent2"/>
+    </dgm:fillClrLst>
+    <dgm:linClrLst meth="repeat">
+      <a:schemeClr val="accent2">
+        <a:shade val="60000"/>
+      </a:schemeClr>
+    </dgm:linClrLst>
+    <dgm:effectClrLst/>
+    <dgm:txLinClrLst/>
+    <dgm:txFillClrLst meth="repeat">
+      <a:schemeClr val="tx1"/>
+    </dgm:txFillClrLst>
+    <dgm:txEffectClrLst/>
+  </dgm:styleLbl>
+  <dgm:styleLbl name="parChTrans1D2">
+    <dgm:fillClrLst meth="repeat">
+      <a:schemeClr val="accent2"/>
+    </dgm:fillClrLst>
+    <dgm:linClrLst meth="repeat">
+      <a:schemeClr val="accent2">
+        <a:shade val="60000"/>
+      </a:schemeClr>
+    </dgm:linClrLst>
+    <dgm:effectClrLst/>
+    <dgm:txLinClrLst/>
+    <dgm:txFillClrLst meth="repeat">
+      <a:schemeClr val="tx1"/>
+    </dgm:txFillClrLst>
+    <dgm:txEffectClrLst/>
+  </dgm:styleLbl>
+  <dgm:styleLbl name="parChTrans1D3">
+    <dgm:fillClrLst meth="repeat">
+      <a:schemeClr val="accent2"/>
+    </dgm:fillClrLst>
+    <dgm:linClrLst meth="repeat">
+      <a:schemeClr val="accent2">
+        <a:shade val="80000"/>
+      </a:schemeClr>
+    </dgm:linClrLst>
+    <dgm:effectClrLst/>
+    <dgm:txLinClrLst/>
+    <dgm:txFillClrLst meth="repeat">
+      <a:schemeClr val="tx1"/>
+    </dgm:txFillClrLst>
+    <dgm:txEffectClrLst/>
+  </dgm:styleLbl>
+  <dgm:styleLbl name="parChTrans1D4">
+    <dgm:fillClrLst meth="repeat">
+      <a:schemeClr val="accent2"/>
+    </dgm:fillClrLst>
+    <dgm:linClrLst meth="repeat">
+      <a:schemeClr val="accent2">
+        <a:shade val="80000"/>
+      </a:schemeClr>
+    </dgm:linClrLst>
+    <dgm:effectClrLst/>
+    <dgm:txLinClrLst/>
+    <dgm:txFillClrLst meth="repeat">
+      <a:schemeClr val="tx1"/>
+    </dgm:txFillClrLst>
+    <dgm:txEffectClrLst/>
+  </dgm:styleLbl>
+  <dgm:styleLbl name="fgAcc1">
+    <dgm:fillClrLst meth="repeat">
+      <a:schemeClr val="lt1">
+        <a:alpha val="90000"/>
+      </a:schemeClr>
+    </dgm:fillClrLst>
+    <dgm:linClrLst meth="repeat">
+      <a:schemeClr val="accent2"/>
+    </dgm:linClrLst>
+    <dgm:effectClrLst/>
+    <dgm:txLinClrLst/>
+    <dgm:txFillClrLst meth="repeat">
+      <a:schemeClr val="dk1"/>
+    </dgm:txFillClrLst>
+    <dgm:txEffectClrLst/>
+  </dgm:styleLbl>
+  <dgm:styleLbl name="conFgAcc1">
+    <dgm:fillClrLst meth="repeat">
+      <a:schemeClr val="lt1">
+        <a:alpha val="90000"/>
+      </a:schemeClr>
+    </dgm:fillClrLst>
+    <dgm:linClrLst meth="repeat">
+      <a:schemeClr val="accent2"/>
+    </dgm:linClrLst>
+    <dgm:effectClrLst/>
+    <dgm:txLinClrLst/>
+    <dgm:txFillClrLst meth="repeat">
+      <a:schemeClr val="dk1"/>
+    </dgm:txFillClrLst>
+    <dgm:txEffectClrLst/>
+  </dgm:styleLbl>
+  <dgm:styleLbl name="alignAcc1">
+    <dgm:fillClrLst meth="repeat">
+      <a:schemeClr val="lt1">
+        <a:alpha val="90000"/>
+      </a:schemeClr>
+    </dgm:fillClrLst>
+    <dgm:linClrLst meth="repeat">
+      <a:schemeClr val="accent2"/>
+    </dgm:linClrLst>
+    <dgm:effectClrLst/>
+    <dgm:txLinClrLst/>
+    <dgm:txFillClrLst meth="repeat">
+      <a:schemeClr val="dk1"/>
+    </dgm:txFillClrLst>
+    <dgm:txEffectClrLst/>
+  </dgm:styleLbl>
+  <dgm:styleLbl name="trAlignAcc1">
+    <dgm:fillClrLst meth="repeat">
+      <a:schemeClr val="lt1">
+        <a:alpha val="40000"/>
+      </a:schemeClr>
+    </dgm:fillClrLst>
+    <dgm:linClrLst meth="repeat">
+      <a:schemeClr val="accent2"/>
+    </dgm:linClrLst>
+    <dgm:effectClrLst/>
+    <dgm:txLinClrLst/>
+    <dgm:txFillClrLst meth="repeat">
+      <a:schemeClr val="dk1"/>
+    </dgm:txFillClrLst>
+    <dgm:txEffectClrLst/>
+  </dgm:styleLbl>
+  <dgm:styleLbl name="bgAcc1">
+    <dgm:fillClrLst meth="repeat">
+      <a:schemeClr val="lt1">
+        <a:alpha val="90000"/>
+      </a:schemeClr>
+    </dgm:fillClrLst>
+    <dgm:linClrLst meth="repeat">
+      <a:schemeClr val="accent2"/>
+    </dgm:linClrLst>
+    <dgm:effectClrLst/>
+    <dgm:txLinClrLst/>
+    <dgm:txFillClrLst meth="repeat">
+      <a:schemeClr val="dk1"/>
+    </dgm:txFillClrLst>
+    <dgm:txEffectClrLst/>
+  </dgm:styleLbl>
+  <dgm:styleLbl name="solidFgAcc1">
+    <dgm:fillClrLst meth="repeat">
+      <a:schemeClr val="lt1"/>
+    </dgm:fillClrLst>
+    <dgm:linClrLst meth="repeat">
+      <a:schemeClr val="accent2"/>
+    </dgm:linClrLst>
+    <dgm:effectClrLst/>
+    <dgm:txLinClrLst/>
+    <dgm:txFillClrLst meth="repeat">
+      <a:schemeClr val="dk1"/>
+    </dgm:txFillClrLst>
+    <dgm:txEffectClrLst/>
+  </dgm:styleLbl>
+  <dgm:styleLbl name="solidAlignAcc1">
+    <dgm:fillClrLst meth="repeat">
+      <a:schemeClr val="lt1"/>
+    </dgm:fillClrLst>
+    <dgm:linClrLst meth="repeat">
+      <a:schemeClr val="accent2"/>
+    </dgm:linClrLst>
+    <dgm:effectClrLst/>
+    <dgm:txLinClrLst/>
+    <dgm:txFillClrLst meth="repeat">
+      <a:schemeClr val="dk1"/>
+    </dgm:txFillClrLst>
+    <dgm:txEffectClrLst/>
+  </dgm:styleLbl>
+  <dgm:styleLbl name="solidBgAcc1">
+    <dgm:fillClrLst meth="repeat">
+      <a:schemeClr val="lt1"/>
+    </dgm:fillClrLst>
+    <dgm:linClrLst meth="repeat">
+      <a:schemeClr val="accent2"/>
+    </dgm:linClrLst>
+    <dgm:effectClrLst/>
+    <dgm:txLinClrLst/>
+    <dgm:txFillClrLst meth="repeat">
+      <a:schemeClr val="dk1"/>
+    </dgm:txFillClrLst>
+    <dgm:txEffectClrLst/>
+  </dgm:styleLbl>
+  <dgm:styleLbl name="fgAccFollowNode1">
+    <dgm:fillClrLst meth="repeat">
+      <a:schemeClr val="accent2">
+        <a:alpha val="90000"/>
+        <a:tint val="40000"/>
+      </a:schemeClr>
+    </dgm:fillClrLst>
+    <dgm:linClrLst meth="repeat">
+      <a:schemeClr val="accent2">
+        <a:alpha val="90000"/>
+        <a:tint val="40000"/>
+      </a:schemeClr>
+    </dgm:linClrLst>
+    <dgm:effectClrLst/>
+    <dgm:txLinClrLst/>
+    <dgm:txFillClrLst meth="repeat">
+      <a:schemeClr val="dk1"/>
+    </dgm:txFillClrLst>
+    <dgm:txEffectClrLst/>
+  </dgm:styleLbl>
+  <dgm:styleLbl name="alignAccFollowNode1">
+    <dgm:fillClrLst meth="repeat">
+      <a:schemeClr val="accent2">
+        <a:alpha val="90000"/>
+        <a:tint val="40000"/>
+      </a:schemeClr>
+    </dgm:fillClrLst>
+    <dgm:linClrLst meth="repeat">
+      <a:schemeClr val="accent2">
+        <a:alpha val="90000"/>
+        <a:tint val="40000"/>
+      </a:schemeClr>
+    </dgm:linClrLst>
+    <dgm:effectClrLst/>
+    <dgm:txLinClrLst/>
+    <dgm:txFillClrLst meth="repeat">
+      <a:schemeClr val="dk1"/>
+    </dgm:txFillClrLst>
+    <dgm:txEffectClrLst/>
+  </dgm:styleLbl>
+  <dgm:styleLbl name="bgAccFollowNode1">
+    <dgm:fillClrLst meth="repeat">
+      <a:schemeClr val="accent2">
+        <a:alpha val="90000"/>
+        <a:tint val="40000"/>
+      </a:schemeClr>
+    </dgm:fillClrLst>
+    <dgm:linClrLst meth="repeat">
+      <a:schemeClr val="accent2">
+        <a:alpha val="90000"/>
+        <a:tint val="40000"/>
+      </a:schemeClr>
+    </dgm:linClrLst>
+    <dgm:effectClrLst/>
+    <dgm:txLinClrLst/>
+    <dgm:txFillClrLst meth="repeat">
+      <a:schemeClr val="dk1"/>
+    </dgm:txFillClrLst>
+    <dgm:txEffectClrLst/>
+  </dgm:styleLbl>
+  <dgm:styleLbl name="fgAcc0">
+    <dgm:fillClrLst meth="repeat">
+      <a:schemeClr val="lt1">
+        <a:alpha val="90000"/>
+      </a:schemeClr>
+    </dgm:fillClrLst>
+    <dgm:linClrLst meth="repeat">
+      <a:schemeClr val="accent2"/>
+    </dgm:linClrLst>
+    <dgm:effectClrLst/>
+    <dgm:txLinClrLst/>
+    <dgm:txFillClrLst meth="repeat">
+      <a:schemeClr val="dk1"/>
+    </dgm:txFillClrLst>
+    <dgm:txEffectClrLst/>
+  </dgm:styleLbl>
+  <dgm:styleLbl name="fgAcc2">
+    <dgm:fillClrLst meth="repeat">
+      <a:schemeClr val="lt1">
+        <a:alpha val="90000"/>
+      </a:schemeClr>
+    </dgm:fillClrLst>
+    <dgm:linClrLst meth="repeat">
+      <a:schemeClr val="accent2"/>
+    </dgm:linClrLst>
+    <dgm:effectClrLst/>
+    <dgm:txLinClrLst/>
+    <dgm:txFillClrLst meth="repeat">
+      <a:schemeClr val="dk1"/>
+    </dgm:txFillClrLst>
+    <dgm:txEffectClrLst/>
+  </dgm:styleLbl>
+  <dgm:styleLbl name="fgAcc3">
+    <dgm:fillClrLst meth="repeat">
+      <a:schemeClr val="lt1">
+        <a:alpha val="90000"/>
+      </a:schemeClr>
+    </dgm:fillClrLst>
+    <dgm:linClrLst meth="repeat">
+      <a:schemeClr val="accent2"/>
+    </dgm:linClrLst>
+    <dgm:effectClrLst/>
+    <dgm:txLinClrLst/>
+    <dgm:txFillClrLst meth="repeat">
+      <a:schemeClr val="dk1"/>
+    </dgm:txFillClrLst>
+    <dgm:txEffectClrLst/>
+  </dgm:styleLbl>
+  <dgm:styleLbl name="fgAcc4">
+    <dgm:fillClrLst meth="repeat">
+      <a:schemeClr val="lt1">
+        <a:alpha val="90000"/>
+      </a:schemeClr>
+    </dgm:fillClrLst>
+    <dgm:linClrLst meth="repeat">
+      <a:schemeClr val="accent2"/>
+    </dgm:linClrLst>
+    <dgm:effectClrLst/>
+    <dgm:txLinClrLst/>
+    <dgm:txFillClrLst meth="repeat">
+      <a:schemeClr val="dk1"/>
+    </dgm:txFillClrLst>
+    <dgm:txEffectClrLst/>
+  </dgm:styleLbl>
+  <dgm:styleLbl name="bgShp">
+    <dgm:fillClrLst meth="repeat">
+      <a:schemeClr val="accent2">
+        <a:tint val="40000"/>
+      </a:schemeClr>
+    </dgm:fillClrLst>
+    <dgm:linClrLst meth="repeat">
+      <a:schemeClr val="accent2"/>
+    </dgm:linClrLst>
+    <dgm:effectClrLst/>
+    <dgm:txLinClrLst/>
+    <dgm:txFillClrLst meth="repeat">
+      <a:schemeClr val="dk1"/>
+    </dgm:txFillClrLst>
+    <dgm:txEffectClrLst/>
+  </dgm:styleLbl>
+  <dgm:styleLbl name="dkBgShp">
+    <dgm:fillClrLst meth="repeat">
+      <a:schemeClr val="accent2">
+        <a:shade val="80000"/>
+      </a:schemeClr>
+    </dgm:fillClrLst>
+    <dgm:linClrLst meth="repeat">
+      <a:schemeClr val="accent2"/>
+    </dgm:linClrLst>
+    <dgm:effectClrLst/>
+    <dgm:txLinClrLst/>
+    <dgm:txFillClrLst meth="repeat">
+      <a:schemeClr val="lt1"/>
+    </dgm:txFillClrLst>
+    <dgm:txEffectClrLst/>
+  </dgm:styleLbl>
+  <dgm:styleLbl name="trBgShp">
+    <dgm:fillClrLst meth="repeat">
+      <a:schemeClr val="accent2">
+        <a:tint val="50000"/>
+        <a:alpha val="40000"/>
+      </a:schemeClr>
+    </dgm:fillClrLst>
+    <dgm:linClrLst meth="repeat">
+      <a:schemeClr val="accent2"/>
+    </dgm:linClrLst>
+    <dgm:effectClrLst/>
+    <dgm:txLinClrLst/>
+    <dgm:txFillClrLst meth="repeat">
+      <a:schemeClr val="lt1"/>
+    </dgm:txFillClrLst>
+    <dgm:txEffectClrLst/>
+  </dgm:styleLbl>
+  <dgm:styleLbl name="fgShp">
+    <dgm:fillClrLst meth="repeat">
+      <a:schemeClr val="accent2">
+        <a:tint val="60000"/>
+      </a:schemeClr>
+    </dgm:fillClrLst>
+    <dgm:linClrLst meth="repeat">
+      <a:schemeClr val="lt1"/>
+    </dgm:linClrLst>
+    <dgm:effectClrLst/>
+    <dgm:txLinClrLst/>
+    <dgm:txFillClrLst meth="repeat">
+      <a:schemeClr val="dk1"/>
+    </dgm:txFillClrLst>
+    <dgm:txEffectClrLst/>
+  </dgm:styleLbl>
+  <dgm:styleLbl name="revTx">
+    <dgm:fillClrLst meth="repeat">
+      <a:schemeClr val="lt1">
+        <a:alpha val="0"/>
+      </a:schemeClr>
+    </dgm:fillClrLst>
+    <dgm:linClrLst meth="repeat">
+      <a:schemeClr val="dk1">
+        <a:alpha val="0"/>
+      </a:schemeClr>
+    </dgm:linClrLst>
+    <dgm:effectClrLst/>
+    <dgm:txLinClrLst/>
+    <dgm:txFillClrLst meth="repeat">
+      <a:schemeClr val="tx1"/>
+    </dgm:txFillClrLst>
+    <dgm:txEffectClrLst/>
+  </dgm:styleLbl>
+</dgm:colorsDef>
+</file>
+
+<file path=ppt/diagrams/data1.xml><?xml version="1.0" encoding="utf-8"?>
+<dgm:dataModel xmlns:dgm="http://schemas.openxmlformats.org/drawingml/2006/diagram" xmlns:a="http://schemas.openxmlformats.org/drawingml/2006/main">
+  <dgm:ptLst>
+    <dgm:pt modelId="{7EBA9448-9016-4E72-B1D1-A8D5875500BC}" type="doc">
+      <dgm:prSet loTypeId="urn:microsoft.com/office/officeart/2018/2/layout/IconVerticalSolidList" loCatId="icon" qsTypeId="urn:microsoft.com/office/officeart/2005/8/quickstyle/simple1" qsCatId="simple" csTypeId="urn:microsoft.com/office/officeart/2005/8/colors/accent2_2" csCatId="accent2" phldr="1"/>
+      <dgm:spPr/>
+      <dgm:t>
+        <a:bodyPr/>
+        <a:lstStyle/>
+        <a:p>
+          <a:endParaRPr lang="en-US"/>
+        </a:p>
+      </dgm:t>
+    </dgm:pt>
+    <dgm:pt modelId="{B0176DBE-F995-4E2B-8321-7855A068B905}">
+      <dgm:prSet/>
+      <dgm:spPr/>
+      <dgm:t>
+        <a:bodyPr/>
+        <a:lstStyle/>
+        <a:p>
+          <a:r>
+            <a:rPr lang="en-US"/>
+            <a:t>Working with “group by”</a:t>
+          </a:r>
+        </a:p>
+      </dgm:t>
+    </dgm:pt>
+    <dgm:pt modelId="{6E42F936-49DD-468A-8959-A1187A050601}" type="parTrans" cxnId="{4F32AD0B-8078-4F5F-9A32-E246AC94C8A8}">
+      <dgm:prSet/>
+      <dgm:spPr/>
+      <dgm:t>
+        <a:bodyPr/>
+        <a:lstStyle/>
+        <a:p>
+          <a:endParaRPr lang="en-US"/>
+        </a:p>
+      </dgm:t>
+    </dgm:pt>
+    <dgm:pt modelId="{590F9DFA-BEA1-43F8-BB4A-69D2EBE492EA}" type="sibTrans" cxnId="{4F32AD0B-8078-4F5F-9A32-E246AC94C8A8}">
+      <dgm:prSet/>
+      <dgm:spPr/>
+      <dgm:t>
+        <a:bodyPr/>
+        <a:lstStyle/>
+        <a:p>
+          <a:endParaRPr lang="en-US"/>
+        </a:p>
+      </dgm:t>
+    </dgm:pt>
+    <dgm:pt modelId="{74E0A963-E20D-4B8C-850C-F334FF261D27}">
+      <dgm:prSet/>
+      <dgm:spPr/>
+      <dgm:t>
+        <a:bodyPr/>
+        <a:lstStyle/>
+        <a:p>
+          <a:r>
+            <a:rPr lang="en-US"/>
+            <a:t>Differentiating the categorical data from the statistical data</a:t>
+          </a:r>
+        </a:p>
+      </dgm:t>
+    </dgm:pt>
+    <dgm:pt modelId="{CD06C5AB-D368-4AEC-84B7-51D3D60E62BE}" type="parTrans" cxnId="{F2EC2F5D-5BFB-4B2F-B702-04B7DE2EFB5D}">
+      <dgm:prSet/>
+      <dgm:spPr/>
+      <dgm:t>
+        <a:bodyPr/>
+        <a:lstStyle/>
+        <a:p>
+          <a:endParaRPr lang="en-US"/>
+        </a:p>
+      </dgm:t>
+    </dgm:pt>
+    <dgm:pt modelId="{7095A273-41A4-4BA4-920C-4EFC3D10B696}" type="sibTrans" cxnId="{F2EC2F5D-5BFB-4B2F-B702-04B7DE2EFB5D}">
+      <dgm:prSet/>
+      <dgm:spPr/>
+      <dgm:t>
+        <a:bodyPr/>
+        <a:lstStyle/>
+        <a:p>
+          <a:endParaRPr lang="en-US"/>
+        </a:p>
+      </dgm:t>
+    </dgm:pt>
+    <dgm:pt modelId="{0F7D4A25-81B5-48F4-927B-8EA8D9FFA67C}">
+      <dgm:prSet/>
+      <dgm:spPr/>
+      <dgm:t>
+        <a:bodyPr/>
+        <a:lstStyle/>
+        <a:p>
+          <a:r>
+            <a:rPr lang="en-US"/>
+            <a:t>The implementation of the new column of Date/Time and how it affected the outcomes of the process.</a:t>
+          </a:r>
+        </a:p>
+      </dgm:t>
+    </dgm:pt>
+    <dgm:pt modelId="{98C2FBB7-5420-4857-9D6E-C4DD5BC1815C}" type="parTrans" cxnId="{1277A93F-EBE6-4DEA-99F7-FFB5B6404AA5}">
+      <dgm:prSet/>
+      <dgm:spPr/>
+      <dgm:t>
+        <a:bodyPr/>
+        <a:lstStyle/>
+        <a:p>
+          <a:endParaRPr lang="en-US"/>
+        </a:p>
+      </dgm:t>
+    </dgm:pt>
+    <dgm:pt modelId="{359F8CB8-4CEC-435F-92C5-2505FEB290C8}" type="sibTrans" cxnId="{1277A93F-EBE6-4DEA-99F7-FFB5B6404AA5}">
+      <dgm:prSet/>
+      <dgm:spPr/>
+      <dgm:t>
+        <a:bodyPr/>
+        <a:lstStyle/>
+        <a:p>
+          <a:endParaRPr lang="en-US"/>
+        </a:p>
+      </dgm:t>
+    </dgm:pt>
+    <dgm:pt modelId="{5FE3493C-F960-45E0-9ED6-4007ED429E4C}">
+      <dgm:prSet/>
+      <dgm:spPr/>
+      <dgm:t>
+        <a:bodyPr/>
+        <a:lstStyle/>
+        <a:p>
+          <a:r>
+            <a:rPr lang="en-US"/>
+            <a:t>data = pd.read_csv('spotify_2023.csv', encoding = 'ISO-8859-1', engine= 'python', parse_dates=['release_date’]) (different encoding)</a:t>
+          </a:r>
+        </a:p>
+      </dgm:t>
+    </dgm:pt>
+    <dgm:pt modelId="{50D395B4-C7D6-423C-BDC3-27FA2D59883C}" type="parTrans" cxnId="{6A490464-1708-48D6-B2D3-07C619A7AC4B}">
+      <dgm:prSet/>
+      <dgm:spPr/>
+      <dgm:t>
+        <a:bodyPr/>
+        <a:lstStyle/>
+        <a:p>
+          <a:endParaRPr lang="en-US"/>
+        </a:p>
+      </dgm:t>
+    </dgm:pt>
+    <dgm:pt modelId="{58E99FFB-D1EE-4FF4-83E9-FAA9AF6F3BD0}" type="sibTrans" cxnId="{6A490464-1708-48D6-B2D3-07C619A7AC4B}">
+      <dgm:prSet/>
+      <dgm:spPr/>
+      <dgm:t>
+        <a:bodyPr/>
+        <a:lstStyle/>
+        <a:p>
+          <a:endParaRPr lang="en-US"/>
+        </a:p>
+      </dgm:t>
+    </dgm:pt>
+    <dgm:pt modelId="{A4E11133-4E02-4933-99B5-BBAE7F2A3D7F}">
+      <dgm:prSet/>
+      <dgm:spPr/>
+      <dgm:t>
+        <a:bodyPr/>
+        <a:lstStyle/>
+        <a:p>
+          <a:r>
+            <a:rPr lang="en-US"/>
+            <a:t>Time management</a:t>
+          </a:r>
+        </a:p>
+      </dgm:t>
+    </dgm:pt>
+    <dgm:pt modelId="{A35095D5-77CC-4DC3-9A59-73A5A898EAAD}" type="parTrans" cxnId="{B401C32F-1C8F-47E2-9097-D6DF80AB386C}">
+      <dgm:prSet/>
+      <dgm:spPr/>
+      <dgm:t>
+        <a:bodyPr/>
+        <a:lstStyle/>
+        <a:p>
+          <a:endParaRPr lang="en-US"/>
+        </a:p>
+      </dgm:t>
+    </dgm:pt>
+    <dgm:pt modelId="{576554E2-245A-451E-BFAB-522D767346D1}" type="sibTrans" cxnId="{B401C32F-1C8F-47E2-9097-D6DF80AB386C}">
+      <dgm:prSet/>
+      <dgm:spPr/>
+      <dgm:t>
+        <a:bodyPr/>
+        <a:lstStyle/>
+        <a:p>
+          <a:endParaRPr lang="en-US"/>
+        </a:p>
+      </dgm:t>
+    </dgm:pt>
+    <dgm:pt modelId="{31B9BF1A-74D3-4FE4-8F77-32CA642DD8E3}">
+      <dgm:prSet/>
+      <dgm:spPr/>
+      <dgm:t>
+        <a:bodyPr/>
+        <a:lstStyle/>
+        <a:p>
+          <a:r>
+            <a:rPr lang="en-US"/>
+            <a:t>Need better preparation</a:t>
+          </a:r>
+        </a:p>
+      </dgm:t>
+    </dgm:pt>
+    <dgm:pt modelId="{87BB9492-272D-4C5E-8A03-450E5E2777D5}" type="parTrans" cxnId="{CBB273A4-6B92-4FDE-8759-4FA31415300D}">
+      <dgm:prSet/>
+      <dgm:spPr/>
+      <dgm:t>
+        <a:bodyPr/>
+        <a:lstStyle/>
+        <a:p>
+          <a:endParaRPr lang="en-US"/>
+        </a:p>
+      </dgm:t>
+    </dgm:pt>
+    <dgm:pt modelId="{7D7009C0-4107-4335-B543-7BDE316BFD44}" type="sibTrans" cxnId="{CBB273A4-6B92-4FDE-8759-4FA31415300D}">
+      <dgm:prSet/>
+      <dgm:spPr/>
+      <dgm:t>
+        <a:bodyPr/>
+        <a:lstStyle/>
+        <a:p>
+          <a:endParaRPr lang="en-US"/>
+        </a:p>
+      </dgm:t>
+    </dgm:pt>
+    <dgm:pt modelId="{91A55085-E15F-42B3-BFAF-CF8B98189EDE}">
+      <dgm:prSet/>
+      <dgm:spPr/>
+      <dgm:t>
+        <a:bodyPr/>
+        <a:lstStyle/>
+        <a:p>
+          <a:r>
+            <a:rPr lang="en-US"/>
+            <a:t>More visuals</a:t>
+          </a:r>
+        </a:p>
+      </dgm:t>
+    </dgm:pt>
+    <dgm:pt modelId="{D14CF7CB-4289-4A86-8C4F-E856D3895F00}" type="parTrans" cxnId="{319DCE5B-A4DD-429B-A2C5-3DE9B9C84347}">
+      <dgm:prSet/>
+      <dgm:spPr/>
+      <dgm:t>
+        <a:bodyPr/>
+        <a:lstStyle/>
+        <a:p>
+          <a:endParaRPr lang="en-US"/>
+        </a:p>
+      </dgm:t>
+    </dgm:pt>
+    <dgm:pt modelId="{5807EBFE-73AC-48A8-9A2B-B6B6861BE97F}" type="sibTrans" cxnId="{319DCE5B-A4DD-429B-A2C5-3DE9B9C84347}">
+      <dgm:prSet/>
+      <dgm:spPr/>
+      <dgm:t>
+        <a:bodyPr/>
+        <a:lstStyle/>
+        <a:p>
+          <a:endParaRPr lang="en-US"/>
+        </a:p>
+      </dgm:t>
+    </dgm:pt>
+    <dgm:pt modelId="{10B85877-10C9-46C7-8087-E76DDEA20E4F}">
+      <dgm:prSet/>
+      <dgm:spPr/>
+      <dgm:t>
+        <a:bodyPr/>
+        <a:lstStyle/>
+        <a:p>
+          <a:r>
+            <a:rPr lang="en-US"/>
+            <a:t>Look up to more possibilities for linear regression.</a:t>
+          </a:r>
+        </a:p>
+      </dgm:t>
+    </dgm:pt>
+    <dgm:pt modelId="{6FA2338E-330F-48F4-A8C7-651A1FEFBF86}" type="parTrans" cxnId="{E707F859-C981-4E05-A082-8FB014C82AE4}">
+      <dgm:prSet/>
+      <dgm:spPr/>
+      <dgm:t>
+        <a:bodyPr/>
+        <a:lstStyle/>
+        <a:p>
+          <a:endParaRPr lang="en-US"/>
+        </a:p>
+      </dgm:t>
+    </dgm:pt>
+    <dgm:pt modelId="{5B9015BE-F0C8-4476-9DBD-5C7D51C2CE86}" type="sibTrans" cxnId="{E707F859-C981-4E05-A082-8FB014C82AE4}">
+      <dgm:prSet/>
+      <dgm:spPr/>
+      <dgm:t>
+        <a:bodyPr/>
+        <a:lstStyle/>
+        <a:p>
+          <a:endParaRPr lang="en-US"/>
+        </a:p>
+      </dgm:t>
+    </dgm:pt>
+    <dgm:pt modelId="{C6912F49-430F-413C-9F97-D7952898D52A}" type="pres">
+      <dgm:prSet presAssocID="{7EBA9448-9016-4E72-B1D1-A8D5875500BC}" presName="root" presStyleCnt="0">
+        <dgm:presLayoutVars>
+          <dgm:dir/>
+          <dgm:resizeHandles val="exact"/>
+        </dgm:presLayoutVars>
+      </dgm:prSet>
+      <dgm:spPr/>
+    </dgm:pt>
+    <dgm:pt modelId="{6173F13E-0061-4BAD-BAA5-DD121E49C60C}" type="pres">
+      <dgm:prSet presAssocID="{B0176DBE-F995-4E2B-8321-7855A068B905}" presName="compNode" presStyleCnt="0"/>
+      <dgm:spPr/>
+    </dgm:pt>
+    <dgm:pt modelId="{D2E139C8-1BC6-4277-9C6C-8CE6117F5588}" type="pres">
+      <dgm:prSet presAssocID="{B0176DBE-F995-4E2B-8321-7855A068B905}" presName="bgRect" presStyleLbl="bgShp" presStyleIdx="0" presStyleCnt="8"/>
+      <dgm:spPr/>
+    </dgm:pt>
+    <dgm:pt modelId="{A4CC7395-FEA0-4CDF-817C-540ABC712EE2}" type="pres">
+      <dgm:prSet presAssocID="{B0176DBE-F995-4E2B-8321-7855A068B905}" presName="iconRect" presStyleLbl="node1" presStyleIdx="0" presStyleCnt="8"/>
+      <dgm:spPr>
+        <a:blipFill>
+          <a:blip xmlns:r="http://schemas.openxmlformats.org/officeDocument/2006/relationships" r:embed="rId1">
+            <a:extLst>
+              <a:ext uri="{28A0092B-C50C-407E-A947-70E740481C1C}">
+                <a14:useLocalDpi xmlns:a14="http://schemas.microsoft.com/office/drawing/2010/main" val="0"/>
+              </a:ext>
+              <a:ext uri="{96DAC541-7B7A-43D3-8B79-37D633B846F1}">
+                <asvg:svgBlip xmlns:asvg="http://schemas.microsoft.com/office/drawing/2016/SVG/main" r:embed="rId2"/>
+              </a:ext>
+            </a:extLst>
+          </a:blip>
+          <a:stretch>
+            <a:fillRect/>
+          </a:stretch>
+        </a:blipFill>
+        <a:ln>
+          <a:noFill/>
+        </a:ln>
+      </dgm:spPr>
+      <dgm:extLst>
+        <a:ext uri="{E40237B7-FDA0-4F09-8148-C483321AD2D9}">
+          <dgm14:cNvPr xmlns:dgm14="http://schemas.microsoft.com/office/drawing/2010/diagram" id="0" name="" descr="Users"/>
+        </a:ext>
+      </dgm:extLst>
+    </dgm:pt>
+    <dgm:pt modelId="{38CC144D-0D70-4577-B976-C0595D150E68}" type="pres">
+      <dgm:prSet presAssocID="{B0176DBE-F995-4E2B-8321-7855A068B905}" presName="spaceRect" presStyleCnt="0"/>
+      <dgm:spPr/>
+    </dgm:pt>
+    <dgm:pt modelId="{26855187-E44C-47A9-B31E-33DA443BCCD9}" type="pres">
+      <dgm:prSet presAssocID="{B0176DBE-F995-4E2B-8321-7855A068B905}" presName="parTx" presStyleLbl="revTx" presStyleIdx="0" presStyleCnt="8">
+        <dgm:presLayoutVars>
+          <dgm:chMax val="0"/>
+          <dgm:chPref val="0"/>
+        </dgm:presLayoutVars>
+      </dgm:prSet>
+      <dgm:spPr/>
+    </dgm:pt>
+    <dgm:pt modelId="{4339FDBC-0BA5-4CEE-89B8-DD3277A90D3B}" type="pres">
+      <dgm:prSet presAssocID="{590F9DFA-BEA1-43F8-BB4A-69D2EBE492EA}" presName="sibTrans" presStyleCnt="0"/>
+      <dgm:spPr/>
+    </dgm:pt>
+    <dgm:pt modelId="{3E07EF83-48B4-45E2-83A3-4963092BE62F}" type="pres">
+      <dgm:prSet presAssocID="{74E0A963-E20D-4B8C-850C-F334FF261D27}" presName="compNode" presStyleCnt="0"/>
+      <dgm:spPr/>
+    </dgm:pt>
+    <dgm:pt modelId="{CC8A67E3-3322-441E-B865-F1E6EE15E2D6}" type="pres">
+      <dgm:prSet presAssocID="{74E0A963-E20D-4B8C-850C-F334FF261D27}" presName="bgRect" presStyleLbl="bgShp" presStyleIdx="1" presStyleCnt="8"/>
+      <dgm:spPr/>
+    </dgm:pt>
+    <dgm:pt modelId="{E2BDEC89-1679-4EEC-8D71-3FF2CD8A0F2D}" type="pres">
+      <dgm:prSet presAssocID="{74E0A963-E20D-4B8C-850C-F334FF261D27}" presName="iconRect" presStyleLbl="node1" presStyleIdx="1" presStyleCnt="8"/>
+      <dgm:spPr>
+        <a:blipFill>
+          <a:blip xmlns:r="http://schemas.openxmlformats.org/officeDocument/2006/relationships" r:embed="rId3">
+            <a:extLst>
+              <a:ext uri="{28A0092B-C50C-407E-A947-70E740481C1C}">
+                <a14:useLocalDpi xmlns:a14="http://schemas.microsoft.com/office/drawing/2010/main" val="0"/>
+              </a:ext>
+              <a:ext uri="{96DAC541-7B7A-43D3-8B79-37D633B846F1}">
+                <asvg:svgBlip xmlns:asvg="http://schemas.microsoft.com/office/drawing/2016/SVG/main" r:embed="rId4"/>
+              </a:ext>
+            </a:extLst>
+          </a:blip>
+          <a:stretch>
+            <a:fillRect/>
+          </a:stretch>
+        </a:blipFill>
+        <a:ln>
+          <a:noFill/>
+        </a:ln>
+      </dgm:spPr>
+      <dgm:extLst>
+        <a:ext uri="{E40237B7-FDA0-4F09-8148-C483321AD2D9}">
+          <dgm14:cNvPr xmlns:dgm14="http://schemas.microsoft.com/office/drawing/2010/diagram" id="0" name="" descr="Bar chart"/>
+        </a:ext>
+      </dgm:extLst>
+    </dgm:pt>
+    <dgm:pt modelId="{AF4DEA7B-37CF-40DB-B151-C17D1B2E18AC}" type="pres">
+      <dgm:prSet presAssocID="{74E0A963-E20D-4B8C-850C-F334FF261D27}" presName="spaceRect" presStyleCnt="0"/>
+      <dgm:spPr/>
+    </dgm:pt>
+    <dgm:pt modelId="{E996B306-A231-46FC-ADDB-9DE9CB161ADB}" type="pres">
+      <dgm:prSet presAssocID="{74E0A963-E20D-4B8C-850C-F334FF261D27}" presName="parTx" presStyleLbl="revTx" presStyleIdx="1" presStyleCnt="8">
+        <dgm:presLayoutVars>
+          <dgm:chMax val="0"/>
+          <dgm:chPref val="0"/>
+        </dgm:presLayoutVars>
+      </dgm:prSet>
+      <dgm:spPr/>
+    </dgm:pt>
+    <dgm:pt modelId="{0DB9C767-B4B8-4C9C-AAE4-73F8B9F81674}" type="pres">
+      <dgm:prSet presAssocID="{7095A273-41A4-4BA4-920C-4EFC3D10B696}" presName="sibTrans" presStyleCnt="0"/>
+      <dgm:spPr/>
+    </dgm:pt>
+    <dgm:pt modelId="{16CC536C-95C6-404E-979D-2E64EEF0B578}" type="pres">
+      <dgm:prSet presAssocID="{0F7D4A25-81B5-48F4-927B-8EA8D9FFA67C}" presName="compNode" presStyleCnt="0"/>
+      <dgm:spPr/>
+    </dgm:pt>
+    <dgm:pt modelId="{9F7CE36A-3D03-4F73-9658-61508EC8A53A}" type="pres">
+      <dgm:prSet presAssocID="{0F7D4A25-81B5-48F4-927B-8EA8D9FFA67C}" presName="bgRect" presStyleLbl="bgShp" presStyleIdx="2" presStyleCnt="8"/>
+      <dgm:spPr/>
+    </dgm:pt>
+    <dgm:pt modelId="{940E8D1B-B4B1-4E5B-88A3-597FC09D7AF9}" type="pres">
+      <dgm:prSet presAssocID="{0F7D4A25-81B5-48F4-927B-8EA8D9FFA67C}" presName="iconRect" presStyleLbl="node1" presStyleIdx="2" presStyleCnt="8"/>
+      <dgm:spPr>
+        <a:blipFill>
+          <a:blip xmlns:r="http://schemas.openxmlformats.org/officeDocument/2006/relationships" r:embed="rId5">
+            <a:extLst>
+              <a:ext uri="{28A0092B-C50C-407E-A947-70E740481C1C}">
+                <a14:useLocalDpi xmlns:a14="http://schemas.microsoft.com/office/drawing/2010/main" val="0"/>
+              </a:ext>
+              <a:ext uri="{96DAC541-7B7A-43D3-8B79-37D633B846F1}">
+                <asvg:svgBlip xmlns:asvg="http://schemas.microsoft.com/office/drawing/2016/SVG/main" r:embed="rId6"/>
+              </a:ext>
+            </a:extLst>
+          </a:blip>
+          <a:stretch>
+            <a:fillRect/>
+          </a:stretch>
+        </a:blipFill>
+        <a:ln>
+          <a:noFill/>
+        </a:ln>
+      </dgm:spPr>
+      <dgm:extLst>
+        <a:ext uri="{E40237B7-FDA0-4F09-8148-C483321AD2D9}">
+          <dgm14:cNvPr xmlns:dgm14="http://schemas.microsoft.com/office/drawing/2010/diagram" id="0" name="" descr="Flip Calendar"/>
+        </a:ext>
+      </dgm:extLst>
+    </dgm:pt>
+    <dgm:pt modelId="{062DA65E-AE64-4B90-BE23-711C2EA65A86}" type="pres">
+      <dgm:prSet presAssocID="{0F7D4A25-81B5-48F4-927B-8EA8D9FFA67C}" presName="spaceRect" presStyleCnt="0"/>
+      <dgm:spPr/>
+    </dgm:pt>
+    <dgm:pt modelId="{9288E4C1-EB52-4AF8-9DC4-B120B7AC654C}" type="pres">
+      <dgm:prSet presAssocID="{0F7D4A25-81B5-48F4-927B-8EA8D9FFA67C}" presName="parTx" presStyleLbl="revTx" presStyleIdx="2" presStyleCnt="8">
+        <dgm:presLayoutVars>
+          <dgm:chMax val="0"/>
+          <dgm:chPref val="0"/>
+        </dgm:presLayoutVars>
+      </dgm:prSet>
+      <dgm:spPr/>
+    </dgm:pt>
+    <dgm:pt modelId="{6E9A57E2-34B7-4BDF-8930-1E398CCFE155}" type="pres">
+      <dgm:prSet presAssocID="{359F8CB8-4CEC-435F-92C5-2505FEB290C8}" presName="sibTrans" presStyleCnt="0"/>
+      <dgm:spPr/>
+    </dgm:pt>
+    <dgm:pt modelId="{20A8C8C2-8BAE-454F-A5A2-985033E5110D}" type="pres">
+      <dgm:prSet presAssocID="{5FE3493C-F960-45E0-9ED6-4007ED429E4C}" presName="compNode" presStyleCnt="0"/>
+      <dgm:spPr/>
+    </dgm:pt>
+    <dgm:pt modelId="{96A4CF48-F54E-423F-BF5E-454BB2537B20}" type="pres">
+      <dgm:prSet presAssocID="{5FE3493C-F960-45E0-9ED6-4007ED429E4C}" presName="bgRect" presStyleLbl="bgShp" presStyleIdx="3" presStyleCnt="8"/>
+      <dgm:spPr/>
+    </dgm:pt>
+    <dgm:pt modelId="{C014F0DD-869A-4C19-ADA4-AFDCB9D42D14}" type="pres">
+      <dgm:prSet presAssocID="{5FE3493C-F960-45E0-9ED6-4007ED429E4C}" presName="iconRect" presStyleLbl="node1" presStyleIdx="3" presStyleCnt="8"/>
+      <dgm:spPr>
+        <a:blipFill>
+          <a:blip xmlns:r="http://schemas.openxmlformats.org/officeDocument/2006/relationships" r:embed="rId7">
+            <a:extLst>
+              <a:ext uri="{28A0092B-C50C-407E-A947-70E740481C1C}">
+                <a14:useLocalDpi xmlns:a14="http://schemas.microsoft.com/office/drawing/2010/main" val="0"/>
+              </a:ext>
+              <a:ext uri="{96DAC541-7B7A-43D3-8B79-37D633B846F1}">
+                <asvg:svgBlip xmlns:asvg="http://schemas.microsoft.com/office/drawing/2016/SVG/main" r:embed="rId8"/>
+              </a:ext>
+            </a:extLst>
+          </a:blip>
+          <a:stretch>
+            <a:fillRect/>
+          </a:stretch>
+        </a:blipFill>
+        <a:ln>
+          <a:noFill/>
+        </a:ln>
+      </dgm:spPr>
+      <dgm:extLst>
+        <a:ext uri="{E40237B7-FDA0-4F09-8148-C483321AD2D9}">
+          <dgm14:cNvPr xmlns:dgm14="http://schemas.microsoft.com/office/drawing/2010/diagram" id="0" name="" descr="Programmer"/>
+        </a:ext>
+      </dgm:extLst>
+    </dgm:pt>
+    <dgm:pt modelId="{1812D40A-6BD3-4AE0-9675-CC48B49A1187}" type="pres">
+      <dgm:prSet presAssocID="{5FE3493C-F960-45E0-9ED6-4007ED429E4C}" presName="spaceRect" presStyleCnt="0"/>
+      <dgm:spPr/>
+    </dgm:pt>
+    <dgm:pt modelId="{A34B3D9C-00F5-4C24-871B-B045025CF950}" type="pres">
+      <dgm:prSet presAssocID="{5FE3493C-F960-45E0-9ED6-4007ED429E4C}" presName="parTx" presStyleLbl="revTx" presStyleIdx="3" presStyleCnt="8">
+        <dgm:presLayoutVars>
+          <dgm:chMax val="0"/>
+          <dgm:chPref val="0"/>
+        </dgm:presLayoutVars>
+      </dgm:prSet>
+      <dgm:spPr/>
+    </dgm:pt>
+    <dgm:pt modelId="{09C13A2D-B87D-4E9D-B322-B3A07EC42744}" type="pres">
+      <dgm:prSet presAssocID="{58E99FFB-D1EE-4FF4-83E9-FAA9AF6F3BD0}" presName="sibTrans" presStyleCnt="0"/>
+      <dgm:spPr/>
+    </dgm:pt>
+    <dgm:pt modelId="{DFC90437-206A-412D-83E3-0421D4395FDC}" type="pres">
+      <dgm:prSet presAssocID="{A4E11133-4E02-4933-99B5-BBAE7F2A3D7F}" presName="compNode" presStyleCnt="0"/>
+      <dgm:spPr/>
+    </dgm:pt>
+    <dgm:pt modelId="{50CFBF0A-7C45-41FD-A3C8-2862F2B54801}" type="pres">
+      <dgm:prSet presAssocID="{A4E11133-4E02-4933-99B5-BBAE7F2A3D7F}" presName="bgRect" presStyleLbl="bgShp" presStyleIdx="4" presStyleCnt="8"/>
+      <dgm:spPr/>
+    </dgm:pt>
+    <dgm:pt modelId="{B3C74CFE-05B5-47F9-AFB7-95E4108564AA}" type="pres">
+      <dgm:prSet presAssocID="{A4E11133-4E02-4933-99B5-BBAE7F2A3D7F}" presName="iconRect" presStyleLbl="node1" presStyleIdx="4" presStyleCnt="8"/>
+      <dgm:spPr>
+        <a:blipFill>
+          <a:blip xmlns:r="http://schemas.openxmlformats.org/officeDocument/2006/relationships" r:embed="rId9">
+            <a:extLst>
+              <a:ext uri="{28A0092B-C50C-407E-A947-70E740481C1C}">
+                <a14:useLocalDpi xmlns:a14="http://schemas.microsoft.com/office/drawing/2010/main" val="0"/>
+              </a:ext>
+              <a:ext uri="{96DAC541-7B7A-43D3-8B79-37D633B846F1}">
+                <asvg:svgBlip xmlns:asvg="http://schemas.microsoft.com/office/drawing/2016/SVG/main" r:embed="rId10"/>
+              </a:ext>
+            </a:extLst>
+          </a:blip>
+          <a:stretch>
+            <a:fillRect/>
+          </a:stretch>
+        </a:blipFill>
+        <a:ln>
+          <a:noFill/>
+        </a:ln>
+      </dgm:spPr>
+      <dgm:extLst>
+        <a:ext uri="{E40237B7-FDA0-4F09-8148-C483321AD2D9}">
+          <dgm14:cNvPr xmlns:dgm14="http://schemas.microsoft.com/office/drawing/2010/diagram" id="0" name="" descr="Stopwatch"/>
+        </a:ext>
+      </dgm:extLst>
+    </dgm:pt>
+    <dgm:pt modelId="{A8951521-01F2-4FA5-92CB-46E94A96E58C}" type="pres">
+      <dgm:prSet presAssocID="{A4E11133-4E02-4933-99B5-BBAE7F2A3D7F}" presName="spaceRect" presStyleCnt="0"/>
+      <dgm:spPr/>
+    </dgm:pt>
+    <dgm:pt modelId="{34148134-2028-4C04-A8F4-87BB7C14FF1A}" type="pres">
+      <dgm:prSet presAssocID="{A4E11133-4E02-4933-99B5-BBAE7F2A3D7F}" presName="parTx" presStyleLbl="revTx" presStyleIdx="4" presStyleCnt="8">
+        <dgm:presLayoutVars>
+          <dgm:chMax val="0"/>
+          <dgm:chPref val="0"/>
+        </dgm:presLayoutVars>
+      </dgm:prSet>
+      <dgm:spPr/>
+    </dgm:pt>
+    <dgm:pt modelId="{6A67BED4-370B-473C-BFD4-34D02BE59C74}" type="pres">
+      <dgm:prSet presAssocID="{576554E2-245A-451E-BFAB-522D767346D1}" presName="sibTrans" presStyleCnt="0"/>
+      <dgm:spPr/>
+    </dgm:pt>
+    <dgm:pt modelId="{C1D8042B-FCBC-4877-BF79-B82622E8F96A}" type="pres">
+      <dgm:prSet presAssocID="{31B9BF1A-74D3-4FE4-8F77-32CA642DD8E3}" presName="compNode" presStyleCnt="0"/>
+      <dgm:spPr/>
+    </dgm:pt>
+    <dgm:pt modelId="{2A61021D-049D-4E30-A77B-A22EBCD1655C}" type="pres">
+      <dgm:prSet presAssocID="{31B9BF1A-74D3-4FE4-8F77-32CA642DD8E3}" presName="bgRect" presStyleLbl="bgShp" presStyleIdx="5" presStyleCnt="8"/>
+      <dgm:spPr/>
+    </dgm:pt>
+    <dgm:pt modelId="{02EA0BF2-53B9-4C78-8BAE-E7B0031562F2}" type="pres">
+      <dgm:prSet presAssocID="{31B9BF1A-74D3-4FE4-8F77-32CA642DD8E3}" presName="iconRect" presStyleLbl="node1" presStyleIdx="5" presStyleCnt="8"/>
+      <dgm:spPr>
+        <a:blipFill>
+          <a:blip xmlns:r="http://schemas.openxmlformats.org/officeDocument/2006/relationships" r:embed="rId11">
+            <a:extLst>
+              <a:ext uri="{28A0092B-C50C-407E-A947-70E740481C1C}">
+                <a14:useLocalDpi xmlns:a14="http://schemas.microsoft.com/office/drawing/2010/main" val="0"/>
+              </a:ext>
+              <a:ext uri="{96DAC541-7B7A-43D3-8B79-37D633B846F1}">
+                <asvg:svgBlip xmlns:asvg="http://schemas.microsoft.com/office/drawing/2016/SVG/main" r:embed="rId12"/>
+              </a:ext>
+            </a:extLst>
+          </a:blip>
+          <a:stretch>
+            <a:fillRect/>
+          </a:stretch>
+        </a:blipFill>
+        <a:ln>
+          <a:noFill/>
+        </a:ln>
+      </dgm:spPr>
+      <dgm:extLst>
+        <a:ext uri="{E40237B7-FDA0-4F09-8148-C483321AD2D9}">
+          <dgm14:cNvPr xmlns:dgm14="http://schemas.microsoft.com/office/drawing/2010/diagram" id="0" name="" descr="Checkmark"/>
+        </a:ext>
+      </dgm:extLst>
+    </dgm:pt>
+    <dgm:pt modelId="{C49FCEAE-2FE2-402A-A672-A7DA81135459}" type="pres">
+      <dgm:prSet presAssocID="{31B9BF1A-74D3-4FE4-8F77-32CA642DD8E3}" presName="spaceRect" presStyleCnt="0"/>
+      <dgm:spPr/>
+    </dgm:pt>
+    <dgm:pt modelId="{1E52290F-47C2-48A6-9B46-E8F10A9EFC5A}" type="pres">
+      <dgm:prSet presAssocID="{31B9BF1A-74D3-4FE4-8F77-32CA642DD8E3}" presName="parTx" presStyleLbl="revTx" presStyleIdx="5" presStyleCnt="8">
+        <dgm:presLayoutVars>
+          <dgm:chMax val="0"/>
+          <dgm:chPref val="0"/>
+        </dgm:presLayoutVars>
+      </dgm:prSet>
+      <dgm:spPr/>
+    </dgm:pt>
+    <dgm:pt modelId="{28C5300E-E61B-4099-8D48-DB7D34A820A3}" type="pres">
+      <dgm:prSet presAssocID="{7D7009C0-4107-4335-B543-7BDE316BFD44}" presName="sibTrans" presStyleCnt="0"/>
+      <dgm:spPr/>
+    </dgm:pt>
+    <dgm:pt modelId="{7A2FA21C-3C9C-41DE-A451-D691289D2353}" type="pres">
+      <dgm:prSet presAssocID="{91A55085-E15F-42B3-BFAF-CF8B98189EDE}" presName="compNode" presStyleCnt="0"/>
+      <dgm:spPr/>
+    </dgm:pt>
+    <dgm:pt modelId="{AA7A2049-AECD-4D77-9BD5-2F648E0CCF93}" type="pres">
+      <dgm:prSet presAssocID="{91A55085-E15F-42B3-BFAF-CF8B98189EDE}" presName="bgRect" presStyleLbl="bgShp" presStyleIdx="6" presStyleCnt="8"/>
+      <dgm:spPr/>
+    </dgm:pt>
+    <dgm:pt modelId="{C02131A2-3DDE-4348-82E0-1D783144767C}" type="pres">
+      <dgm:prSet presAssocID="{91A55085-E15F-42B3-BFAF-CF8B98189EDE}" presName="iconRect" presStyleLbl="node1" presStyleIdx="6" presStyleCnt="8"/>
+      <dgm:spPr>
+        <a:blipFill>
+          <a:blip xmlns:r="http://schemas.openxmlformats.org/officeDocument/2006/relationships" r:embed="rId13">
+            <a:extLst>
+              <a:ext uri="{28A0092B-C50C-407E-A947-70E740481C1C}">
+                <a14:useLocalDpi xmlns:a14="http://schemas.microsoft.com/office/drawing/2010/main" val="0"/>
+              </a:ext>
+              <a:ext uri="{96DAC541-7B7A-43D3-8B79-37D633B846F1}">
+                <asvg:svgBlip xmlns:asvg="http://schemas.microsoft.com/office/drawing/2016/SVG/main" r:embed="rId14"/>
+              </a:ext>
+            </a:extLst>
+          </a:blip>
+          <a:stretch>
+            <a:fillRect/>
+          </a:stretch>
+        </a:blipFill>
+        <a:ln>
+          <a:noFill/>
+        </a:ln>
+      </dgm:spPr>
+      <dgm:extLst>
+        <a:ext uri="{E40237B7-FDA0-4F09-8148-C483321AD2D9}">
+          <dgm14:cNvPr xmlns:dgm14="http://schemas.microsoft.com/office/drawing/2010/diagram" id="0" name="" descr="Eye"/>
+        </a:ext>
+      </dgm:extLst>
+    </dgm:pt>
+    <dgm:pt modelId="{A796A673-A11C-4A31-A0EA-6CAA5C8B27E9}" type="pres">
+      <dgm:prSet presAssocID="{91A55085-E15F-42B3-BFAF-CF8B98189EDE}" presName="spaceRect" presStyleCnt="0"/>
+      <dgm:spPr/>
+    </dgm:pt>
+    <dgm:pt modelId="{79337506-773B-4FEB-8C23-040052876439}" type="pres">
+      <dgm:prSet presAssocID="{91A55085-E15F-42B3-BFAF-CF8B98189EDE}" presName="parTx" presStyleLbl="revTx" presStyleIdx="6" presStyleCnt="8">
+        <dgm:presLayoutVars>
+          <dgm:chMax val="0"/>
+          <dgm:chPref val="0"/>
+        </dgm:presLayoutVars>
+      </dgm:prSet>
+      <dgm:spPr/>
+    </dgm:pt>
+    <dgm:pt modelId="{BB352450-0405-463D-80AB-6D67384E4E08}" type="pres">
+      <dgm:prSet presAssocID="{5807EBFE-73AC-48A8-9A2B-B6B6861BE97F}" presName="sibTrans" presStyleCnt="0"/>
+      <dgm:spPr/>
+    </dgm:pt>
+    <dgm:pt modelId="{8A9210C5-86C0-4E3D-94AE-2AE0CC23BF3A}" type="pres">
+      <dgm:prSet presAssocID="{10B85877-10C9-46C7-8087-E76DDEA20E4F}" presName="compNode" presStyleCnt="0"/>
+      <dgm:spPr/>
+    </dgm:pt>
+    <dgm:pt modelId="{EE06FFF3-EE32-4006-A1E6-4C3884049006}" type="pres">
+      <dgm:prSet presAssocID="{10B85877-10C9-46C7-8087-E76DDEA20E4F}" presName="bgRect" presStyleLbl="bgShp" presStyleIdx="7" presStyleCnt="8"/>
+      <dgm:spPr/>
+    </dgm:pt>
+    <dgm:pt modelId="{42195B39-B33D-4F6A-93C6-9B99DF69EB95}" type="pres">
+      <dgm:prSet presAssocID="{10B85877-10C9-46C7-8087-E76DDEA20E4F}" presName="iconRect" presStyleLbl="node1" presStyleIdx="7" presStyleCnt="8"/>
+      <dgm:spPr>
+        <a:blipFill>
+          <a:blip xmlns:r="http://schemas.openxmlformats.org/officeDocument/2006/relationships" r:embed="rId15">
+            <a:extLst>
+              <a:ext uri="{28A0092B-C50C-407E-A947-70E740481C1C}">
+                <a14:useLocalDpi xmlns:a14="http://schemas.microsoft.com/office/drawing/2010/main" val="0"/>
+              </a:ext>
+              <a:ext uri="{96DAC541-7B7A-43D3-8B79-37D633B846F1}">
+                <asvg:svgBlip xmlns:asvg="http://schemas.microsoft.com/office/drawing/2016/SVG/main" r:embed="rId16"/>
+              </a:ext>
+            </a:extLst>
+          </a:blip>
+          <a:stretch>
+            <a:fillRect/>
+          </a:stretch>
+        </a:blipFill>
+        <a:ln>
+          <a:noFill/>
+        </a:ln>
+      </dgm:spPr>
+      <dgm:extLst>
+        <a:ext uri="{E40237B7-FDA0-4F09-8148-C483321AD2D9}">
+          <dgm14:cNvPr xmlns:dgm14="http://schemas.microsoft.com/office/drawing/2010/diagram" id="0" name="" descr="Statistics"/>
+        </a:ext>
+      </dgm:extLst>
+    </dgm:pt>
+    <dgm:pt modelId="{0E4CB78B-D7B7-44AC-93E8-2834E69CD7C6}" type="pres">
+      <dgm:prSet presAssocID="{10B85877-10C9-46C7-8087-E76DDEA20E4F}" presName="spaceRect" presStyleCnt="0"/>
+      <dgm:spPr/>
+    </dgm:pt>
+    <dgm:pt modelId="{ACC63C2B-ECDB-44F3-B74C-33BA30E0BD5F}" type="pres">
+      <dgm:prSet presAssocID="{10B85877-10C9-46C7-8087-E76DDEA20E4F}" presName="parTx" presStyleLbl="revTx" presStyleIdx="7" presStyleCnt="8">
+        <dgm:presLayoutVars>
+          <dgm:chMax val="0"/>
+          <dgm:chPref val="0"/>
+        </dgm:presLayoutVars>
+      </dgm:prSet>
+      <dgm:spPr/>
+    </dgm:pt>
+  </dgm:ptLst>
+  <dgm:cxnLst>
+    <dgm:cxn modelId="{5A49CE0A-037D-447E-A5BE-29E6C32D20E3}" type="presOf" srcId="{5FE3493C-F960-45E0-9ED6-4007ED429E4C}" destId="{A34B3D9C-00F5-4C24-871B-B045025CF950}" srcOrd="0" destOrd="0" presId="urn:microsoft.com/office/officeart/2018/2/layout/IconVerticalSolidList"/>
+    <dgm:cxn modelId="{4F32AD0B-8078-4F5F-9A32-E246AC94C8A8}" srcId="{7EBA9448-9016-4E72-B1D1-A8D5875500BC}" destId="{B0176DBE-F995-4E2B-8321-7855A068B905}" srcOrd="0" destOrd="0" parTransId="{6E42F936-49DD-468A-8959-A1187A050601}" sibTransId="{590F9DFA-BEA1-43F8-BB4A-69D2EBE492EA}"/>
+    <dgm:cxn modelId="{7525BD23-86A1-44AB-9A4B-34E224A0F2F7}" type="presOf" srcId="{B0176DBE-F995-4E2B-8321-7855A068B905}" destId="{26855187-E44C-47A9-B31E-33DA443BCCD9}" srcOrd="0" destOrd="0" presId="urn:microsoft.com/office/officeart/2018/2/layout/IconVerticalSolidList"/>
+    <dgm:cxn modelId="{B401C32F-1C8F-47E2-9097-D6DF80AB386C}" srcId="{7EBA9448-9016-4E72-B1D1-A8D5875500BC}" destId="{A4E11133-4E02-4933-99B5-BBAE7F2A3D7F}" srcOrd="4" destOrd="0" parTransId="{A35095D5-77CC-4DC3-9A59-73A5A898EAAD}" sibTransId="{576554E2-245A-451E-BFAB-522D767346D1}"/>
+    <dgm:cxn modelId="{1277A93F-EBE6-4DEA-99F7-FFB5B6404AA5}" srcId="{7EBA9448-9016-4E72-B1D1-A8D5875500BC}" destId="{0F7D4A25-81B5-48F4-927B-8EA8D9FFA67C}" srcOrd="2" destOrd="0" parTransId="{98C2FBB7-5420-4857-9D6E-C4DD5BC1815C}" sibTransId="{359F8CB8-4CEC-435F-92C5-2505FEB290C8}"/>
+    <dgm:cxn modelId="{29A4E940-382D-4A38-9DF3-583E1AD7C7E5}" type="presOf" srcId="{74E0A963-E20D-4B8C-850C-F334FF261D27}" destId="{E996B306-A231-46FC-ADDB-9DE9CB161ADB}" srcOrd="0" destOrd="0" presId="urn:microsoft.com/office/officeart/2018/2/layout/IconVerticalSolidList"/>
+    <dgm:cxn modelId="{319DCE5B-A4DD-429B-A2C5-3DE9B9C84347}" srcId="{7EBA9448-9016-4E72-B1D1-A8D5875500BC}" destId="{91A55085-E15F-42B3-BFAF-CF8B98189EDE}" srcOrd="6" destOrd="0" parTransId="{D14CF7CB-4289-4A86-8C4F-E856D3895F00}" sibTransId="{5807EBFE-73AC-48A8-9A2B-B6B6861BE97F}"/>
+    <dgm:cxn modelId="{F2EC2F5D-5BFB-4B2F-B702-04B7DE2EFB5D}" srcId="{7EBA9448-9016-4E72-B1D1-A8D5875500BC}" destId="{74E0A963-E20D-4B8C-850C-F334FF261D27}" srcOrd="1" destOrd="0" parTransId="{CD06C5AB-D368-4AEC-84B7-51D3D60E62BE}" sibTransId="{7095A273-41A4-4BA4-920C-4EFC3D10B696}"/>
+    <dgm:cxn modelId="{6A490464-1708-48D6-B2D3-07C619A7AC4B}" srcId="{7EBA9448-9016-4E72-B1D1-A8D5875500BC}" destId="{5FE3493C-F960-45E0-9ED6-4007ED429E4C}" srcOrd="3" destOrd="0" parTransId="{50D395B4-C7D6-423C-BDC3-27FA2D59883C}" sibTransId="{58E99FFB-D1EE-4FF4-83E9-FAA9AF6F3BD0}"/>
+    <dgm:cxn modelId="{569C7F78-DB09-4C6F-B089-FE66EFEA1F26}" type="presOf" srcId="{A4E11133-4E02-4933-99B5-BBAE7F2A3D7F}" destId="{34148134-2028-4C04-A8F4-87BB7C14FF1A}" srcOrd="0" destOrd="0" presId="urn:microsoft.com/office/officeart/2018/2/layout/IconVerticalSolidList"/>
+    <dgm:cxn modelId="{E707F859-C981-4E05-A082-8FB014C82AE4}" srcId="{7EBA9448-9016-4E72-B1D1-A8D5875500BC}" destId="{10B85877-10C9-46C7-8087-E76DDEA20E4F}" srcOrd="7" destOrd="0" parTransId="{6FA2338E-330F-48F4-A8C7-651A1FEFBF86}" sibTransId="{5B9015BE-F0C8-4476-9DBD-5C7D51C2CE86}"/>
+    <dgm:cxn modelId="{66D74C98-7BCE-42E3-9FAB-ABB47BE6DB03}" type="presOf" srcId="{7EBA9448-9016-4E72-B1D1-A8D5875500BC}" destId="{C6912F49-430F-413C-9F97-D7952898D52A}" srcOrd="0" destOrd="0" presId="urn:microsoft.com/office/officeart/2018/2/layout/IconVerticalSolidList"/>
+    <dgm:cxn modelId="{CBB273A4-6B92-4FDE-8759-4FA31415300D}" srcId="{7EBA9448-9016-4E72-B1D1-A8D5875500BC}" destId="{31B9BF1A-74D3-4FE4-8F77-32CA642DD8E3}" srcOrd="5" destOrd="0" parTransId="{87BB9492-272D-4C5E-8A03-450E5E2777D5}" sibTransId="{7D7009C0-4107-4335-B543-7BDE316BFD44}"/>
+    <dgm:cxn modelId="{B071E8B2-FDC2-4D63-B2E4-E7610722D860}" type="presOf" srcId="{31B9BF1A-74D3-4FE4-8F77-32CA642DD8E3}" destId="{1E52290F-47C2-48A6-9B46-E8F10A9EFC5A}" srcOrd="0" destOrd="0" presId="urn:microsoft.com/office/officeart/2018/2/layout/IconVerticalSolidList"/>
+    <dgm:cxn modelId="{7828FEBD-1FD0-480A-AFB8-0024375CAE86}" type="presOf" srcId="{0F7D4A25-81B5-48F4-927B-8EA8D9FFA67C}" destId="{9288E4C1-EB52-4AF8-9DC4-B120B7AC654C}" srcOrd="0" destOrd="0" presId="urn:microsoft.com/office/officeart/2018/2/layout/IconVerticalSolidList"/>
+    <dgm:cxn modelId="{91C1C1DF-7F76-4DB9-B4D5-6830A5DC6121}" type="presOf" srcId="{10B85877-10C9-46C7-8087-E76DDEA20E4F}" destId="{ACC63C2B-ECDB-44F3-B74C-33BA30E0BD5F}" srcOrd="0" destOrd="0" presId="urn:microsoft.com/office/officeart/2018/2/layout/IconVerticalSolidList"/>
+    <dgm:cxn modelId="{45FBF6E3-1B78-48B1-8D0B-3D109E516073}" type="presOf" srcId="{91A55085-E15F-42B3-BFAF-CF8B98189EDE}" destId="{79337506-773B-4FEB-8C23-040052876439}" srcOrd="0" destOrd="0" presId="urn:microsoft.com/office/officeart/2018/2/layout/IconVerticalSolidList"/>
+    <dgm:cxn modelId="{78EC5588-D7AA-4465-8B2A-B016B87C3759}" type="presParOf" srcId="{C6912F49-430F-413C-9F97-D7952898D52A}" destId="{6173F13E-0061-4BAD-BAA5-DD121E49C60C}" srcOrd="0" destOrd="0" presId="urn:microsoft.com/office/officeart/2018/2/layout/IconVerticalSolidList"/>
+    <dgm:cxn modelId="{5D97F932-FBE2-4533-8243-F1D109C39587}" type="presParOf" srcId="{6173F13E-0061-4BAD-BAA5-DD121E49C60C}" destId="{D2E139C8-1BC6-4277-9C6C-8CE6117F5588}" srcOrd="0" destOrd="0" presId="urn:microsoft.com/office/officeart/2018/2/layout/IconVerticalSolidList"/>
+    <dgm:cxn modelId="{3C2CA614-6B06-466F-8D61-05C4CD0B9296}" type="presParOf" srcId="{6173F13E-0061-4BAD-BAA5-DD121E49C60C}" destId="{A4CC7395-FEA0-4CDF-817C-540ABC712EE2}" srcOrd="1" destOrd="0" presId="urn:microsoft.com/office/officeart/2018/2/layout/IconVerticalSolidList"/>
+    <dgm:cxn modelId="{B2E0E52D-4955-40CF-9E74-5095125630F6}" type="presParOf" srcId="{6173F13E-0061-4BAD-BAA5-DD121E49C60C}" destId="{38CC144D-0D70-4577-B976-C0595D150E68}" srcOrd="2" destOrd="0" presId="urn:microsoft.com/office/officeart/2018/2/layout/IconVerticalSolidList"/>
+    <dgm:cxn modelId="{C19D474A-C190-43CF-A7EA-EEB6DBB5601F}" type="presParOf" srcId="{6173F13E-0061-4BAD-BAA5-DD121E49C60C}" destId="{26855187-E44C-47A9-B31E-33DA443BCCD9}" srcOrd="3" destOrd="0" presId="urn:microsoft.com/office/officeart/2018/2/layout/IconVerticalSolidList"/>
+    <dgm:cxn modelId="{9357C2D6-FEEF-42DE-808A-97AC72FABB0F}" type="presParOf" srcId="{C6912F49-430F-413C-9F97-D7952898D52A}" destId="{4339FDBC-0BA5-4CEE-89B8-DD3277A90D3B}" srcOrd="1" destOrd="0" presId="urn:microsoft.com/office/officeart/2018/2/layout/IconVerticalSolidList"/>
+    <dgm:cxn modelId="{91919DE1-A97B-48E9-BB70-5FA4EC79A118}" type="presParOf" srcId="{C6912F49-430F-413C-9F97-D7952898D52A}" destId="{3E07EF83-48B4-45E2-83A3-4963092BE62F}" srcOrd="2" destOrd="0" presId="urn:microsoft.com/office/officeart/2018/2/layout/IconVerticalSolidList"/>
+    <dgm:cxn modelId="{F0B968A3-6EFA-4983-909E-94D23512560E}" type="presParOf" srcId="{3E07EF83-48B4-45E2-83A3-4963092BE62F}" destId="{CC8A67E3-3322-441E-B865-F1E6EE15E2D6}" srcOrd="0" destOrd="0" presId="urn:microsoft.com/office/officeart/2018/2/layout/IconVerticalSolidList"/>
+    <dgm:cxn modelId="{8E4F37DB-709B-4D6E-BE84-135D66E02C36}" type="presParOf" srcId="{3E07EF83-48B4-45E2-83A3-4963092BE62F}" destId="{E2BDEC89-1679-4EEC-8D71-3FF2CD8A0F2D}" srcOrd="1" destOrd="0" presId="urn:microsoft.com/office/officeart/2018/2/layout/IconVerticalSolidList"/>
+    <dgm:cxn modelId="{C955D0B3-3E7C-4F67-91C1-9C6413A36728}" type="presParOf" srcId="{3E07EF83-48B4-45E2-83A3-4963092BE62F}" destId="{AF4DEA7B-37CF-40DB-B151-C17D1B2E18AC}" srcOrd="2" destOrd="0" presId="urn:microsoft.com/office/officeart/2018/2/layout/IconVerticalSolidList"/>
+    <dgm:cxn modelId="{C279B701-B89A-408B-B1C3-C1AF3BA37BD9}" type="presParOf" srcId="{3E07EF83-48B4-45E2-83A3-4963092BE62F}" destId="{E996B306-A231-46FC-ADDB-9DE9CB161ADB}" srcOrd="3" destOrd="0" presId="urn:microsoft.com/office/officeart/2018/2/layout/IconVerticalSolidList"/>
+    <dgm:cxn modelId="{AA7B1074-FF65-4BB2-9E53-731DAEED25E0}" type="presParOf" srcId="{C6912F49-430F-413C-9F97-D7952898D52A}" destId="{0DB9C767-B4B8-4C9C-AAE4-73F8B9F81674}" srcOrd="3" destOrd="0" presId="urn:microsoft.com/office/officeart/2018/2/layout/IconVerticalSolidList"/>
+    <dgm:cxn modelId="{F2B6ACD1-3172-4B25-A9F6-8F1279FB74F3}" type="presParOf" srcId="{C6912F49-430F-413C-9F97-D7952898D52A}" destId="{16CC536C-95C6-404E-979D-2E64EEF0B578}" srcOrd="4" destOrd="0" presId="urn:microsoft.com/office/officeart/2018/2/layout/IconVerticalSolidList"/>
+    <dgm:cxn modelId="{CC02341B-1010-47E1-9534-7A7EFB33102A}" type="presParOf" srcId="{16CC536C-95C6-404E-979D-2E64EEF0B578}" destId="{9F7CE36A-3D03-4F73-9658-61508EC8A53A}" srcOrd="0" destOrd="0" presId="urn:microsoft.com/office/officeart/2018/2/layout/IconVerticalSolidList"/>
+    <dgm:cxn modelId="{8807DC79-1EF1-4C76-A9B3-A7DBDF7054AE}" type="presParOf" srcId="{16CC536C-95C6-404E-979D-2E64EEF0B578}" destId="{940E8D1B-B4B1-4E5B-88A3-597FC09D7AF9}" srcOrd="1" destOrd="0" presId="urn:microsoft.com/office/officeart/2018/2/layout/IconVerticalSolidList"/>
+    <dgm:cxn modelId="{D7094137-0906-4B44-A42A-FD68CE9981D1}" type="presParOf" srcId="{16CC536C-95C6-404E-979D-2E64EEF0B578}" destId="{062DA65E-AE64-4B90-BE23-711C2EA65A86}" srcOrd="2" destOrd="0" presId="urn:microsoft.com/office/officeart/2018/2/layout/IconVerticalSolidList"/>
+    <dgm:cxn modelId="{14368440-2ADC-4049-AEB6-CC120BE7CA76}" type="presParOf" srcId="{16CC536C-95C6-404E-979D-2E64EEF0B578}" destId="{9288E4C1-EB52-4AF8-9DC4-B120B7AC654C}" srcOrd="3" destOrd="0" presId="urn:microsoft.com/office/officeart/2018/2/layout/IconVerticalSolidList"/>
+    <dgm:cxn modelId="{34F264DB-A033-41A0-8BAF-27C1451C87FC}" type="presParOf" srcId="{C6912F49-430F-413C-9F97-D7952898D52A}" destId="{6E9A57E2-34B7-4BDF-8930-1E398CCFE155}" srcOrd="5" destOrd="0" presId="urn:microsoft.com/office/officeart/2018/2/layout/IconVerticalSolidList"/>
+    <dgm:cxn modelId="{5AF2628C-D29F-4705-A467-B85732B17F2B}" type="presParOf" srcId="{C6912F49-430F-413C-9F97-D7952898D52A}" destId="{20A8C8C2-8BAE-454F-A5A2-985033E5110D}" srcOrd="6" destOrd="0" presId="urn:microsoft.com/office/officeart/2018/2/layout/IconVerticalSolidList"/>
+    <dgm:cxn modelId="{FAEF7D2E-8ACA-4486-864D-187FFBEE00B2}" type="presParOf" srcId="{20A8C8C2-8BAE-454F-A5A2-985033E5110D}" destId="{96A4CF48-F54E-423F-BF5E-454BB2537B20}" srcOrd="0" destOrd="0" presId="urn:microsoft.com/office/officeart/2018/2/layout/IconVerticalSolidList"/>
+    <dgm:cxn modelId="{DEB18D24-73A6-458D-8054-F7359D0AD1A2}" type="presParOf" srcId="{20A8C8C2-8BAE-454F-A5A2-985033E5110D}" destId="{C014F0DD-869A-4C19-ADA4-AFDCB9D42D14}" srcOrd="1" destOrd="0" presId="urn:microsoft.com/office/officeart/2018/2/layout/IconVerticalSolidList"/>
+    <dgm:cxn modelId="{57D84F64-5E45-4E46-929C-767D3DFAEE41}" type="presParOf" srcId="{20A8C8C2-8BAE-454F-A5A2-985033E5110D}" destId="{1812D40A-6BD3-4AE0-9675-CC48B49A1187}" srcOrd="2" destOrd="0" presId="urn:microsoft.com/office/officeart/2018/2/layout/IconVerticalSolidList"/>
+    <dgm:cxn modelId="{279FF3A5-ED78-4AE0-B6CF-C6AAEC2E5C15}" type="presParOf" srcId="{20A8C8C2-8BAE-454F-A5A2-985033E5110D}" destId="{A34B3D9C-00F5-4C24-871B-B045025CF950}" srcOrd="3" destOrd="0" presId="urn:microsoft.com/office/officeart/2018/2/layout/IconVerticalSolidList"/>
+    <dgm:cxn modelId="{3A3EB644-89D6-4DA4-9551-0B6344DA97C8}" type="presParOf" srcId="{C6912F49-430F-413C-9F97-D7952898D52A}" destId="{09C13A2D-B87D-4E9D-B322-B3A07EC42744}" srcOrd="7" destOrd="0" presId="urn:microsoft.com/office/officeart/2018/2/layout/IconVerticalSolidList"/>
+    <dgm:cxn modelId="{9BCA14F3-8530-4142-A0D3-4C2152DBF7AF}" type="presParOf" srcId="{C6912F49-430F-413C-9F97-D7952898D52A}" destId="{DFC90437-206A-412D-83E3-0421D4395FDC}" srcOrd="8" destOrd="0" presId="urn:microsoft.com/office/officeart/2018/2/layout/IconVerticalSolidList"/>
+    <dgm:cxn modelId="{88605DD7-85CC-4CD1-9ADC-97D32691D7FD}" type="presParOf" srcId="{DFC90437-206A-412D-83E3-0421D4395FDC}" destId="{50CFBF0A-7C45-41FD-A3C8-2862F2B54801}" srcOrd="0" destOrd="0" presId="urn:microsoft.com/office/officeart/2018/2/layout/IconVerticalSolidList"/>
+    <dgm:cxn modelId="{6E52F4ED-5C0E-4182-B984-CCD1DD055205}" type="presParOf" srcId="{DFC90437-206A-412D-83E3-0421D4395FDC}" destId="{B3C74CFE-05B5-47F9-AFB7-95E4108564AA}" srcOrd="1" destOrd="0" presId="urn:microsoft.com/office/officeart/2018/2/layout/IconVerticalSolidList"/>
+    <dgm:cxn modelId="{7DE461F0-C0DC-4028-BF35-1B26B82A47F2}" type="presParOf" srcId="{DFC90437-206A-412D-83E3-0421D4395FDC}" destId="{A8951521-01F2-4FA5-92CB-46E94A96E58C}" srcOrd="2" destOrd="0" presId="urn:microsoft.com/office/officeart/2018/2/layout/IconVerticalSolidList"/>
+    <dgm:cxn modelId="{A4442D62-643E-4E99-8399-D35806368E53}" type="presParOf" srcId="{DFC90437-206A-412D-83E3-0421D4395FDC}" destId="{34148134-2028-4C04-A8F4-87BB7C14FF1A}" srcOrd="3" destOrd="0" presId="urn:microsoft.com/office/officeart/2018/2/layout/IconVerticalSolidList"/>
+    <dgm:cxn modelId="{F8509826-38EC-4649-9B55-E71EE61984FD}" type="presParOf" srcId="{C6912F49-430F-413C-9F97-D7952898D52A}" destId="{6A67BED4-370B-473C-BFD4-34D02BE59C74}" srcOrd="9" destOrd="0" presId="urn:microsoft.com/office/officeart/2018/2/layout/IconVerticalSolidList"/>
+    <dgm:cxn modelId="{5A391E34-291D-4891-9CF7-BBBD5A840405}" type="presParOf" srcId="{C6912F49-430F-413C-9F97-D7952898D52A}" destId="{C1D8042B-FCBC-4877-BF79-B82622E8F96A}" srcOrd="10" destOrd="0" presId="urn:microsoft.com/office/officeart/2018/2/layout/IconVerticalSolidList"/>
+    <dgm:cxn modelId="{D97DE1B8-0BD0-4BD8-B426-D73F51B004CF}" type="presParOf" srcId="{C1D8042B-FCBC-4877-BF79-B82622E8F96A}" destId="{2A61021D-049D-4E30-A77B-A22EBCD1655C}" srcOrd="0" destOrd="0" presId="urn:microsoft.com/office/officeart/2018/2/layout/IconVerticalSolidList"/>
+    <dgm:cxn modelId="{559090E0-8812-43AC-8B22-8A2F1C0F086F}" type="presParOf" srcId="{C1D8042B-FCBC-4877-BF79-B82622E8F96A}" destId="{02EA0BF2-53B9-4C78-8BAE-E7B0031562F2}" srcOrd="1" destOrd="0" presId="urn:microsoft.com/office/officeart/2018/2/layout/IconVerticalSolidList"/>
+    <dgm:cxn modelId="{4011AB92-6616-46CC-9084-C4C6125406FD}" type="presParOf" srcId="{C1D8042B-FCBC-4877-BF79-B82622E8F96A}" destId="{C49FCEAE-2FE2-402A-A672-A7DA81135459}" srcOrd="2" destOrd="0" presId="urn:microsoft.com/office/officeart/2018/2/layout/IconVerticalSolidList"/>
+    <dgm:cxn modelId="{710946F5-1798-4E32-BF74-14E0EFF38D84}" type="presParOf" srcId="{C1D8042B-FCBC-4877-BF79-B82622E8F96A}" destId="{1E52290F-47C2-48A6-9B46-E8F10A9EFC5A}" srcOrd="3" destOrd="0" presId="urn:microsoft.com/office/officeart/2018/2/layout/IconVerticalSolidList"/>
+    <dgm:cxn modelId="{93DC86E9-3612-4D3E-9F5F-75C553FBDB78}" type="presParOf" srcId="{C6912F49-430F-413C-9F97-D7952898D52A}" destId="{28C5300E-E61B-4099-8D48-DB7D34A820A3}" srcOrd="11" destOrd="0" presId="urn:microsoft.com/office/officeart/2018/2/layout/IconVerticalSolidList"/>
+    <dgm:cxn modelId="{A59BB0A6-861F-4320-9BF6-4217EB32CA17}" type="presParOf" srcId="{C6912F49-430F-413C-9F97-D7952898D52A}" destId="{7A2FA21C-3C9C-41DE-A451-D691289D2353}" srcOrd="12" destOrd="0" presId="urn:microsoft.com/office/officeart/2018/2/layout/IconVerticalSolidList"/>
+    <dgm:cxn modelId="{4701B81E-4343-4FD5-A351-2C02228FDB9B}" type="presParOf" srcId="{7A2FA21C-3C9C-41DE-A451-D691289D2353}" destId="{AA7A2049-AECD-4D77-9BD5-2F648E0CCF93}" srcOrd="0" destOrd="0" presId="urn:microsoft.com/office/officeart/2018/2/layout/IconVerticalSolidList"/>
+    <dgm:cxn modelId="{722D8056-897A-4A27-8E52-F816B5C220B3}" type="presParOf" srcId="{7A2FA21C-3C9C-41DE-A451-D691289D2353}" destId="{C02131A2-3DDE-4348-82E0-1D783144767C}" srcOrd="1" destOrd="0" presId="urn:microsoft.com/office/officeart/2018/2/layout/IconVerticalSolidList"/>
+    <dgm:cxn modelId="{2BB2769E-E8D7-46D8-82F2-A5571026193B}" type="presParOf" srcId="{7A2FA21C-3C9C-41DE-A451-D691289D2353}" destId="{A796A673-A11C-4A31-A0EA-6CAA5C8B27E9}" srcOrd="2" destOrd="0" presId="urn:microsoft.com/office/officeart/2018/2/layout/IconVerticalSolidList"/>
+    <dgm:cxn modelId="{09D66E33-02F7-4D14-A3DE-76E83193C88B}" type="presParOf" srcId="{7A2FA21C-3C9C-41DE-A451-D691289D2353}" destId="{79337506-773B-4FEB-8C23-040052876439}" srcOrd="3" destOrd="0" presId="urn:microsoft.com/office/officeart/2018/2/layout/IconVerticalSolidList"/>
+    <dgm:cxn modelId="{EFDD502E-3BD0-4837-9393-BDF56F357BA6}" type="presParOf" srcId="{C6912F49-430F-413C-9F97-D7952898D52A}" destId="{BB352450-0405-463D-80AB-6D67384E4E08}" srcOrd="13" destOrd="0" presId="urn:microsoft.com/office/officeart/2018/2/layout/IconVerticalSolidList"/>
+    <dgm:cxn modelId="{46753B67-B0EE-43BD-9219-06E6F43A2F92}" type="presParOf" srcId="{C6912F49-430F-413C-9F97-D7952898D52A}" destId="{8A9210C5-86C0-4E3D-94AE-2AE0CC23BF3A}" srcOrd="14" destOrd="0" presId="urn:microsoft.com/office/officeart/2018/2/layout/IconVerticalSolidList"/>
+    <dgm:cxn modelId="{1D7C293D-358C-41A5-A95F-78BE0AAAA39C}" type="presParOf" srcId="{8A9210C5-86C0-4E3D-94AE-2AE0CC23BF3A}" destId="{EE06FFF3-EE32-4006-A1E6-4C3884049006}" srcOrd="0" destOrd="0" presId="urn:microsoft.com/office/officeart/2018/2/layout/IconVerticalSolidList"/>
+    <dgm:cxn modelId="{EEA682BB-7DCC-432E-9FA3-033D8D339E1D}" type="presParOf" srcId="{8A9210C5-86C0-4E3D-94AE-2AE0CC23BF3A}" destId="{42195B39-B33D-4F6A-93C6-9B99DF69EB95}" srcOrd="1" destOrd="0" presId="urn:microsoft.com/office/officeart/2018/2/layout/IconVerticalSolidList"/>
+    <dgm:cxn modelId="{D2C016DC-0B2E-417E-8788-F321034E867C}" type="presParOf" srcId="{8A9210C5-86C0-4E3D-94AE-2AE0CC23BF3A}" destId="{0E4CB78B-D7B7-44AC-93E8-2834E69CD7C6}" srcOrd="2" destOrd="0" presId="urn:microsoft.com/office/officeart/2018/2/layout/IconVerticalSolidList"/>
+    <dgm:cxn modelId="{851AA19A-D85D-4F9D-A1C2-A81F5832832C}" type="presParOf" srcId="{8A9210C5-86C0-4E3D-94AE-2AE0CC23BF3A}" destId="{ACC63C2B-ECDB-44F3-B74C-33BA30E0BD5F}" srcOrd="3" destOrd="0" presId="urn:microsoft.com/office/officeart/2018/2/layout/IconVerticalSolidList"/>
+  </dgm:cxnLst>
+  <dgm:bg/>
+  <dgm:whole/>
+  <dgm:extLst>
+    <a:ext uri="http://schemas.microsoft.com/office/drawing/2008/diagram">
+      <dsp:dataModelExt xmlns:dsp="http://schemas.microsoft.com/office/drawing/2008/diagram" relId="rId6" minVer="http://schemas.openxmlformats.org/drawingml/2006/diagram"/>
+    </a:ext>
+  </dgm:extLst>
+</dgm:dataModel>
+</file>
+
+<file path=ppt/diagrams/data2.xml><?xml version="1.0" encoding="utf-8"?>
+<dgm:dataModel xmlns:dgm="http://schemas.openxmlformats.org/drawingml/2006/diagram" xmlns:a="http://schemas.openxmlformats.org/drawingml/2006/main">
+  <dgm:ptLst>
+    <dgm:pt modelId="{05377189-5992-45BE-B651-7042042BA471}" type="doc">
+      <dgm:prSet loTypeId="urn:microsoft.com/office/officeart/2005/8/layout/default" loCatId="list" qsTypeId="urn:microsoft.com/office/officeart/2005/8/quickstyle/simple2" qsCatId="simple" csTypeId="urn:microsoft.com/office/officeart/2005/8/colors/accent2_2" csCatId="accent2"/>
+      <dgm:spPr/>
+      <dgm:t>
+        <a:bodyPr/>
+        <a:lstStyle/>
+        <a:p>
+          <a:endParaRPr lang="en-US"/>
+        </a:p>
+      </dgm:t>
+    </dgm:pt>
+    <dgm:pt modelId="{7135F508-A9E2-4A5D-A4DD-FB0335D19971}">
+      <dgm:prSet/>
+      <dgm:spPr/>
+      <dgm:t>
+        <a:bodyPr/>
+        <a:lstStyle/>
+        <a:p>
+          <a:r>
+            <a:rPr lang="en-US"/>
+            <a:t>The year 2022 saw the most Christmas songs created, driven by technological advancements and the globalization of music. </a:t>
+          </a:r>
+        </a:p>
+      </dgm:t>
+    </dgm:pt>
+    <dgm:pt modelId="{B70AAA86-6391-490D-B824-2089A8470F0F}" type="parTrans" cxnId="{9DD1F7A0-5000-4307-A307-4609A8ADE1A4}">
+      <dgm:prSet/>
+      <dgm:spPr/>
+      <dgm:t>
+        <a:bodyPr/>
+        <a:lstStyle/>
+        <a:p>
+          <a:endParaRPr lang="en-US"/>
+        </a:p>
+      </dgm:t>
+    </dgm:pt>
+    <dgm:pt modelId="{B3BFC905-F874-4615-B9DE-74A698B3B223}" type="sibTrans" cxnId="{9DD1F7A0-5000-4307-A307-4609A8ADE1A4}">
+      <dgm:prSet/>
+      <dgm:spPr/>
+      <dgm:t>
+        <a:bodyPr/>
+        <a:lstStyle/>
+        <a:p>
+          <a:endParaRPr lang="en-US"/>
+        </a:p>
+      </dgm:t>
+    </dgm:pt>
+    <dgm:pt modelId="{AEABA57D-DC35-41FA-99E9-4D2B2ED7E5C8}">
+      <dgm:prSet/>
+      <dgm:spPr/>
+      <dgm:t>
+        <a:bodyPr/>
+        <a:lstStyle/>
+        <a:p>
+          <a:r>
+            <a:rPr lang="en-US"/>
+            <a:t>Artists and musicians explored new sounds and innovative production techniques, resulting in a surge in Christmas songs. </a:t>
+          </a:r>
+        </a:p>
+      </dgm:t>
+    </dgm:pt>
+    <dgm:pt modelId="{7FC1DDD4-557D-494A-9764-7E36A0F28CAF}" type="parTrans" cxnId="{0C00BFA1-ABD9-4A46-8265-77F04B3D49B2}">
+      <dgm:prSet/>
+      <dgm:spPr/>
+      <dgm:t>
+        <a:bodyPr/>
+        <a:lstStyle/>
+        <a:p>
+          <a:endParaRPr lang="en-US"/>
+        </a:p>
+      </dgm:t>
+    </dgm:pt>
+    <dgm:pt modelId="{ED630115-11FA-4B96-B3AF-DBB04996875E}" type="sibTrans" cxnId="{0C00BFA1-ABD9-4A46-8265-77F04B3D49B2}">
+      <dgm:prSet/>
+      <dgm:spPr/>
+      <dgm:t>
+        <a:bodyPr/>
+        <a:lstStyle/>
+        <a:p>
+          <a:endParaRPr lang="en-US"/>
+        </a:p>
+      </dgm:t>
+    </dgm:pt>
+    <dgm:pt modelId="{0D4D87EE-E881-4544-A495-B49F52171C10}">
+      <dgm:prSet/>
+      <dgm:spPr/>
+      <dgm:t>
+        <a:bodyPr/>
+        <a:lstStyle/>
+        <a:p>
+          <a:r>
+            <a:rPr lang="en-US"/>
+            <a:t>Key signatures and modes have diversified, with artists drawing inspiration from different cultures and genres. </a:t>
+          </a:r>
+        </a:p>
+      </dgm:t>
+    </dgm:pt>
+    <dgm:pt modelId="{57DB57B1-01C2-42D3-B47F-2742FD7C6947}" type="parTrans" cxnId="{687DEF95-C5D1-4C8C-BF77-27D0C1574261}">
+      <dgm:prSet/>
+      <dgm:spPr/>
+      <dgm:t>
+        <a:bodyPr/>
+        <a:lstStyle/>
+        <a:p>
+          <a:endParaRPr lang="en-US"/>
+        </a:p>
+      </dgm:t>
+    </dgm:pt>
+    <dgm:pt modelId="{3199B536-D134-4F48-B16A-A81124E8BC50}" type="sibTrans" cxnId="{687DEF95-C5D1-4C8C-BF77-27D0C1574261}">
+      <dgm:prSet/>
+      <dgm:spPr/>
+      <dgm:t>
+        <a:bodyPr/>
+        <a:lstStyle/>
+        <a:p>
+          <a:endParaRPr lang="en-US"/>
+        </a:p>
+      </dgm:t>
+    </dgm:pt>
+    <dgm:pt modelId="{BCDC0104-CDC8-4C08-A22A-AA586838408B}">
+      <dgm:prSet/>
+      <dgm:spPr/>
+      <dgm:t>
+        <a:bodyPr/>
+        <a:lstStyle/>
+        <a:p>
+          <a:r>
+            <a:rPr lang="en-US"/>
+            <a:t>Tempo in Christmas music is not arbitrary, as certain keys may have inherent associations with the holiday season. </a:t>
+          </a:r>
+        </a:p>
+      </dgm:t>
+    </dgm:pt>
+    <dgm:pt modelId="{F8B53DB7-1D44-4474-8468-3E4FEB732BE7}" type="parTrans" cxnId="{FC88E946-21F2-4093-A80F-5B2B2FDA20FF}">
+      <dgm:prSet/>
+      <dgm:spPr/>
+      <dgm:t>
+        <a:bodyPr/>
+        <a:lstStyle/>
+        <a:p>
+          <a:endParaRPr lang="en-US"/>
+        </a:p>
+      </dgm:t>
+    </dgm:pt>
+    <dgm:pt modelId="{FDCC59D7-80D9-4E4E-BB02-6B71BBCFC528}" type="sibTrans" cxnId="{FC88E946-21F2-4093-A80F-5B2B2FDA20FF}">
+      <dgm:prSet/>
+      <dgm:spPr/>
+      <dgm:t>
+        <a:bodyPr/>
+        <a:lstStyle/>
+        <a:p>
+          <a:endParaRPr lang="en-US"/>
+        </a:p>
+      </dgm:t>
+    </dgm:pt>
+    <dgm:pt modelId="{9B8CCA47-F0C8-4959-91F9-423F42D1FA7D}">
+      <dgm:prSet/>
+      <dgm:spPr/>
+      <dgm:t>
+        <a:bodyPr/>
+        <a:lstStyle/>
+        <a:p>
+          <a:r>
+            <a:rPr lang="en-US"/>
+            <a:t>Spotify, Apple Charts, Shazam, and Deezer share similarities in heat maps and statistics, but each platform has its unique features and user base. </a:t>
+          </a:r>
+        </a:p>
+      </dgm:t>
+    </dgm:pt>
+    <dgm:pt modelId="{6BE93CC9-3D5E-4F6C-A4E0-A8926038D2D1}" type="parTrans" cxnId="{56F4B17E-7024-4BE2-996C-303BA965648C}">
+      <dgm:prSet/>
+      <dgm:spPr/>
+      <dgm:t>
+        <a:bodyPr/>
+        <a:lstStyle/>
+        <a:p>
+          <a:endParaRPr lang="en-US"/>
+        </a:p>
+      </dgm:t>
+    </dgm:pt>
+    <dgm:pt modelId="{FDE82C1C-FC91-4E86-AFE0-5CD6B84BCFB5}" type="sibTrans" cxnId="{56F4B17E-7024-4BE2-996C-303BA965648C}">
+      <dgm:prSet/>
+      <dgm:spPr/>
+      <dgm:t>
+        <a:bodyPr/>
+        <a:lstStyle/>
+        <a:p>
+          <a:endParaRPr lang="en-US"/>
+        </a:p>
+      </dgm:t>
+    </dgm:pt>
+    <dgm:pt modelId="{0DC5AE28-DAB8-49B3-910B-DB7E9C4317E6}">
+      <dgm:prSet/>
+      <dgm:spPr/>
+      <dgm:t>
+        <a:bodyPr/>
+        <a:lstStyle/>
+        <a:p>
+          <a:r>
+            <a:rPr lang="en-US"/>
+            <a:t>Understanding these differences can provide a deeper understanding of music consumption across different streaming services.</a:t>
+          </a:r>
+        </a:p>
+      </dgm:t>
+    </dgm:pt>
+    <dgm:pt modelId="{2D4B8682-7573-442B-A6C3-3BD3F1D3831A}" type="parTrans" cxnId="{64B95622-FD8B-4260-866E-DFB1C2B6F436}">
+      <dgm:prSet/>
+      <dgm:spPr/>
+      <dgm:t>
+        <a:bodyPr/>
+        <a:lstStyle/>
+        <a:p>
+          <a:endParaRPr lang="en-US"/>
+        </a:p>
+      </dgm:t>
+    </dgm:pt>
+    <dgm:pt modelId="{6FAECCDD-E1D3-47F0-B50D-F51D16A91687}" type="sibTrans" cxnId="{64B95622-FD8B-4260-866E-DFB1C2B6F436}">
+      <dgm:prSet/>
+      <dgm:spPr/>
+      <dgm:t>
+        <a:bodyPr/>
+        <a:lstStyle/>
+        <a:p>
+          <a:endParaRPr lang="en-US"/>
+        </a:p>
+      </dgm:t>
+    </dgm:pt>
+    <dgm:pt modelId="{D5C36402-152E-48AC-9647-27B57345FADD}" type="pres">
+      <dgm:prSet presAssocID="{05377189-5992-45BE-B651-7042042BA471}" presName="diagram" presStyleCnt="0">
+        <dgm:presLayoutVars>
+          <dgm:dir/>
+          <dgm:resizeHandles val="exact"/>
+        </dgm:presLayoutVars>
+      </dgm:prSet>
+      <dgm:spPr/>
+    </dgm:pt>
+    <dgm:pt modelId="{6D3E9441-B6E9-48D6-829C-29AD6B4047F3}" type="pres">
+      <dgm:prSet presAssocID="{7135F508-A9E2-4A5D-A4DD-FB0335D19971}" presName="node" presStyleLbl="node1" presStyleIdx="0" presStyleCnt="6">
+        <dgm:presLayoutVars>
+          <dgm:bulletEnabled val="1"/>
+        </dgm:presLayoutVars>
+      </dgm:prSet>
+      <dgm:spPr/>
+    </dgm:pt>
+    <dgm:pt modelId="{2F84E300-88F9-4864-9541-464B298334D0}" type="pres">
+      <dgm:prSet presAssocID="{B3BFC905-F874-4615-B9DE-74A698B3B223}" presName="sibTrans" presStyleCnt="0"/>
+      <dgm:spPr/>
+    </dgm:pt>
+    <dgm:pt modelId="{1175225B-392B-481C-A633-297CEB2C0F2E}" type="pres">
+      <dgm:prSet presAssocID="{AEABA57D-DC35-41FA-99E9-4D2B2ED7E5C8}" presName="node" presStyleLbl="node1" presStyleIdx="1" presStyleCnt="6">
+        <dgm:presLayoutVars>
+          <dgm:bulletEnabled val="1"/>
+        </dgm:presLayoutVars>
+      </dgm:prSet>
+      <dgm:spPr/>
+    </dgm:pt>
+    <dgm:pt modelId="{967F6F0B-46FC-4A38-A37B-E9394431F1D4}" type="pres">
+      <dgm:prSet presAssocID="{ED630115-11FA-4B96-B3AF-DBB04996875E}" presName="sibTrans" presStyleCnt="0"/>
+      <dgm:spPr/>
+    </dgm:pt>
+    <dgm:pt modelId="{EB427854-6A65-460B-A4AF-2CE83E03A190}" type="pres">
+      <dgm:prSet presAssocID="{0D4D87EE-E881-4544-A495-B49F52171C10}" presName="node" presStyleLbl="node1" presStyleIdx="2" presStyleCnt="6">
+        <dgm:presLayoutVars>
+          <dgm:bulletEnabled val="1"/>
+        </dgm:presLayoutVars>
+      </dgm:prSet>
+      <dgm:spPr/>
+    </dgm:pt>
+    <dgm:pt modelId="{7E324083-AE45-4ADE-87E5-3EBCC69DE6F6}" type="pres">
+      <dgm:prSet presAssocID="{3199B536-D134-4F48-B16A-A81124E8BC50}" presName="sibTrans" presStyleCnt="0"/>
+      <dgm:spPr/>
+    </dgm:pt>
+    <dgm:pt modelId="{00211EA0-ED40-43E3-AE3D-326902AD0AB4}" type="pres">
+      <dgm:prSet presAssocID="{BCDC0104-CDC8-4C08-A22A-AA586838408B}" presName="node" presStyleLbl="node1" presStyleIdx="3" presStyleCnt="6">
+        <dgm:presLayoutVars>
+          <dgm:bulletEnabled val="1"/>
+        </dgm:presLayoutVars>
+      </dgm:prSet>
+      <dgm:spPr/>
+    </dgm:pt>
+    <dgm:pt modelId="{94DC6464-965F-4EFF-B77C-975C70F448C0}" type="pres">
+      <dgm:prSet presAssocID="{FDCC59D7-80D9-4E4E-BB02-6B71BBCFC528}" presName="sibTrans" presStyleCnt="0"/>
+      <dgm:spPr/>
+    </dgm:pt>
+    <dgm:pt modelId="{08CC9089-E8C9-4D9C-B8E7-FCA6896F6E16}" type="pres">
+      <dgm:prSet presAssocID="{9B8CCA47-F0C8-4959-91F9-423F42D1FA7D}" presName="node" presStyleLbl="node1" presStyleIdx="4" presStyleCnt="6">
+        <dgm:presLayoutVars>
+          <dgm:bulletEnabled val="1"/>
+        </dgm:presLayoutVars>
+      </dgm:prSet>
+      <dgm:spPr/>
+    </dgm:pt>
+    <dgm:pt modelId="{99285ADB-088C-46F2-AAA4-A5B73657633F}" type="pres">
+      <dgm:prSet presAssocID="{FDE82C1C-FC91-4E86-AFE0-5CD6B84BCFB5}" presName="sibTrans" presStyleCnt="0"/>
+      <dgm:spPr/>
+    </dgm:pt>
+    <dgm:pt modelId="{9F63940B-E275-4593-A9E9-475AD52E7FD0}" type="pres">
+      <dgm:prSet presAssocID="{0DC5AE28-DAB8-49B3-910B-DB7E9C4317E6}" presName="node" presStyleLbl="node1" presStyleIdx="5" presStyleCnt="6">
+        <dgm:presLayoutVars>
+          <dgm:bulletEnabled val="1"/>
+        </dgm:presLayoutVars>
+      </dgm:prSet>
+      <dgm:spPr/>
+    </dgm:pt>
+  </dgm:ptLst>
+  <dgm:cxnLst>
+    <dgm:cxn modelId="{F515DF0D-66A7-4C6B-BC89-10DF784B5826}" type="presOf" srcId="{9B8CCA47-F0C8-4959-91F9-423F42D1FA7D}" destId="{08CC9089-E8C9-4D9C-B8E7-FCA6896F6E16}" srcOrd="0" destOrd="0" presId="urn:microsoft.com/office/officeart/2005/8/layout/default"/>
+    <dgm:cxn modelId="{72DDAD14-B717-42E1-95CE-205CD0623777}" type="presOf" srcId="{0D4D87EE-E881-4544-A495-B49F52171C10}" destId="{EB427854-6A65-460B-A4AF-2CE83E03A190}" srcOrd="0" destOrd="0" presId="urn:microsoft.com/office/officeart/2005/8/layout/default"/>
+    <dgm:cxn modelId="{3A262A16-FAA3-4C5B-98EB-914A4ABE8D2F}" type="presOf" srcId="{BCDC0104-CDC8-4C08-A22A-AA586838408B}" destId="{00211EA0-ED40-43E3-AE3D-326902AD0AB4}" srcOrd="0" destOrd="0" presId="urn:microsoft.com/office/officeart/2005/8/layout/default"/>
+    <dgm:cxn modelId="{458F2E1A-2951-466D-BC0A-9A41A53BC14C}" type="presOf" srcId="{05377189-5992-45BE-B651-7042042BA471}" destId="{D5C36402-152E-48AC-9647-27B57345FADD}" srcOrd="0" destOrd="0" presId="urn:microsoft.com/office/officeart/2005/8/layout/default"/>
+    <dgm:cxn modelId="{64B95622-FD8B-4260-866E-DFB1C2B6F436}" srcId="{05377189-5992-45BE-B651-7042042BA471}" destId="{0DC5AE28-DAB8-49B3-910B-DB7E9C4317E6}" srcOrd="5" destOrd="0" parTransId="{2D4B8682-7573-442B-A6C3-3BD3F1D3831A}" sibTransId="{6FAECCDD-E1D3-47F0-B50D-F51D16A91687}"/>
+    <dgm:cxn modelId="{517F4A38-7719-4804-BF71-A503EBFC8776}" type="presOf" srcId="{AEABA57D-DC35-41FA-99E9-4D2B2ED7E5C8}" destId="{1175225B-392B-481C-A633-297CEB2C0F2E}" srcOrd="0" destOrd="0" presId="urn:microsoft.com/office/officeart/2005/8/layout/default"/>
+    <dgm:cxn modelId="{FC88E946-21F2-4093-A80F-5B2B2FDA20FF}" srcId="{05377189-5992-45BE-B651-7042042BA471}" destId="{BCDC0104-CDC8-4C08-A22A-AA586838408B}" srcOrd="3" destOrd="0" parTransId="{F8B53DB7-1D44-4474-8468-3E4FEB732BE7}" sibTransId="{FDCC59D7-80D9-4E4E-BB02-6B71BBCFC528}"/>
+    <dgm:cxn modelId="{56F4B17E-7024-4BE2-996C-303BA965648C}" srcId="{05377189-5992-45BE-B651-7042042BA471}" destId="{9B8CCA47-F0C8-4959-91F9-423F42D1FA7D}" srcOrd="4" destOrd="0" parTransId="{6BE93CC9-3D5E-4F6C-A4E0-A8926038D2D1}" sibTransId="{FDE82C1C-FC91-4E86-AFE0-5CD6B84BCFB5}"/>
+    <dgm:cxn modelId="{687DEF95-C5D1-4C8C-BF77-27D0C1574261}" srcId="{05377189-5992-45BE-B651-7042042BA471}" destId="{0D4D87EE-E881-4544-A495-B49F52171C10}" srcOrd="2" destOrd="0" parTransId="{57DB57B1-01C2-42D3-B47F-2742FD7C6947}" sibTransId="{3199B536-D134-4F48-B16A-A81124E8BC50}"/>
+    <dgm:cxn modelId="{9DD1F7A0-5000-4307-A307-4609A8ADE1A4}" srcId="{05377189-5992-45BE-B651-7042042BA471}" destId="{7135F508-A9E2-4A5D-A4DD-FB0335D19971}" srcOrd="0" destOrd="0" parTransId="{B70AAA86-6391-490D-B824-2089A8470F0F}" sibTransId="{B3BFC905-F874-4615-B9DE-74A698B3B223}"/>
+    <dgm:cxn modelId="{0C00BFA1-ABD9-4A46-8265-77F04B3D49B2}" srcId="{05377189-5992-45BE-B651-7042042BA471}" destId="{AEABA57D-DC35-41FA-99E9-4D2B2ED7E5C8}" srcOrd="1" destOrd="0" parTransId="{7FC1DDD4-557D-494A-9764-7E36A0F28CAF}" sibTransId="{ED630115-11FA-4B96-B3AF-DBB04996875E}"/>
+    <dgm:cxn modelId="{56414DAC-37EE-4FE8-AB01-0FD0BC563DF6}" type="presOf" srcId="{7135F508-A9E2-4A5D-A4DD-FB0335D19971}" destId="{6D3E9441-B6E9-48D6-829C-29AD6B4047F3}" srcOrd="0" destOrd="0" presId="urn:microsoft.com/office/officeart/2005/8/layout/default"/>
+    <dgm:cxn modelId="{C2C2E2C2-A3B4-42A2-93A1-1677CA862849}" type="presOf" srcId="{0DC5AE28-DAB8-49B3-910B-DB7E9C4317E6}" destId="{9F63940B-E275-4593-A9E9-475AD52E7FD0}" srcOrd="0" destOrd="0" presId="urn:microsoft.com/office/officeart/2005/8/layout/default"/>
+    <dgm:cxn modelId="{B149BDE9-8FAF-4F5C-9027-E8C9C0A7226C}" type="presParOf" srcId="{D5C36402-152E-48AC-9647-27B57345FADD}" destId="{6D3E9441-B6E9-48D6-829C-29AD6B4047F3}" srcOrd="0" destOrd="0" presId="urn:microsoft.com/office/officeart/2005/8/layout/default"/>
+    <dgm:cxn modelId="{C8C84BEA-90AD-4122-9FFA-AC0823A4F15F}" type="presParOf" srcId="{D5C36402-152E-48AC-9647-27B57345FADD}" destId="{2F84E300-88F9-4864-9541-464B298334D0}" srcOrd="1" destOrd="0" presId="urn:microsoft.com/office/officeart/2005/8/layout/default"/>
+    <dgm:cxn modelId="{90FACF6C-4430-44AE-8BAA-CAFEC4F62557}" type="presParOf" srcId="{D5C36402-152E-48AC-9647-27B57345FADD}" destId="{1175225B-392B-481C-A633-297CEB2C0F2E}" srcOrd="2" destOrd="0" presId="urn:microsoft.com/office/officeart/2005/8/layout/default"/>
+    <dgm:cxn modelId="{820D6C62-5EAB-417E-A1B7-D49005C7D58E}" type="presParOf" srcId="{D5C36402-152E-48AC-9647-27B57345FADD}" destId="{967F6F0B-46FC-4A38-A37B-E9394431F1D4}" srcOrd="3" destOrd="0" presId="urn:microsoft.com/office/officeart/2005/8/layout/default"/>
+    <dgm:cxn modelId="{6185EBDC-4666-4F54-AFF4-6AA5666B61C1}" type="presParOf" srcId="{D5C36402-152E-48AC-9647-27B57345FADD}" destId="{EB427854-6A65-460B-A4AF-2CE83E03A190}" srcOrd="4" destOrd="0" presId="urn:microsoft.com/office/officeart/2005/8/layout/default"/>
+    <dgm:cxn modelId="{8ED8A632-82C8-48B3-93B3-4CEACCF70575}" type="presParOf" srcId="{D5C36402-152E-48AC-9647-27B57345FADD}" destId="{7E324083-AE45-4ADE-87E5-3EBCC69DE6F6}" srcOrd="5" destOrd="0" presId="urn:microsoft.com/office/officeart/2005/8/layout/default"/>
+    <dgm:cxn modelId="{1189EF96-59CC-4731-BA24-0E8F997AC46D}" type="presParOf" srcId="{D5C36402-152E-48AC-9647-27B57345FADD}" destId="{00211EA0-ED40-43E3-AE3D-326902AD0AB4}" srcOrd="6" destOrd="0" presId="urn:microsoft.com/office/officeart/2005/8/layout/default"/>
+    <dgm:cxn modelId="{DEE84533-D157-49A3-B6B3-4E6C0CD552A0}" type="presParOf" srcId="{D5C36402-152E-48AC-9647-27B57345FADD}" destId="{94DC6464-965F-4EFF-B77C-975C70F448C0}" srcOrd="7" destOrd="0" presId="urn:microsoft.com/office/officeart/2005/8/layout/default"/>
+    <dgm:cxn modelId="{902315A9-FEF1-4745-8497-4E237D682A34}" type="presParOf" srcId="{D5C36402-152E-48AC-9647-27B57345FADD}" destId="{08CC9089-E8C9-4D9C-B8E7-FCA6896F6E16}" srcOrd="8" destOrd="0" presId="urn:microsoft.com/office/officeart/2005/8/layout/default"/>
+    <dgm:cxn modelId="{8B19C501-8B05-4930-9E64-4D2382D3BD4C}" type="presParOf" srcId="{D5C36402-152E-48AC-9647-27B57345FADD}" destId="{99285ADB-088C-46F2-AAA4-A5B73657633F}" srcOrd="9" destOrd="0" presId="urn:microsoft.com/office/officeart/2005/8/layout/default"/>
+    <dgm:cxn modelId="{A432F69E-7771-4DB7-9758-9AF8A47CBA9C}" type="presParOf" srcId="{D5C36402-152E-48AC-9647-27B57345FADD}" destId="{9F63940B-E275-4593-A9E9-475AD52E7FD0}" srcOrd="10" destOrd="0" presId="urn:microsoft.com/office/officeart/2005/8/layout/default"/>
+  </dgm:cxnLst>
+  <dgm:bg/>
+  <dgm:whole/>
+  <dgm:extLst>
+    <a:ext uri="http://schemas.microsoft.com/office/drawing/2008/diagram">
+      <dsp:dataModelExt xmlns:dsp="http://schemas.microsoft.com/office/drawing/2008/diagram" relId="rId6" minVer="http://schemas.openxmlformats.org/drawingml/2006/diagram"/>
+    </a:ext>
+  </dgm:extLst>
+</dgm:dataModel>
+</file>
+
+<file path=ppt/diagrams/drawing1.xml><?xml version="1.0" encoding="utf-8"?>
+<dsp:drawing xmlns:dgm="http://schemas.openxmlformats.org/drawingml/2006/diagram" xmlns:dsp="http://schemas.microsoft.com/office/drawing/2008/diagram" xmlns:a="http://schemas.openxmlformats.org/drawingml/2006/main">
+  <dsp:spTree>
+    <dsp:nvGrpSpPr>
+      <dsp:cNvPr id="0" name=""/>
+      <dsp:cNvGrpSpPr/>
+    </dsp:nvGrpSpPr>
+    <dsp:grpSpPr/>
+    <dsp:sp modelId="{D2E139C8-1BC6-4277-9C6C-8CE6117F5588}">
+      <dsp:nvSpPr>
+        <dsp:cNvPr id="0" name=""/>
+        <dsp:cNvSpPr/>
+      </dsp:nvSpPr>
+      <dsp:spPr>
+        <a:xfrm>
+          <a:off x="0" y="2655"/>
+          <a:ext cx="10515600" cy="419526"/>
+        </a:xfrm>
+        <a:prstGeom prst="roundRect">
+          <a:avLst>
+            <a:gd name="adj" fmla="val 10000"/>
+          </a:avLst>
+        </a:prstGeom>
+        <a:solidFill>
+          <a:schemeClr val="accent2">
+            <a:tint val="40000"/>
+            <a:hueOff val="0"/>
+            <a:satOff val="0"/>
+            <a:lumOff val="0"/>
+            <a:alphaOff val="0"/>
+          </a:schemeClr>
+        </a:solidFill>
+        <a:ln>
+          <a:noFill/>
+        </a:ln>
+        <a:effectLst/>
+      </dsp:spPr>
+      <dsp:style>
+        <a:lnRef idx="0">
+          <a:scrgbClr r="0" g="0" b="0"/>
+        </a:lnRef>
+        <a:fillRef idx="1">
+          <a:scrgbClr r="0" g="0" b="0"/>
+        </a:fillRef>
+        <a:effectRef idx="0">
+          <a:scrgbClr r="0" g="0" b="0"/>
+        </a:effectRef>
+        <a:fontRef idx="minor"/>
+      </dsp:style>
+    </dsp:sp>
+    <dsp:sp modelId="{A4CC7395-FEA0-4CDF-817C-540ABC712EE2}">
+      <dsp:nvSpPr>
+        <dsp:cNvPr id="0" name=""/>
+        <dsp:cNvSpPr/>
+      </dsp:nvSpPr>
+      <dsp:spPr>
+        <a:xfrm>
+          <a:off x="126906" y="97048"/>
+          <a:ext cx="230964" cy="230739"/>
+        </a:xfrm>
+        <a:prstGeom prst="rect">
+          <a:avLst/>
+        </a:prstGeom>
+        <a:blipFill>
+          <a:blip xmlns:r="http://schemas.openxmlformats.org/officeDocument/2006/relationships" r:embed="rId1">
+            <a:extLst>
+              <a:ext uri="{28A0092B-C50C-407E-A947-70E740481C1C}">
+                <a14:useLocalDpi xmlns:a14="http://schemas.microsoft.com/office/drawing/2010/main" val="0"/>
+              </a:ext>
+              <a:ext uri="{96DAC541-7B7A-43D3-8B79-37D633B846F1}">
+                <asvg:svgBlip xmlns:asvg="http://schemas.microsoft.com/office/drawing/2016/SVG/main" r:embed="rId2"/>
+              </a:ext>
+            </a:extLst>
+          </a:blip>
+          <a:stretch>
+            <a:fillRect/>
+          </a:stretch>
+        </a:blipFill>
+        <a:ln w="12700" cap="flat" cmpd="sng" algn="ctr">
+          <a:noFill/>
+          <a:prstDash val="solid"/>
+          <a:miter lim="800000"/>
+        </a:ln>
+        <a:effectLst/>
+      </dsp:spPr>
+      <dsp:style>
+        <a:lnRef idx="2">
+          <a:scrgbClr r="0" g="0" b="0"/>
+        </a:lnRef>
+        <a:fillRef idx="1">
+          <a:scrgbClr r="0" g="0" b="0"/>
+        </a:fillRef>
+        <a:effectRef idx="0">
+          <a:scrgbClr r="0" g="0" b="0"/>
+        </a:effectRef>
+        <a:fontRef idx="minor">
+          <a:schemeClr val="lt1"/>
+        </a:fontRef>
+      </dsp:style>
+    </dsp:sp>
+    <dsp:sp modelId="{26855187-E44C-47A9-B31E-33DA443BCCD9}">
+      <dsp:nvSpPr>
+        <dsp:cNvPr id="0" name=""/>
+        <dsp:cNvSpPr/>
+      </dsp:nvSpPr>
+      <dsp:spPr>
+        <a:xfrm>
+          <a:off x="484778" y="2655"/>
+          <a:ext cx="10016138" cy="445746"/>
+        </a:xfrm>
+        <a:prstGeom prst="rect">
+          <a:avLst/>
+        </a:prstGeom>
+        <a:noFill/>
+        <a:ln>
+          <a:noFill/>
+        </a:ln>
+        <a:effectLst/>
+      </dsp:spPr>
+      <dsp:style>
+        <a:lnRef idx="0">
+          <a:scrgbClr r="0" g="0" b="0"/>
+        </a:lnRef>
+        <a:fillRef idx="0">
+          <a:scrgbClr r="0" g="0" b="0"/>
+        </a:fillRef>
+        <a:effectRef idx="0">
+          <a:scrgbClr r="0" g="0" b="0"/>
+        </a:effectRef>
+        <a:fontRef idx="minor"/>
+      </dsp:style>
+      <dsp:txBody>
+        <a:bodyPr spcFirstLastPara="0" vert="horz" wrap="square" lIns="47175" tIns="47175" rIns="47175" bIns="47175" numCol="1" spcCol="1270" anchor="ctr" anchorCtr="0">
+          <a:noAutofit/>
+        </a:bodyPr>
+        <a:lstStyle/>
+        <a:p>
+          <a:pPr marL="0" lvl="0" indent="0" algn="l" defTabSz="622300">
+            <a:lnSpc>
+              <a:spcPct val="90000"/>
+            </a:lnSpc>
+            <a:spcBef>
+              <a:spcPct val="0"/>
+            </a:spcBef>
+            <a:spcAft>
+              <a:spcPct val="35000"/>
+            </a:spcAft>
+            <a:buNone/>
+          </a:pPr>
+          <a:r>
+            <a:rPr lang="en-US" sz="1400" kern="1200"/>
+            <a:t>Working with “group by”</a:t>
+          </a:r>
+        </a:p>
+      </dsp:txBody>
+      <dsp:txXfrm>
+        <a:off x="484778" y="2655"/>
+        <a:ext cx="10016138" cy="445746"/>
+      </dsp:txXfrm>
+    </dsp:sp>
+    <dsp:sp modelId="{CC8A67E3-3322-441E-B865-F1E6EE15E2D6}">
+      <dsp:nvSpPr>
+        <dsp:cNvPr id="0" name=""/>
+        <dsp:cNvSpPr/>
+      </dsp:nvSpPr>
+      <dsp:spPr>
+        <a:xfrm>
+          <a:off x="0" y="559838"/>
+          <a:ext cx="10515600" cy="419526"/>
+        </a:xfrm>
+        <a:prstGeom prst="roundRect">
+          <a:avLst>
+            <a:gd name="adj" fmla="val 10000"/>
+          </a:avLst>
+        </a:prstGeom>
+        <a:solidFill>
+          <a:schemeClr val="accent2">
+            <a:tint val="40000"/>
+            <a:hueOff val="0"/>
+            <a:satOff val="0"/>
+            <a:lumOff val="0"/>
+            <a:alphaOff val="0"/>
+          </a:schemeClr>
+        </a:solidFill>
+        <a:ln>
+          <a:noFill/>
+        </a:ln>
+        <a:effectLst/>
+      </dsp:spPr>
+      <dsp:style>
+        <a:lnRef idx="0">
+          <a:scrgbClr r="0" g="0" b="0"/>
+        </a:lnRef>
+        <a:fillRef idx="1">
+          <a:scrgbClr r="0" g="0" b="0"/>
+        </a:fillRef>
+        <a:effectRef idx="0">
+          <a:scrgbClr r="0" g="0" b="0"/>
+        </a:effectRef>
+        <a:fontRef idx="minor"/>
+      </dsp:style>
+    </dsp:sp>
+    <dsp:sp modelId="{E2BDEC89-1679-4EEC-8D71-3FF2CD8A0F2D}">
+      <dsp:nvSpPr>
+        <dsp:cNvPr id="0" name=""/>
+        <dsp:cNvSpPr/>
+      </dsp:nvSpPr>
+      <dsp:spPr>
+        <a:xfrm>
+          <a:off x="126906" y="654231"/>
+          <a:ext cx="230964" cy="230739"/>
+        </a:xfrm>
+        <a:prstGeom prst="rect">
+          <a:avLst/>
+        </a:prstGeom>
+        <a:blipFill>
+          <a:blip xmlns:r="http://schemas.openxmlformats.org/officeDocument/2006/relationships" r:embed="rId3">
+            <a:extLst>
+              <a:ext uri="{28A0092B-C50C-407E-A947-70E740481C1C}">
+                <a14:useLocalDpi xmlns:a14="http://schemas.microsoft.com/office/drawing/2010/main" val="0"/>
+              </a:ext>
+              <a:ext uri="{96DAC541-7B7A-43D3-8B79-37D633B846F1}">
+                <asvg:svgBlip xmlns:asvg="http://schemas.microsoft.com/office/drawing/2016/SVG/main" r:embed="rId4"/>
+              </a:ext>
+            </a:extLst>
+          </a:blip>
+          <a:stretch>
+            <a:fillRect/>
+          </a:stretch>
+        </a:blipFill>
+        <a:ln w="12700" cap="flat" cmpd="sng" algn="ctr">
+          <a:noFill/>
+          <a:prstDash val="solid"/>
+          <a:miter lim="800000"/>
+        </a:ln>
+        <a:effectLst/>
+      </dsp:spPr>
+      <dsp:style>
+        <a:lnRef idx="2">
+          <a:scrgbClr r="0" g="0" b="0"/>
+        </a:lnRef>
+        <a:fillRef idx="1">
+          <a:scrgbClr r="0" g="0" b="0"/>
+        </a:fillRef>
+        <a:effectRef idx="0">
+          <a:scrgbClr r="0" g="0" b="0"/>
+        </a:effectRef>
+        <a:fontRef idx="minor">
+          <a:schemeClr val="lt1"/>
+        </a:fontRef>
+      </dsp:style>
+    </dsp:sp>
+    <dsp:sp modelId="{E996B306-A231-46FC-ADDB-9DE9CB161ADB}">
+      <dsp:nvSpPr>
+        <dsp:cNvPr id="0" name=""/>
+        <dsp:cNvSpPr/>
+      </dsp:nvSpPr>
+      <dsp:spPr>
+        <a:xfrm>
+          <a:off x="484778" y="559838"/>
+          <a:ext cx="10016138" cy="445746"/>
+        </a:xfrm>
+        <a:prstGeom prst="rect">
+          <a:avLst/>
+        </a:prstGeom>
+        <a:noFill/>
+        <a:ln>
+          <a:noFill/>
+        </a:ln>
+        <a:effectLst/>
+      </dsp:spPr>
+      <dsp:style>
+        <a:lnRef idx="0">
+          <a:scrgbClr r="0" g="0" b="0"/>
+        </a:lnRef>
+        <a:fillRef idx="0">
+          <a:scrgbClr r="0" g="0" b="0"/>
+        </a:fillRef>
+        <a:effectRef idx="0">
+          <a:scrgbClr r="0" g="0" b="0"/>
+        </a:effectRef>
+        <a:fontRef idx="minor"/>
+      </dsp:style>
+      <dsp:txBody>
+        <a:bodyPr spcFirstLastPara="0" vert="horz" wrap="square" lIns="47175" tIns="47175" rIns="47175" bIns="47175" numCol="1" spcCol="1270" anchor="ctr" anchorCtr="0">
+          <a:noAutofit/>
+        </a:bodyPr>
+        <a:lstStyle/>
+        <a:p>
+          <a:pPr marL="0" lvl="0" indent="0" algn="l" defTabSz="622300">
+            <a:lnSpc>
+              <a:spcPct val="90000"/>
+            </a:lnSpc>
+            <a:spcBef>
+              <a:spcPct val="0"/>
+            </a:spcBef>
+            <a:spcAft>
+              <a:spcPct val="35000"/>
+            </a:spcAft>
+            <a:buNone/>
+          </a:pPr>
+          <a:r>
+            <a:rPr lang="en-US" sz="1400" kern="1200"/>
+            <a:t>Differentiating the categorical data from the statistical data</a:t>
+          </a:r>
+        </a:p>
+      </dsp:txBody>
+      <dsp:txXfrm>
+        <a:off x="484778" y="559838"/>
+        <a:ext cx="10016138" cy="445746"/>
+      </dsp:txXfrm>
+    </dsp:sp>
+    <dsp:sp modelId="{9F7CE36A-3D03-4F73-9658-61508EC8A53A}">
+      <dsp:nvSpPr>
+        <dsp:cNvPr id="0" name=""/>
+        <dsp:cNvSpPr/>
+      </dsp:nvSpPr>
+      <dsp:spPr>
+        <a:xfrm>
+          <a:off x="0" y="1117021"/>
+          <a:ext cx="10515600" cy="419526"/>
+        </a:xfrm>
+        <a:prstGeom prst="roundRect">
+          <a:avLst>
+            <a:gd name="adj" fmla="val 10000"/>
+          </a:avLst>
+        </a:prstGeom>
+        <a:solidFill>
+          <a:schemeClr val="accent2">
+            <a:tint val="40000"/>
+            <a:hueOff val="0"/>
+            <a:satOff val="0"/>
+            <a:lumOff val="0"/>
+            <a:alphaOff val="0"/>
+          </a:schemeClr>
+        </a:solidFill>
+        <a:ln>
+          <a:noFill/>
+        </a:ln>
+        <a:effectLst/>
+      </dsp:spPr>
+      <dsp:style>
+        <a:lnRef idx="0">
+          <a:scrgbClr r="0" g="0" b="0"/>
+        </a:lnRef>
+        <a:fillRef idx="1">
+          <a:scrgbClr r="0" g="0" b="0"/>
+        </a:fillRef>
+        <a:effectRef idx="0">
+          <a:scrgbClr r="0" g="0" b="0"/>
+        </a:effectRef>
+        <a:fontRef idx="minor"/>
+      </dsp:style>
+    </dsp:sp>
+    <dsp:sp modelId="{940E8D1B-B4B1-4E5B-88A3-597FC09D7AF9}">
+      <dsp:nvSpPr>
+        <dsp:cNvPr id="0" name=""/>
+        <dsp:cNvSpPr/>
+      </dsp:nvSpPr>
+      <dsp:spPr>
+        <a:xfrm>
+          <a:off x="126906" y="1211414"/>
+          <a:ext cx="230964" cy="230739"/>
+        </a:xfrm>
+        <a:prstGeom prst="rect">
+          <a:avLst/>
+        </a:prstGeom>
+        <a:blipFill>
+          <a:blip xmlns:r="http://schemas.openxmlformats.org/officeDocument/2006/relationships" r:embed="rId5">
+            <a:extLst>
+              <a:ext uri="{28A0092B-C50C-407E-A947-70E740481C1C}">
+                <a14:useLocalDpi xmlns:a14="http://schemas.microsoft.com/office/drawing/2010/main" val="0"/>
+              </a:ext>
+              <a:ext uri="{96DAC541-7B7A-43D3-8B79-37D633B846F1}">
+                <asvg:svgBlip xmlns:asvg="http://schemas.microsoft.com/office/drawing/2016/SVG/main" r:embed="rId6"/>
+              </a:ext>
+            </a:extLst>
+          </a:blip>
+          <a:stretch>
+            <a:fillRect/>
+          </a:stretch>
+        </a:blipFill>
+        <a:ln w="12700" cap="flat" cmpd="sng" algn="ctr">
+          <a:noFill/>
+          <a:prstDash val="solid"/>
+          <a:miter lim="800000"/>
+        </a:ln>
+        <a:effectLst/>
+      </dsp:spPr>
+      <dsp:style>
+        <a:lnRef idx="2">
+          <a:scrgbClr r="0" g="0" b="0"/>
+        </a:lnRef>
+        <a:fillRef idx="1">
+          <a:scrgbClr r="0" g="0" b="0"/>
+        </a:fillRef>
+        <a:effectRef idx="0">
+          <a:scrgbClr r="0" g="0" b="0"/>
+        </a:effectRef>
+        <a:fontRef idx="minor">
+          <a:schemeClr val="lt1"/>
+        </a:fontRef>
+      </dsp:style>
+    </dsp:sp>
+    <dsp:sp modelId="{9288E4C1-EB52-4AF8-9DC4-B120B7AC654C}">
+      <dsp:nvSpPr>
+        <dsp:cNvPr id="0" name=""/>
+        <dsp:cNvSpPr/>
+      </dsp:nvSpPr>
+      <dsp:spPr>
+        <a:xfrm>
+          <a:off x="484778" y="1117021"/>
+          <a:ext cx="10016138" cy="445746"/>
+        </a:xfrm>
+        <a:prstGeom prst="rect">
+          <a:avLst/>
+        </a:prstGeom>
+        <a:noFill/>
+        <a:ln>
+          <a:noFill/>
+        </a:ln>
+        <a:effectLst/>
+      </dsp:spPr>
+      <dsp:style>
+        <a:lnRef idx="0">
+          <a:scrgbClr r="0" g="0" b="0"/>
+        </a:lnRef>
+        <a:fillRef idx="0">
+          <a:scrgbClr r="0" g="0" b="0"/>
+        </a:fillRef>
+        <a:effectRef idx="0">
+          <a:scrgbClr r="0" g="0" b="0"/>
+        </a:effectRef>
+        <a:fontRef idx="minor"/>
+      </dsp:style>
+      <dsp:txBody>
+        <a:bodyPr spcFirstLastPara="0" vert="horz" wrap="square" lIns="47175" tIns="47175" rIns="47175" bIns="47175" numCol="1" spcCol="1270" anchor="ctr" anchorCtr="0">
+          <a:noAutofit/>
+        </a:bodyPr>
+        <a:lstStyle/>
+        <a:p>
+          <a:pPr marL="0" lvl="0" indent="0" algn="l" defTabSz="622300">
+            <a:lnSpc>
+              <a:spcPct val="90000"/>
+            </a:lnSpc>
+            <a:spcBef>
+              <a:spcPct val="0"/>
+            </a:spcBef>
+            <a:spcAft>
+              <a:spcPct val="35000"/>
+            </a:spcAft>
+            <a:buNone/>
+          </a:pPr>
+          <a:r>
+            <a:rPr lang="en-US" sz="1400" kern="1200"/>
+            <a:t>The implementation of the new column of Date/Time and how it affected the outcomes of the process.</a:t>
+          </a:r>
+        </a:p>
+      </dsp:txBody>
+      <dsp:txXfrm>
+        <a:off x="484778" y="1117021"/>
+        <a:ext cx="10016138" cy="445746"/>
+      </dsp:txXfrm>
+    </dsp:sp>
+    <dsp:sp modelId="{96A4CF48-F54E-423F-BF5E-454BB2537B20}">
+      <dsp:nvSpPr>
+        <dsp:cNvPr id="0" name=""/>
+        <dsp:cNvSpPr/>
+      </dsp:nvSpPr>
+      <dsp:spPr>
+        <a:xfrm>
+          <a:off x="0" y="1674204"/>
+          <a:ext cx="10515600" cy="419526"/>
+        </a:xfrm>
+        <a:prstGeom prst="roundRect">
+          <a:avLst>
+            <a:gd name="adj" fmla="val 10000"/>
+          </a:avLst>
+        </a:prstGeom>
+        <a:solidFill>
+          <a:schemeClr val="accent2">
+            <a:tint val="40000"/>
+            <a:hueOff val="0"/>
+            <a:satOff val="0"/>
+            <a:lumOff val="0"/>
+            <a:alphaOff val="0"/>
+          </a:schemeClr>
+        </a:solidFill>
+        <a:ln>
+          <a:noFill/>
+        </a:ln>
+        <a:effectLst/>
+      </dsp:spPr>
+      <dsp:style>
+        <a:lnRef idx="0">
+          <a:scrgbClr r="0" g="0" b="0"/>
+        </a:lnRef>
+        <a:fillRef idx="1">
+          <a:scrgbClr r="0" g="0" b="0"/>
+        </a:fillRef>
+        <a:effectRef idx="0">
+          <a:scrgbClr r="0" g="0" b="0"/>
+        </a:effectRef>
+        <a:fontRef idx="minor"/>
+      </dsp:style>
+    </dsp:sp>
+    <dsp:sp modelId="{C014F0DD-869A-4C19-ADA4-AFDCB9D42D14}">
+      <dsp:nvSpPr>
+        <dsp:cNvPr id="0" name=""/>
+        <dsp:cNvSpPr/>
+      </dsp:nvSpPr>
+      <dsp:spPr>
+        <a:xfrm>
+          <a:off x="126906" y="1768597"/>
+          <a:ext cx="230964" cy="230739"/>
+        </a:xfrm>
+        <a:prstGeom prst="rect">
+          <a:avLst/>
+        </a:prstGeom>
+        <a:blipFill>
+          <a:blip xmlns:r="http://schemas.openxmlformats.org/officeDocument/2006/relationships" r:embed="rId7">
+            <a:extLst>
+              <a:ext uri="{28A0092B-C50C-407E-A947-70E740481C1C}">
+                <a14:useLocalDpi xmlns:a14="http://schemas.microsoft.com/office/drawing/2010/main" val="0"/>
+              </a:ext>
+              <a:ext uri="{96DAC541-7B7A-43D3-8B79-37D633B846F1}">
+                <asvg:svgBlip xmlns:asvg="http://schemas.microsoft.com/office/drawing/2016/SVG/main" r:embed="rId8"/>
+              </a:ext>
+            </a:extLst>
+          </a:blip>
+          <a:stretch>
+            <a:fillRect/>
+          </a:stretch>
+        </a:blipFill>
+        <a:ln w="12700" cap="flat" cmpd="sng" algn="ctr">
+          <a:noFill/>
+          <a:prstDash val="solid"/>
+          <a:miter lim="800000"/>
+        </a:ln>
+        <a:effectLst/>
+      </dsp:spPr>
+      <dsp:style>
+        <a:lnRef idx="2">
+          <a:scrgbClr r="0" g="0" b="0"/>
+        </a:lnRef>
+        <a:fillRef idx="1">
+          <a:scrgbClr r="0" g="0" b="0"/>
+        </a:fillRef>
+        <a:effectRef idx="0">
+          <a:scrgbClr r="0" g="0" b="0"/>
+        </a:effectRef>
+        <a:fontRef idx="minor">
+          <a:schemeClr val="lt1"/>
+        </a:fontRef>
+      </dsp:style>
+    </dsp:sp>
+    <dsp:sp modelId="{A34B3D9C-00F5-4C24-871B-B045025CF950}">
+      <dsp:nvSpPr>
+        <dsp:cNvPr id="0" name=""/>
+        <dsp:cNvSpPr/>
+      </dsp:nvSpPr>
+      <dsp:spPr>
+        <a:xfrm>
+          <a:off x="484778" y="1674204"/>
+          <a:ext cx="10016138" cy="445746"/>
+        </a:xfrm>
+        <a:prstGeom prst="rect">
+          <a:avLst/>
+        </a:prstGeom>
+        <a:noFill/>
+        <a:ln>
+          <a:noFill/>
+        </a:ln>
+        <a:effectLst/>
+      </dsp:spPr>
+      <dsp:style>
+        <a:lnRef idx="0">
+          <a:scrgbClr r="0" g="0" b="0"/>
+        </a:lnRef>
+        <a:fillRef idx="0">
+          <a:scrgbClr r="0" g="0" b="0"/>
+        </a:fillRef>
+        <a:effectRef idx="0">
+          <a:scrgbClr r="0" g="0" b="0"/>
+        </a:effectRef>
+        <a:fontRef idx="minor"/>
+      </dsp:style>
+      <dsp:txBody>
+        <a:bodyPr spcFirstLastPara="0" vert="horz" wrap="square" lIns="47175" tIns="47175" rIns="47175" bIns="47175" numCol="1" spcCol="1270" anchor="ctr" anchorCtr="0">
+          <a:noAutofit/>
+        </a:bodyPr>
+        <a:lstStyle/>
+        <a:p>
+          <a:pPr marL="0" lvl="0" indent="0" algn="l" defTabSz="622300">
+            <a:lnSpc>
+              <a:spcPct val="90000"/>
+            </a:lnSpc>
+            <a:spcBef>
+              <a:spcPct val="0"/>
+            </a:spcBef>
+            <a:spcAft>
+              <a:spcPct val="35000"/>
+            </a:spcAft>
+            <a:buNone/>
+          </a:pPr>
+          <a:r>
+            <a:rPr lang="en-US" sz="1400" kern="1200"/>
+            <a:t>data = pd.read_csv('spotify_2023.csv', encoding = 'ISO-8859-1', engine= 'python', parse_dates=['release_date’]) (different encoding)</a:t>
+          </a:r>
+        </a:p>
+      </dsp:txBody>
+      <dsp:txXfrm>
+        <a:off x="484778" y="1674204"/>
+        <a:ext cx="10016138" cy="445746"/>
+      </dsp:txXfrm>
+    </dsp:sp>
+    <dsp:sp modelId="{50CFBF0A-7C45-41FD-A3C8-2862F2B54801}">
+      <dsp:nvSpPr>
+        <dsp:cNvPr id="0" name=""/>
+        <dsp:cNvSpPr/>
+      </dsp:nvSpPr>
+      <dsp:spPr>
+        <a:xfrm>
+          <a:off x="0" y="2231387"/>
+          <a:ext cx="10515600" cy="419526"/>
+        </a:xfrm>
+        <a:prstGeom prst="roundRect">
+          <a:avLst>
+            <a:gd name="adj" fmla="val 10000"/>
+          </a:avLst>
+        </a:prstGeom>
+        <a:solidFill>
+          <a:schemeClr val="accent2">
+            <a:tint val="40000"/>
+            <a:hueOff val="0"/>
+            <a:satOff val="0"/>
+            <a:lumOff val="0"/>
+            <a:alphaOff val="0"/>
+          </a:schemeClr>
+        </a:solidFill>
+        <a:ln>
+          <a:noFill/>
+        </a:ln>
+        <a:effectLst/>
+      </dsp:spPr>
+      <dsp:style>
+        <a:lnRef idx="0">
+          <a:scrgbClr r="0" g="0" b="0"/>
+        </a:lnRef>
+        <a:fillRef idx="1">
+          <a:scrgbClr r="0" g="0" b="0"/>
+        </a:fillRef>
+        <a:effectRef idx="0">
+          <a:scrgbClr r="0" g="0" b="0"/>
+        </a:effectRef>
+        <a:fontRef idx="minor"/>
+      </dsp:style>
+    </dsp:sp>
+    <dsp:sp modelId="{B3C74CFE-05B5-47F9-AFB7-95E4108564AA}">
+      <dsp:nvSpPr>
+        <dsp:cNvPr id="0" name=""/>
+        <dsp:cNvSpPr/>
+      </dsp:nvSpPr>
+      <dsp:spPr>
+        <a:xfrm>
+          <a:off x="126906" y="2325780"/>
+          <a:ext cx="230964" cy="230739"/>
+        </a:xfrm>
+        <a:prstGeom prst="rect">
+          <a:avLst/>
+        </a:prstGeom>
+        <a:blipFill>
+          <a:blip xmlns:r="http://schemas.openxmlformats.org/officeDocument/2006/relationships" r:embed="rId9">
+            <a:extLst>
+              <a:ext uri="{28A0092B-C50C-407E-A947-70E740481C1C}">
+                <a14:useLocalDpi xmlns:a14="http://schemas.microsoft.com/office/drawing/2010/main" val="0"/>
+              </a:ext>
+              <a:ext uri="{96DAC541-7B7A-43D3-8B79-37D633B846F1}">
+                <asvg:svgBlip xmlns:asvg="http://schemas.microsoft.com/office/drawing/2016/SVG/main" r:embed="rId10"/>
+              </a:ext>
+            </a:extLst>
+          </a:blip>
+          <a:stretch>
+            <a:fillRect/>
+          </a:stretch>
+        </a:blipFill>
+        <a:ln w="12700" cap="flat" cmpd="sng" algn="ctr">
+          <a:noFill/>
+          <a:prstDash val="solid"/>
+          <a:miter lim="800000"/>
+        </a:ln>
+        <a:effectLst/>
+      </dsp:spPr>
+      <dsp:style>
+        <a:lnRef idx="2">
+          <a:scrgbClr r="0" g="0" b="0"/>
+        </a:lnRef>
+        <a:fillRef idx="1">
+          <a:scrgbClr r="0" g="0" b="0"/>
+        </a:fillRef>
+        <a:effectRef idx="0">
+          <a:scrgbClr r="0" g="0" b="0"/>
+        </a:effectRef>
+        <a:fontRef idx="minor">
+          <a:schemeClr val="lt1"/>
+        </a:fontRef>
+      </dsp:style>
+    </dsp:sp>
+    <dsp:sp modelId="{34148134-2028-4C04-A8F4-87BB7C14FF1A}">
+      <dsp:nvSpPr>
+        <dsp:cNvPr id="0" name=""/>
+        <dsp:cNvSpPr/>
+      </dsp:nvSpPr>
+      <dsp:spPr>
+        <a:xfrm>
+          <a:off x="484778" y="2231387"/>
+          <a:ext cx="10016138" cy="445746"/>
+        </a:xfrm>
+        <a:prstGeom prst="rect">
+          <a:avLst/>
+        </a:prstGeom>
+        <a:noFill/>
+        <a:ln>
+          <a:noFill/>
+        </a:ln>
+        <a:effectLst/>
+      </dsp:spPr>
+      <dsp:style>
+        <a:lnRef idx="0">
+          <a:scrgbClr r="0" g="0" b="0"/>
+        </a:lnRef>
+        <a:fillRef idx="0">
+          <a:scrgbClr r="0" g="0" b="0"/>
+        </a:fillRef>
+        <a:effectRef idx="0">
+          <a:scrgbClr r="0" g="0" b="0"/>
+        </a:effectRef>
+        <a:fontRef idx="minor"/>
+      </dsp:style>
+      <dsp:txBody>
+        <a:bodyPr spcFirstLastPara="0" vert="horz" wrap="square" lIns="47175" tIns="47175" rIns="47175" bIns="47175" numCol="1" spcCol="1270" anchor="ctr" anchorCtr="0">
+          <a:noAutofit/>
+        </a:bodyPr>
+        <a:lstStyle/>
+        <a:p>
+          <a:pPr marL="0" lvl="0" indent="0" algn="l" defTabSz="622300">
+            <a:lnSpc>
+              <a:spcPct val="90000"/>
+            </a:lnSpc>
+            <a:spcBef>
+              <a:spcPct val="0"/>
+            </a:spcBef>
+            <a:spcAft>
+              <a:spcPct val="35000"/>
+            </a:spcAft>
+            <a:buNone/>
+          </a:pPr>
+          <a:r>
+            <a:rPr lang="en-US" sz="1400" kern="1200"/>
+            <a:t>Time management</a:t>
+          </a:r>
+        </a:p>
+      </dsp:txBody>
+      <dsp:txXfrm>
+        <a:off x="484778" y="2231387"/>
+        <a:ext cx="10016138" cy="445746"/>
+      </dsp:txXfrm>
+    </dsp:sp>
+    <dsp:sp modelId="{2A61021D-049D-4E30-A77B-A22EBCD1655C}">
+      <dsp:nvSpPr>
+        <dsp:cNvPr id="0" name=""/>
+        <dsp:cNvSpPr/>
+      </dsp:nvSpPr>
+      <dsp:spPr>
+        <a:xfrm>
+          <a:off x="0" y="2788570"/>
+          <a:ext cx="10515600" cy="419526"/>
+        </a:xfrm>
+        <a:prstGeom prst="roundRect">
+          <a:avLst>
+            <a:gd name="adj" fmla="val 10000"/>
+          </a:avLst>
+        </a:prstGeom>
+        <a:solidFill>
+          <a:schemeClr val="accent2">
+            <a:tint val="40000"/>
+            <a:hueOff val="0"/>
+            <a:satOff val="0"/>
+            <a:lumOff val="0"/>
+            <a:alphaOff val="0"/>
+          </a:schemeClr>
+        </a:solidFill>
+        <a:ln>
+          <a:noFill/>
+        </a:ln>
+        <a:effectLst/>
+      </dsp:spPr>
+      <dsp:style>
+        <a:lnRef idx="0">
+          <a:scrgbClr r="0" g="0" b="0"/>
+        </a:lnRef>
+        <a:fillRef idx="1">
+          <a:scrgbClr r="0" g="0" b="0"/>
+        </a:fillRef>
+        <a:effectRef idx="0">
+          <a:scrgbClr r="0" g="0" b="0"/>
+        </a:effectRef>
+        <a:fontRef idx="minor"/>
+      </dsp:style>
+    </dsp:sp>
+    <dsp:sp modelId="{02EA0BF2-53B9-4C78-8BAE-E7B0031562F2}">
+      <dsp:nvSpPr>
+        <dsp:cNvPr id="0" name=""/>
+        <dsp:cNvSpPr/>
+      </dsp:nvSpPr>
+      <dsp:spPr>
+        <a:xfrm>
+          <a:off x="126906" y="2882963"/>
+          <a:ext cx="230964" cy="230739"/>
+        </a:xfrm>
+        <a:prstGeom prst="rect">
+          <a:avLst/>
+        </a:prstGeom>
+        <a:blipFill>
+          <a:blip xmlns:r="http://schemas.openxmlformats.org/officeDocument/2006/relationships" r:embed="rId11">
+            <a:extLst>
+              <a:ext uri="{28A0092B-C50C-407E-A947-70E740481C1C}">
+                <a14:useLocalDpi xmlns:a14="http://schemas.microsoft.com/office/drawing/2010/main" val="0"/>
+              </a:ext>
+              <a:ext uri="{96DAC541-7B7A-43D3-8B79-37D633B846F1}">
+                <asvg:svgBlip xmlns:asvg="http://schemas.microsoft.com/office/drawing/2016/SVG/main" r:embed="rId12"/>
+              </a:ext>
+            </a:extLst>
+          </a:blip>
+          <a:stretch>
+            <a:fillRect/>
+          </a:stretch>
+        </a:blipFill>
+        <a:ln w="12700" cap="flat" cmpd="sng" algn="ctr">
+          <a:noFill/>
+          <a:prstDash val="solid"/>
+          <a:miter lim="800000"/>
+        </a:ln>
+        <a:effectLst/>
+      </dsp:spPr>
+      <dsp:style>
+        <a:lnRef idx="2">
+          <a:scrgbClr r="0" g="0" b="0"/>
+        </a:lnRef>
+        <a:fillRef idx="1">
+          <a:scrgbClr r="0" g="0" b="0"/>
+        </a:fillRef>
+        <a:effectRef idx="0">
+          <a:scrgbClr r="0" g="0" b="0"/>
+        </a:effectRef>
+        <a:fontRef idx="minor">
+          <a:schemeClr val="lt1"/>
+        </a:fontRef>
+      </dsp:style>
+    </dsp:sp>
+    <dsp:sp modelId="{1E52290F-47C2-48A6-9B46-E8F10A9EFC5A}">
+      <dsp:nvSpPr>
+        <dsp:cNvPr id="0" name=""/>
+        <dsp:cNvSpPr/>
+      </dsp:nvSpPr>
+      <dsp:spPr>
+        <a:xfrm>
+          <a:off x="484778" y="2788570"/>
+          <a:ext cx="10016138" cy="445746"/>
+        </a:xfrm>
+        <a:prstGeom prst="rect">
+          <a:avLst/>
+        </a:prstGeom>
+        <a:noFill/>
+        <a:ln>
+          <a:noFill/>
+        </a:ln>
+        <a:effectLst/>
+      </dsp:spPr>
+      <dsp:style>
+        <a:lnRef idx="0">
+          <a:scrgbClr r="0" g="0" b="0"/>
+        </a:lnRef>
+        <a:fillRef idx="0">
+          <a:scrgbClr r="0" g="0" b="0"/>
+        </a:fillRef>
+        <a:effectRef idx="0">
+          <a:scrgbClr r="0" g="0" b="0"/>
+        </a:effectRef>
+        <a:fontRef idx="minor"/>
+      </dsp:style>
+      <dsp:txBody>
+        <a:bodyPr spcFirstLastPara="0" vert="horz" wrap="square" lIns="47175" tIns="47175" rIns="47175" bIns="47175" numCol="1" spcCol="1270" anchor="ctr" anchorCtr="0">
+          <a:noAutofit/>
+        </a:bodyPr>
+        <a:lstStyle/>
+        <a:p>
+          <a:pPr marL="0" lvl="0" indent="0" algn="l" defTabSz="622300">
+            <a:lnSpc>
+              <a:spcPct val="90000"/>
+            </a:lnSpc>
+            <a:spcBef>
+              <a:spcPct val="0"/>
+            </a:spcBef>
+            <a:spcAft>
+              <a:spcPct val="35000"/>
+            </a:spcAft>
+            <a:buNone/>
+          </a:pPr>
+          <a:r>
+            <a:rPr lang="en-US" sz="1400" kern="1200"/>
+            <a:t>Need better preparation</a:t>
+          </a:r>
+        </a:p>
+      </dsp:txBody>
+      <dsp:txXfrm>
+        <a:off x="484778" y="2788570"/>
+        <a:ext cx="10016138" cy="445746"/>
+      </dsp:txXfrm>
+    </dsp:sp>
+    <dsp:sp modelId="{AA7A2049-AECD-4D77-9BD5-2F648E0CCF93}">
+      <dsp:nvSpPr>
+        <dsp:cNvPr id="0" name=""/>
+        <dsp:cNvSpPr/>
+      </dsp:nvSpPr>
+      <dsp:spPr>
+        <a:xfrm>
+          <a:off x="0" y="3345753"/>
+          <a:ext cx="10515600" cy="419526"/>
+        </a:xfrm>
+        <a:prstGeom prst="roundRect">
+          <a:avLst>
+            <a:gd name="adj" fmla="val 10000"/>
+          </a:avLst>
+        </a:prstGeom>
+        <a:solidFill>
+          <a:schemeClr val="accent2">
+            <a:tint val="40000"/>
+            <a:hueOff val="0"/>
+            <a:satOff val="0"/>
+            <a:lumOff val="0"/>
+            <a:alphaOff val="0"/>
+          </a:schemeClr>
+        </a:solidFill>
+        <a:ln>
+          <a:noFill/>
+        </a:ln>
+        <a:effectLst/>
+      </dsp:spPr>
+      <dsp:style>
+        <a:lnRef idx="0">
+          <a:scrgbClr r="0" g="0" b="0"/>
+        </a:lnRef>
+        <a:fillRef idx="1">
+          <a:scrgbClr r="0" g="0" b="0"/>
+        </a:fillRef>
+        <a:effectRef idx="0">
+          <a:scrgbClr r="0" g="0" b="0"/>
+        </a:effectRef>
+        <a:fontRef idx="minor"/>
+      </dsp:style>
+    </dsp:sp>
+    <dsp:sp modelId="{C02131A2-3DDE-4348-82E0-1D783144767C}">
+      <dsp:nvSpPr>
+        <dsp:cNvPr id="0" name=""/>
+        <dsp:cNvSpPr/>
+      </dsp:nvSpPr>
+      <dsp:spPr>
+        <a:xfrm>
+          <a:off x="126906" y="3440146"/>
+          <a:ext cx="230964" cy="230739"/>
+        </a:xfrm>
+        <a:prstGeom prst="rect">
+          <a:avLst/>
+        </a:prstGeom>
+        <a:blipFill>
+          <a:blip xmlns:r="http://schemas.openxmlformats.org/officeDocument/2006/relationships" r:embed="rId13">
+            <a:extLst>
+              <a:ext uri="{28A0092B-C50C-407E-A947-70E740481C1C}">
+                <a14:useLocalDpi xmlns:a14="http://schemas.microsoft.com/office/drawing/2010/main" val="0"/>
+              </a:ext>
+              <a:ext uri="{96DAC541-7B7A-43D3-8B79-37D633B846F1}">
+                <asvg:svgBlip xmlns:asvg="http://schemas.microsoft.com/office/drawing/2016/SVG/main" r:embed="rId14"/>
+              </a:ext>
+            </a:extLst>
+          </a:blip>
+          <a:stretch>
+            <a:fillRect/>
+          </a:stretch>
+        </a:blipFill>
+        <a:ln w="12700" cap="flat" cmpd="sng" algn="ctr">
+          <a:noFill/>
+          <a:prstDash val="solid"/>
+          <a:miter lim="800000"/>
+        </a:ln>
+        <a:effectLst/>
+      </dsp:spPr>
+      <dsp:style>
+        <a:lnRef idx="2">
+          <a:scrgbClr r="0" g="0" b="0"/>
+        </a:lnRef>
+        <a:fillRef idx="1">
+          <a:scrgbClr r="0" g="0" b="0"/>
+        </a:fillRef>
+        <a:effectRef idx="0">
+          <a:scrgbClr r="0" g="0" b="0"/>
+        </a:effectRef>
+        <a:fontRef idx="minor">
+          <a:schemeClr val="lt1"/>
+        </a:fontRef>
+      </dsp:style>
+    </dsp:sp>
+    <dsp:sp modelId="{79337506-773B-4FEB-8C23-040052876439}">
+      <dsp:nvSpPr>
+        <dsp:cNvPr id="0" name=""/>
+        <dsp:cNvSpPr/>
+      </dsp:nvSpPr>
+      <dsp:spPr>
+        <a:xfrm>
+          <a:off x="484778" y="3345753"/>
+          <a:ext cx="10016138" cy="445746"/>
+        </a:xfrm>
+        <a:prstGeom prst="rect">
+          <a:avLst/>
+        </a:prstGeom>
+        <a:noFill/>
+        <a:ln>
+          <a:noFill/>
+        </a:ln>
+        <a:effectLst/>
+      </dsp:spPr>
+      <dsp:style>
+        <a:lnRef idx="0">
+          <a:scrgbClr r="0" g="0" b="0"/>
+        </a:lnRef>
+        <a:fillRef idx="0">
+          <a:scrgbClr r="0" g="0" b="0"/>
+        </a:fillRef>
+        <a:effectRef idx="0">
+          <a:scrgbClr r="0" g="0" b="0"/>
+        </a:effectRef>
+        <a:fontRef idx="minor"/>
+      </dsp:style>
+      <dsp:txBody>
+        <a:bodyPr spcFirstLastPara="0" vert="horz" wrap="square" lIns="47175" tIns="47175" rIns="47175" bIns="47175" numCol="1" spcCol="1270" anchor="ctr" anchorCtr="0">
+          <a:noAutofit/>
+        </a:bodyPr>
+        <a:lstStyle/>
+        <a:p>
+          <a:pPr marL="0" lvl="0" indent="0" algn="l" defTabSz="622300">
+            <a:lnSpc>
+              <a:spcPct val="90000"/>
+            </a:lnSpc>
+            <a:spcBef>
+              <a:spcPct val="0"/>
+            </a:spcBef>
+            <a:spcAft>
+              <a:spcPct val="35000"/>
+            </a:spcAft>
+            <a:buNone/>
+          </a:pPr>
+          <a:r>
+            <a:rPr lang="en-US" sz="1400" kern="1200"/>
+            <a:t>More visuals</a:t>
+          </a:r>
+        </a:p>
+      </dsp:txBody>
+      <dsp:txXfrm>
+        <a:off x="484778" y="3345753"/>
+        <a:ext cx="10016138" cy="445746"/>
+      </dsp:txXfrm>
+    </dsp:sp>
+    <dsp:sp modelId="{EE06FFF3-EE32-4006-A1E6-4C3884049006}">
+      <dsp:nvSpPr>
+        <dsp:cNvPr id="0" name=""/>
+        <dsp:cNvSpPr/>
+      </dsp:nvSpPr>
+      <dsp:spPr>
+        <a:xfrm>
+          <a:off x="0" y="3902936"/>
+          <a:ext cx="10515600" cy="419526"/>
+        </a:xfrm>
+        <a:prstGeom prst="roundRect">
+          <a:avLst>
+            <a:gd name="adj" fmla="val 10000"/>
+          </a:avLst>
+        </a:prstGeom>
+        <a:solidFill>
+          <a:schemeClr val="accent2">
+            <a:tint val="40000"/>
+            <a:hueOff val="0"/>
+            <a:satOff val="0"/>
+            <a:lumOff val="0"/>
+            <a:alphaOff val="0"/>
+          </a:schemeClr>
+        </a:solidFill>
+        <a:ln>
+          <a:noFill/>
+        </a:ln>
+        <a:effectLst/>
+      </dsp:spPr>
+      <dsp:style>
+        <a:lnRef idx="0">
+          <a:scrgbClr r="0" g="0" b="0"/>
+        </a:lnRef>
+        <a:fillRef idx="1">
+          <a:scrgbClr r="0" g="0" b="0"/>
+        </a:fillRef>
+        <a:effectRef idx="0">
+          <a:scrgbClr r="0" g="0" b="0"/>
+        </a:effectRef>
+        <a:fontRef idx="minor"/>
+      </dsp:style>
+    </dsp:sp>
+    <dsp:sp modelId="{42195B39-B33D-4F6A-93C6-9B99DF69EB95}">
+      <dsp:nvSpPr>
+        <dsp:cNvPr id="0" name=""/>
+        <dsp:cNvSpPr/>
+      </dsp:nvSpPr>
+      <dsp:spPr>
+        <a:xfrm>
+          <a:off x="126906" y="3997329"/>
+          <a:ext cx="230964" cy="230739"/>
+        </a:xfrm>
+        <a:prstGeom prst="rect">
+          <a:avLst/>
+        </a:prstGeom>
+        <a:blipFill>
+          <a:blip xmlns:r="http://schemas.openxmlformats.org/officeDocument/2006/relationships" r:embed="rId15">
+            <a:extLst>
+              <a:ext uri="{28A0092B-C50C-407E-A947-70E740481C1C}">
+                <a14:useLocalDpi xmlns:a14="http://schemas.microsoft.com/office/drawing/2010/main" val="0"/>
+              </a:ext>
+              <a:ext uri="{96DAC541-7B7A-43D3-8B79-37D633B846F1}">
+                <asvg:svgBlip xmlns:asvg="http://schemas.microsoft.com/office/drawing/2016/SVG/main" r:embed="rId16"/>
+              </a:ext>
+            </a:extLst>
+          </a:blip>
+          <a:stretch>
+            <a:fillRect/>
+          </a:stretch>
+        </a:blipFill>
+        <a:ln w="12700" cap="flat" cmpd="sng" algn="ctr">
+          <a:noFill/>
+          <a:prstDash val="solid"/>
+          <a:miter lim="800000"/>
+        </a:ln>
+        <a:effectLst/>
+      </dsp:spPr>
+      <dsp:style>
+        <a:lnRef idx="2">
+          <a:scrgbClr r="0" g="0" b="0"/>
+        </a:lnRef>
+        <a:fillRef idx="1">
+          <a:scrgbClr r="0" g="0" b="0"/>
+        </a:fillRef>
+        <a:effectRef idx="0">
+          <a:scrgbClr r="0" g="0" b="0"/>
+        </a:effectRef>
+        <a:fontRef idx="minor">
+          <a:schemeClr val="lt1"/>
+        </a:fontRef>
+      </dsp:style>
+    </dsp:sp>
+    <dsp:sp modelId="{ACC63C2B-ECDB-44F3-B74C-33BA30E0BD5F}">
+      <dsp:nvSpPr>
+        <dsp:cNvPr id="0" name=""/>
+        <dsp:cNvSpPr/>
+      </dsp:nvSpPr>
+      <dsp:spPr>
+        <a:xfrm>
+          <a:off x="484778" y="3902936"/>
+          <a:ext cx="10016138" cy="445746"/>
+        </a:xfrm>
+        <a:prstGeom prst="rect">
+          <a:avLst/>
+        </a:prstGeom>
+        <a:noFill/>
+        <a:ln>
+          <a:noFill/>
+        </a:ln>
+        <a:effectLst/>
+      </dsp:spPr>
+      <dsp:style>
+        <a:lnRef idx="0">
+          <a:scrgbClr r="0" g="0" b="0"/>
+        </a:lnRef>
+        <a:fillRef idx="0">
+          <a:scrgbClr r="0" g="0" b="0"/>
+        </a:fillRef>
+        <a:effectRef idx="0">
+          <a:scrgbClr r="0" g="0" b="0"/>
+        </a:effectRef>
+        <a:fontRef idx="minor"/>
+      </dsp:style>
+      <dsp:txBody>
+        <a:bodyPr spcFirstLastPara="0" vert="horz" wrap="square" lIns="47175" tIns="47175" rIns="47175" bIns="47175" numCol="1" spcCol="1270" anchor="ctr" anchorCtr="0">
+          <a:noAutofit/>
+        </a:bodyPr>
+        <a:lstStyle/>
+        <a:p>
+          <a:pPr marL="0" lvl="0" indent="0" algn="l" defTabSz="622300">
+            <a:lnSpc>
+              <a:spcPct val="90000"/>
+            </a:lnSpc>
+            <a:spcBef>
+              <a:spcPct val="0"/>
+            </a:spcBef>
+            <a:spcAft>
+              <a:spcPct val="35000"/>
+            </a:spcAft>
+            <a:buNone/>
+          </a:pPr>
+          <a:r>
+            <a:rPr lang="en-US" sz="1400" kern="1200"/>
+            <a:t>Look up to more possibilities for linear regression.</a:t>
+          </a:r>
+        </a:p>
+      </dsp:txBody>
+      <dsp:txXfrm>
+        <a:off x="484778" y="3902936"/>
+        <a:ext cx="10016138" cy="445746"/>
+      </dsp:txXfrm>
+    </dsp:sp>
+  </dsp:spTree>
+</dsp:drawing>
+</file>
+
+<file path=ppt/diagrams/drawing2.xml><?xml version="1.0" encoding="utf-8"?>
+<dsp:drawing xmlns:dgm="http://schemas.openxmlformats.org/drawingml/2006/diagram" xmlns:dsp="http://schemas.microsoft.com/office/drawing/2008/diagram" xmlns:a="http://schemas.openxmlformats.org/drawingml/2006/main">
+  <dsp:spTree>
+    <dsp:nvGrpSpPr>
+      <dsp:cNvPr id="0" name=""/>
+      <dsp:cNvGrpSpPr/>
+    </dsp:nvGrpSpPr>
+    <dsp:grpSpPr/>
+    <dsp:sp modelId="{6D3E9441-B6E9-48D6-829C-29AD6B4047F3}">
+      <dsp:nvSpPr>
+        <dsp:cNvPr id="0" name=""/>
+        <dsp:cNvSpPr/>
+      </dsp:nvSpPr>
+      <dsp:spPr>
+        <a:xfrm>
+          <a:off x="0" y="39687"/>
+          <a:ext cx="3286125" cy="1971675"/>
+        </a:xfrm>
+        <a:prstGeom prst="rect">
+          <a:avLst/>
+        </a:prstGeom>
+        <a:solidFill>
+          <a:schemeClr val="accent2">
+            <a:hueOff val="0"/>
+            <a:satOff val="0"/>
+            <a:lumOff val="0"/>
+            <a:alphaOff val="0"/>
+          </a:schemeClr>
+        </a:solidFill>
+        <a:ln w="19050" cap="flat" cmpd="sng" algn="ctr">
+          <a:solidFill>
+            <a:schemeClr val="lt1">
+              <a:hueOff val="0"/>
+              <a:satOff val="0"/>
+              <a:lumOff val="0"/>
+              <a:alphaOff val="0"/>
+            </a:schemeClr>
+          </a:solidFill>
+          <a:prstDash val="solid"/>
+          <a:miter lim="800000"/>
+        </a:ln>
+        <a:effectLst/>
+      </dsp:spPr>
+      <dsp:style>
+        <a:lnRef idx="3">
+          <a:scrgbClr r="0" g="0" b="0"/>
+        </a:lnRef>
+        <a:fillRef idx="1">
+          <a:scrgbClr r="0" g="0" b="0"/>
+        </a:fillRef>
+        <a:effectRef idx="1">
+          <a:scrgbClr r="0" g="0" b="0"/>
+        </a:effectRef>
+        <a:fontRef idx="minor">
+          <a:schemeClr val="lt1"/>
+        </a:fontRef>
+      </dsp:style>
+      <dsp:txBody>
+        <a:bodyPr spcFirstLastPara="0" vert="horz" wrap="square" lIns="76200" tIns="76200" rIns="76200" bIns="76200" numCol="1" spcCol="1270" anchor="ctr" anchorCtr="0">
+          <a:noAutofit/>
+        </a:bodyPr>
+        <a:lstStyle/>
+        <a:p>
+          <a:pPr marL="0" lvl="0" indent="0" algn="ctr" defTabSz="889000">
+            <a:lnSpc>
+              <a:spcPct val="90000"/>
+            </a:lnSpc>
+            <a:spcBef>
+              <a:spcPct val="0"/>
+            </a:spcBef>
+            <a:spcAft>
+              <a:spcPct val="35000"/>
+            </a:spcAft>
+            <a:buNone/>
+          </a:pPr>
+          <a:r>
+            <a:rPr lang="en-US" sz="2000" kern="1200"/>
+            <a:t>The year 2022 saw the most Christmas songs created, driven by technological advancements and the globalization of music. </a:t>
+          </a:r>
+        </a:p>
+      </dsp:txBody>
+      <dsp:txXfrm>
+        <a:off x="0" y="39687"/>
+        <a:ext cx="3286125" cy="1971675"/>
+      </dsp:txXfrm>
+    </dsp:sp>
+    <dsp:sp modelId="{1175225B-392B-481C-A633-297CEB2C0F2E}">
+      <dsp:nvSpPr>
+        <dsp:cNvPr id="0" name=""/>
+        <dsp:cNvSpPr/>
+      </dsp:nvSpPr>
+      <dsp:spPr>
+        <a:xfrm>
+          <a:off x="3614737" y="39687"/>
+          <a:ext cx="3286125" cy="1971675"/>
+        </a:xfrm>
+        <a:prstGeom prst="rect">
+          <a:avLst/>
+        </a:prstGeom>
+        <a:solidFill>
+          <a:schemeClr val="accent2">
+            <a:hueOff val="0"/>
+            <a:satOff val="0"/>
+            <a:lumOff val="0"/>
+            <a:alphaOff val="0"/>
+          </a:schemeClr>
+        </a:solidFill>
+        <a:ln w="19050" cap="flat" cmpd="sng" algn="ctr">
+          <a:solidFill>
+            <a:schemeClr val="lt1">
+              <a:hueOff val="0"/>
+              <a:satOff val="0"/>
+              <a:lumOff val="0"/>
+              <a:alphaOff val="0"/>
+            </a:schemeClr>
+          </a:solidFill>
+          <a:prstDash val="solid"/>
+          <a:miter lim="800000"/>
+        </a:ln>
+        <a:effectLst/>
+      </dsp:spPr>
+      <dsp:style>
+        <a:lnRef idx="3">
+          <a:scrgbClr r="0" g="0" b="0"/>
+        </a:lnRef>
+        <a:fillRef idx="1">
+          <a:scrgbClr r="0" g="0" b="0"/>
+        </a:fillRef>
+        <a:effectRef idx="1">
+          <a:scrgbClr r="0" g="0" b="0"/>
+        </a:effectRef>
+        <a:fontRef idx="minor">
+          <a:schemeClr val="lt1"/>
+        </a:fontRef>
+      </dsp:style>
+      <dsp:txBody>
+        <a:bodyPr spcFirstLastPara="0" vert="horz" wrap="square" lIns="76200" tIns="76200" rIns="76200" bIns="76200" numCol="1" spcCol="1270" anchor="ctr" anchorCtr="0">
+          <a:noAutofit/>
+        </a:bodyPr>
+        <a:lstStyle/>
+        <a:p>
+          <a:pPr marL="0" lvl="0" indent="0" algn="ctr" defTabSz="889000">
+            <a:lnSpc>
+              <a:spcPct val="90000"/>
+            </a:lnSpc>
+            <a:spcBef>
+              <a:spcPct val="0"/>
+            </a:spcBef>
+            <a:spcAft>
+              <a:spcPct val="35000"/>
+            </a:spcAft>
+            <a:buNone/>
+          </a:pPr>
+          <a:r>
+            <a:rPr lang="en-US" sz="2000" kern="1200"/>
+            <a:t>Artists and musicians explored new sounds and innovative production techniques, resulting in a surge in Christmas songs. </a:t>
+          </a:r>
+        </a:p>
+      </dsp:txBody>
+      <dsp:txXfrm>
+        <a:off x="3614737" y="39687"/>
+        <a:ext cx="3286125" cy="1971675"/>
+      </dsp:txXfrm>
+    </dsp:sp>
+    <dsp:sp modelId="{EB427854-6A65-460B-A4AF-2CE83E03A190}">
+      <dsp:nvSpPr>
+        <dsp:cNvPr id="0" name=""/>
+        <dsp:cNvSpPr/>
+      </dsp:nvSpPr>
+      <dsp:spPr>
+        <a:xfrm>
+          <a:off x="7229475" y="39687"/>
+          <a:ext cx="3286125" cy="1971675"/>
+        </a:xfrm>
+        <a:prstGeom prst="rect">
+          <a:avLst/>
+        </a:prstGeom>
+        <a:solidFill>
+          <a:schemeClr val="accent2">
+            <a:hueOff val="0"/>
+            <a:satOff val="0"/>
+            <a:lumOff val="0"/>
+            <a:alphaOff val="0"/>
+          </a:schemeClr>
+        </a:solidFill>
+        <a:ln w="19050" cap="flat" cmpd="sng" algn="ctr">
+          <a:solidFill>
+            <a:schemeClr val="lt1">
+              <a:hueOff val="0"/>
+              <a:satOff val="0"/>
+              <a:lumOff val="0"/>
+              <a:alphaOff val="0"/>
+            </a:schemeClr>
+          </a:solidFill>
+          <a:prstDash val="solid"/>
+          <a:miter lim="800000"/>
+        </a:ln>
+        <a:effectLst/>
+      </dsp:spPr>
+      <dsp:style>
+        <a:lnRef idx="3">
+          <a:scrgbClr r="0" g="0" b="0"/>
+        </a:lnRef>
+        <a:fillRef idx="1">
+          <a:scrgbClr r="0" g="0" b="0"/>
+        </a:fillRef>
+        <a:effectRef idx="1">
+          <a:scrgbClr r="0" g="0" b="0"/>
+        </a:effectRef>
+        <a:fontRef idx="minor">
+          <a:schemeClr val="lt1"/>
+        </a:fontRef>
+      </dsp:style>
+      <dsp:txBody>
+        <a:bodyPr spcFirstLastPara="0" vert="horz" wrap="square" lIns="76200" tIns="76200" rIns="76200" bIns="76200" numCol="1" spcCol="1270" anchor="ctr" anchorCtr="0">
+          <a:noAutofit/>
+        </a:bodyPr>
+        <a:lstStyle/>
+        <a:p>
+          <a:pPr marL="0" lvl="0" indent="0" algn="ctr" defTabSz="889000">
+            <a:lnSpc>
+              <a:spcPct val="90000"/>
+            </a:lnSpc>
+            <a:spcBef>
+              <a:spcPct val="0"/>
+            </a:spcBef>
+            <a:spcAft>
+              <a:spcPct val="35000"/>
+            </a:spcAft>
+            <a:buNone/>
+          </a:pPr>
+          <a:r>
+            <a:rPr lang="en-US" sz="2000" kern="1200"/>
+            <a:t>Key signatures and modes have diversified, with artists drawing inspiration from different cultures and genres. </a:t>
+          </a:r>
+        </a:p>
+      </dsp:txBody>
+      <dsp:txXfrm>
+        <a:off x="7229475" y="39687"/>
+        <a:ext cx="3286125" cy="1971675"/>
+      </dsp:txXfrm>
+    </dsp:sp>
+    <dsp:sp modelId="{00211EA0-ED40-43E3-AE3D-326902AD0AB4}">
+      <dsp:nvSpPr>
+        <dsp:cNvPr id="0" name=""/>
+        <dsp:cNvSpPr/>
+      </dsp:nvSpPr>
+      <dsp:spPr>
+        <a:xfrm>
+          <a:off x="0" y="2339975"/>
+          <a:ext cx="3286125" cy="1971675"/>
+        </a:xfrm>
+        <a:prstGeom prst="rect">
+          <a:avLst/>
+        </a:prstGeom>
+        <a:solidFill>
+          <a:schemeClr val="accent2">
+            <a:hueOff val="0"/>
+            <a:satOff val="0"/>
+            <a:lumOff val="0"/>
+            <a:alphaOff val="0"/>
+          </a:schemeClr>
+        </a:solidFill>
+        <a:ln w="19050" cap="flat" cmpd="sng" algn="ctr">
+          <a:solidFill>
+            <a:schemeClr val="lt1">
+              <a:hueOff val="0"/>
+              <a:satOff val="0"/>
+              <a:lumOff val="0"/>
+              <a:alphaOff val="0"/>
+            </a:schemeClr>
+          </a:solidFill>
+          <a:prstDash val="solid"/>
+          <a:miter lim="800000"/>
+        </a:ln>
+        <a:effectLst/>
+      </dsp:spPr>
+      <dsp:style>
+        <a:lnRef idx="3">
+          <a:scrgbClr r="0" g="0" b="0"/>
+        </a:lnRef>
+        <a:fillRef idx="1">
+          <a:scrgbClr r="0" g="0" b="0"/>
+        </a:fillRef>
+        <a:effectRef idx="1">
+          <a:scrgbClr r="0" g="0" b="0"/>
+        </a:effectRef>
+        <a:fontRef idx="minor">
+          <a:schemeClr val="lt1"/>
+        </a:fontRef>
+      </dsp:style>
+      <dsp:txBody>
+        <a:bodyPr spcFirstLastPara="0" vert="horz" wrap="square" lIns="76200" tIns="76200" rIns="76200" bIns="76200" numCol="1" spcCol="1270" anchor="ctr" anchorCtr="0">
+          <a:noAutofit/>
+        </a:bodyPr>
+        <a:lstStyle/>
+        <a:p>
+          <a:pPr marL="0" lvl="0" indent="0" algn="ctr" defTabSz="889000">
+            <a:lnSpc>
+              <a:spcPct val="90000"/>
+            </a:lnSpc>
+            <a:spcBef>
+              <a:spcPct val="0"/>
+            </a:spcBef>
+            <a:spcAft>
+              <a:spcPct val="35000"/>
+            </a:spcAft>
+            <a:buNone/>
+          </a:pPr>
+          <a:r>
+            <a:rPr lang="en-US" sz="2000" kern="1200"/>
+            <a:t>Tempo in Christmas music is not arbitrary, as certain keys may have inherent associations with the holiday season. </a:t>
+          </a:r>
+        </a:p>
+      </dsp:txBody>
+      <dsp:txXfrm>
+        <a:off x="0" y="2339975"/>
+        <a:ext cx="3286125" cy="1971675"/>
+      </dsp:txXfrm>
+    </dsp:sp>
+    <dsp:sp modelId="{08CC9089-E8C9-4D9C-B8E7-FCA6896F6E16}">
+      <dsp:nvSpPr>
+        <dsp:cNvPr id="0" name=""/>
+        <dsp:cNvSpPr/>
+      </dsp:nvSpPr>
+      <dsp:spPr>
+        <a:xfrm>
+          <a:off x="3614737" y="2339975"/>
+          <a:ext cx="3286125" cy="1971675"/>
+        </a:xfrm>
+        <a:prstGeom prst="rect">
+          <a:avLst/>
+        </a:prstGeom>
+        <a:solidFill>
+          <a:schemeClr val="accent2">
+            <a:hueOff val="0"/>
+            <a:satOff val="0"/>
+            <a:lumOff val="0"/>
+            <a:alphaOff val="0"/>
+          </a:schemeClr>
+        </a:solidFill>
+        <a:ln w="19050" cap="flat" cmpd="sng" algn="ctr">
+          <a:solidFill>
+            <a:schemeClr val="lt1">
+              <a:hueOff val="0"/>
+              <a:satOff val="0"/>
+              <a:lumOff val="0"/>
+              <a:alphaOff val="0"/>
+            </a:schemeClr>
+          </a:solidFill>
+          <a:prstDash val="solid"/>
+          <a:miter lim="800000"/>
+        </a:ln>
+        <a:effectLst/>
+      </dsp:spPr>
+      <dsp:style>
+        <a:lnRef idx="3">
+          <a:scrgbClr r="0" g="0" b="0"/>
+        </a:lnRef>
+        <a:fillRef idx="1">
+          <a:scrgbClr r="0" g="0" b="0"/>
+        </a:fillRef>
+        <a:effectRef idx="1">
+          <a:scrgbClr r="0" g="0" b="0"/>
+        </a:effectRef>
+        <a:fontRef idx="minor">
+          <a:schemeClr val="lt1"/>
+        </a:fontRef>
+      </dsp:style>
+      <dsp:txBody>
+        <a:bodyPr spcFirstLastPara="0" vert="horz" wrap="square" lIns="76200" tIns="76200" rIns="76200" bIns="76200" numCol="1" spcCol="1270" anchor="ctr" anchorCtr="0">
+          <a:noAutofit/>
+        </a:bodyPr>
+        <a:lstStyle/>
+        <a:p>
+          <a:pPr marL="0" lvl="0" indent="0" algn="ctr" defTabSz="889000">
+            <a:lnSpc>
+              <a:spcPct val="90000"/>
+            </a:lnSpc>
+            <a:spcBef>
+              <a:spcPct val="0"/>
+            </a:spcBef>
+            <a:spcAft>
+              <a:spcPct val="35000"/>
+            </a:spcAft>
+            <a:buNone/>
+          </a:pPr>
+          <a:r>
+            <a:rPr lang="en-US" sz="2000" kern="1200"/>
+            <a:t>Spotify, Apple Charts, Shazam, and Deezer share similarities in heat maps and statistics, but each platform has its unique features and user base. </a:t>
+          </a:r>
+        </a:p>
+      </dsp:txBody>
+      <dsp:txXfrm>
+        <a:off x="3614737" y="2339975"/>
+        <a:ext cx="3286125" cy="1971675"/>
+      </dsp:txXfrm>
+    </dsp:sp>
+    <dsp:sp modelId="{9F63940B-E275-4593-A9E9-475AD52E7FD0}">
+      <dsp:nvSpPr>
+        <dsp:cNvPr id="0" name=""/>
+        <dsp:cNvSpPr/>
+      </dsp:nvSpPr>
+      <dsp:spPr>
+        <a:xfrm>
+          <a:off x="7229475" y="2339975"/>
+          <a:ext cx="3286125" cy="1971675"/>
+        </a:xfrm>
+        <a:prstGeom prst="rect">
+          <a:avLst/>
+        </a:prstGeom>
+        <a:solidFill>
+          <a:schemeClr val="accent2">
+            <a:hueOff val="0"/>
+            <a:satOff val="0"/>
+            <a:lumOff val="0"/>
+            <a:alphaOff val="0"/>
+          </a:schemeClr>
+        </a:solidFill>
+        <a:ln w="19050" cap="flat" cmpd="sng" algn="ctr">
+          <a:solidFill>
+            <a:schemeClr val="lt1">
+              <a:hueOff val="0"/>
+              <a:satOff val="0"/>
+              <a:lumOff val="0"/>
+              <a:alphaOff val="0"/>
+            </a:schemeClr>
+          </a:solidFill>
+          <a:prstDash val="solid"/>
+          <a:miter lim="800000"/>
+        </a:ln>
+        <a:effectLst/>
+      </dsp:spPr>
+      <dsp:style>
+        <a:lnRef idx="3">
+          <a:scrgbClr r="0" g="0" b="0"/>
+        </a:lnRef>
+        <a:fillRef idx="1">
+          <a:scrgbClr r="0" g="0" b="0"/>
+        </a:fillRef>
+        <a:effectRef idx="1">
+          <a:scrgbClr r="0" g="0" b="0"/>
+        </a:effectRef>
+        <a:fontRef idx="minor">
+          <a:schemeClr val="lt1"/>
+        </a:fontRef>
+      </dsp:style>
+      <dsp:txBody>
+        <a:bodyPr spcFirstLastPara="0" vert="horz" wrap="square" lIns="76200" tIns="76200" rIns="76200" bIns="76200" numCol="1" spcCol="1270" anchor="ctr" anchorCtr="0">
+          <a:noAutofit/>
+        </a:bodyPr>
+        <a:lstStyle/>
+        <a:p>
+          <a:pPr marL="0" lvl="0" indent="0" algn="ctr" defTabSz="889000">
+            <a:lnSpc>
+              <a:spcPct val="90000"/>
+            </a:lnSpc>
+            <a:spcBef>
+              <a:spcPct val="0"/>
+            </a:spcBef>
+            <a:spcAft>
+              <a:spcPct val="35000"/>
+            </a:spcAft>
+            <a:buNone/>
+          </a:pPr>
+          <a:r>
+            <a:rPr lang="en-US" sz="2000" kern="1200"/>
+            <a:t>Understanding these differences can provide a deeper understanding of music consumption across different streaming services.</a:t>
+          </a:r>
+        </a:p>
+      </dsp:txBody>
+      <dsp:txXfrm>
+        <a:off x="7229475" y="2339975"/>
+        <a:ext cx="3286125" cy="1971675"/>
+      </dsp:txXfrm>
+    </dsp:sp>
+  </dsp:spTree>
+</dsp:drawing>
+</file>
+
+<file path=ppt/diagrams/layout1.xml><?xml version="1.0" encoding="utf-8"?>
+<dgm:layoutDef xmlns:dgm="http://schemas.openxmlformats.org/drawingml/2006/diagram" xmlns:a="http://schemas.openxmlformats.org/drawingml/2006/main" uniqueId="urn:microsoft.com/office/officeart/2018/2/layout/IconVerticalSolidList">
+  <dgm:title val="Icon Vertical Solid List"/>
+  <dgm:desc val="Use to show a series of visuals from top to bottom with Level 1 or Level 1 and Level 2 text grouped in a shape. Works best with icons or small pictures with lengthier descriptions."/>
+  <dgm:catLst>
+    <dgm:cat type="icon" pri="500"/>
+  </dgm:catLst>
+  <dgm:sampData useDef="1">
+    <dgm:dataModel>
+      <dgm:ptLst/>
+      <dgm:bg/>
+      <dgm:whole/>
+    </dgm:dataModel>
+  </dgm:sampData>
+  <dgm:styleData useDef="1">
+    <dgm:dataModel>
+      <dgm:ptLst/>
+      <dgm:bg/>
+      <dgm:whole/>
+    </dgm:dataModel>
+  </dgm:styleData>
+  <dgm:clrData useDef="1">
+    <dgm:dataModel>
+      <dgm:ptLst/>
+      <dgm:bg/>
+      <dgm:whole/>
+    </dgm:dataModel>
+  </dgm:clrData>
+  <dgm:layoutNode name="root">
+    <dgm:varLst>
+      <dgm:dir/>
+      <dgm:resizeHandles val="exact"/>
+    </dgm:varLst>
+    <dgm:choose name="Name0">
+      <dgm:if name="Name1" axis="self" func="var" arg="dir" op="equ" val="norm">
+        <dgm:alg type="lin">
+          <dgm:param type="linDir" val="fromT"/>
+          <dgm:param type="nodeHorzAlign" val="l"/>
+        </dgm:alg>
+      </dgm:if>
+      <dgm:else name="Name2">
+        <dgm:alg type="lin">
+          <dgm:param type="linDir" val="fromT"/>
+          <dgm:param type="nodeHorzAlign" val="r"/>
+        </dgm:alg>
+      </dgm:else>
+    </dgm:choose>
+    <dgm:shape xmlns:r="http://schemas.openxmlformats.org/officeDocument/2006/relationships" r:blip="">
+      <dgm:adjLst/>
+    </dgm:shape>
+    <dgm:presOf/>
+    <dgm:choose name="Name3">
+      <dgm:if name="Name4" axis="ch" ptType="node" func="cnt" op="lte" val="3">
+        <dgm:constrLst>
+          <dgm:constr type="h" for="ch" forName="compNode" refType="h" fact="0.3"/>
+          <dgm:constr type="w" for="ch" forName="compNode" refType="w"/>
+          <dgm:constr type="h" for="ch" forName="sibTrans" refType="h" refFor="ch" refForName="compNode" fact="0.25"/>
+          <dgm:constr type="primFontSz" for="des" forName="parTx" val="25"/>
+          <dgm:constr type="primFontSz" for="des" forName="desTx" refType="primFontSz" refFor="des" refForName="parTx" op="lte" fact="0.75"/>
+          <dgm:constr type="h" for="des" forName="compNode" op="equ"/>
+          <dgm:constr type="h" for="des" forName="bgRect" op="equ"/>
+          <dgm:constr type="h" for="des" forName="iconRect" op="equ"/>
+          <dgm:constr type="w" for="des" forName="iconRect" op="equ"/>
+          <dgm:constr type="h" for="des" forName="spaceRect" op="equ"/>
+          <dgm:constr type="h" for="des" forName="parTx" op="equ"/>
+          <dgm:constr type="h" for="des" forName="desTx" op="equ"/>
+        </dgm:constrLst>
+      </dgm:if>
+      <dgm:if name="Name5" axis="ch" ptType="node" func="cnt" op="lte" val="4">
+        <dgm:constrLst>
+          <dgm:constr type="h" for="ch" forName="compNode" refType="h" fact="0.3"/>
+          <dgm:constr type="w" for="ch" forName="compNode" refType="w"/>
+          <dgm:constr type="h" for="ch" forName="sibTrans" refType="h" refFor="ch" refForName="compNode" fact="0.25"/>
+          <dgm:constr type="primFontSz" for="des" forName="parTx" val="22"/>
+          <dgm:constr type="primFontSz" for="des" forName="desTx" refType="primFontSz" refFor="des" refForName="parTx" op="lte" fact="0.75"/>
+          <dgm:constr type="h" for="des" forName="compNode" op="equ"/>
+          <dgm:constr type="h" for="des" forName="bgRect" op="equ"/>
+          <dgm:constr type="h" for="des" forName="iconRect" op="equ"/>
+          <dgm:constr type="w" for="des" forName="iconRect" op="equ"/>
+          <dgm:constr type="h" for="des" forName="spaceRect" op="equ"/>
+          <dgm:constr type="h" for="des" forName="parTx" op="equ"/>
+          <dgm:constr type="h" for="des" forName="desTx" op="equ"/>
+        </dgm:constrLst>
+      </dgm:if>
+      <dgm:if name="Name6" axis="ch" ptType="node" func="cnt" op="lte" val="6">
+        <dgm:constrLst>
+          <dgm:constr type="h" for="ch" forName="compNode" refType="h" fact="0.3"/>
+          <dgm:constr type="w" for="ch" forName="compNode" refType="w"/>
+          <dgm:constr type="h" for="ch" forName="sibTrans" refType="h" refFor="ch" refForName="compNode" fact="0.25"/>
+          <dgm:constr type="primFontSz" for="des" forName="parTx" val="19"/>
+          <dgm:constr type="primFontSz" for="des" forName="desTx" refType="primFontSz" refFor="des" refForName="parTx" op="lte" fact="0.75"/>
+          <dgm:constr type="h" for="des" forName="compNode" op="equ"/>
+          <dgm:constr type="h" for="des" forName="bgRect" op="equ"/>
+          <dgm:constr type="h" for="des" forName="iconRect" op="equ"/>
+          <dgm:constr type="w" for="des" forName="iconRect" op="equ"/>
+          <dgm:constr type="h" for="des" forName="spaceRect" op="equ"/>
+          <dgm:constr type="h" for="des" forName="parTx" op="equ"/>
+          <dgm:constr type="h" for="des" forName="desTx" op="equ"/>
+        </dgm:constrLst>
+      </dgm:if>
+      <dgm:else name="Name7">
+        <dgm:constrLst>
+          <dgm:constr type="h" for="ch" forName="compNode" refType="h" fact="0.3"/>
+          <dgm:constr type="w" for="ch" forName="compNode" refType="w"/>
+          <dgm:constr type="h" for="ch" forName="sibTrans" refType="h" refFor="ch" refForName="compNode" fact="0.25"/>
+          <dgm:constr type="primFontSz" for="des" forName="parTx" val="16"/>
+          <dgm:constr type="primFontSz" for="des" forName="desTx" refType="primFontSz" refFor="des" refForName="parTx" op="lte" fact="0.75"/>
+          <dgm:constr type="h" for="des" forName="compNode" op="equ"/>
+          <dgm:constr type="h" for="des" forName="bgRect" op="equ"/>
+          <dgm:constr type="h" for="des" forName="iconRect" op="equ"/>
+          <dgm:constr type="w" for="des" forName="iconRect" op="equ"/>
+          <dgm:constr type="h" for="des" forName="spaceRect" op="equ"/>
+          <dgm:constr type="h" for="des" forName="parTx" op="equ"/>
+          <dgm:constr type="h" for="des" forName="desTx" op="equ"/>
+        </dgm:constrLst>
+      </dgm:else>
+    </dgm:choose>
+    <dgm:ruleLst>
+      <dgm:rule type="h" for="ch" forName="compNode" val="0" fact="NaN" max="NaN"/>
+    </dgm:ruleLst>
+    <dgm:forEach name="Name8" axis="ch" ptType="node">
+      <dgm:layoutNode name="compNode">
+        <dgm:alg type="composite"/>
+        <dgm:shape xmlns:r="http://schemas.openxmlformats.org/officeDocument/2006/relationships" r:blip="">
+          <dgm:adjLst/>
+        </dgm:shape>
+        <dgm:presOf axis="self"/>
+        <dgm:choose name="Name9">
+          <dgm:if name="Name10" axis="ch" ptType="node" func="cnt" op="gte" val="1">
+            <dgm:constrLst>
+              <dgm:constr type="w" for="ch" forName="bgRect" refType="w"/>
+              <dgm:constr type="h" for="ch" forName="bgRect" refType="h"/>
+              <dgm:constr type="l" for="ch" forName="bgRect"/>
+              <dgm:constr type="t" for="ch" forName="bgRect"/>
+              <dgm:constr type="h" for="ch" forName="iconRect" refType="h" fact="0.55"/>
+              <dgm:constr type="w" for="ch" forName="iconRect" refType="h" refFor="ch" refForName="iconRect"/>
+              <dgm:constr type="l" for="ch" forName="iconRect" refType="h" refFor="ch" refForName="iconRect" fact="0.55"/>
+              <dgm:constr type="ctrY" for="ch" forName="iconRect" refType="ctrY" refFor="ch" refForName="bgRect"/>
+              <dgm:constr type="w" for="ch" forName="spaceRect" refType="l" refFor="ch" refForName="iconRect"/>
+              <dgm:constr type="h" for="ch" forName="spaceRect" refType="h"/>
+              <dgm:constr type="l" for="ch" forName="spaceRect" refType="r" refFor="ch" refForName="iconRect"/>
+              <dgm:constr type="t" for="ch" forName="spaceRect"/>
+              <dgm:constr type="w" for="ch" forName="parTx" refType="w" fact="0.45"/>
+              <dgm:constr type="h" for="ch" forName="parTx" refType="h"/>
+              <dgm:constr type="l" for="ch" forName="parTx" refType="r" refFor="ch" refForName="spaceRect"/>
+              <dgm:constr type="t" for="ch" forName="parTx"/>
+              <dgm:constr type="h" for="ch" forName="desTx" refType="h"/>
+              <dgm:constr type="l" for="ch" forName="desTx" refType="r" refFor="ch" refForName="parTx"/>
+              <dgm:constr type="t" for="ch" forName="desTx"/>
+            </dgm:constrLst>
+          </dgm:if>
+          <dgm:else name="Name11">
+            <dgm:constrLst>
+              <dgm:constr type="w" for="ch" forName="bgRect" refType="w"/>
+              <dgm:constr type="h" for="ch" forName="bgRect" refType="h"/>
+              <dgm:constr type="l" for="ch" forName="bgRect"/>
+              <dgm:constr type="t" for="ch" forName="bgRect"/>
+              <dgm:constr type="h" for="ch" forName="iconRect" refType="h" fact="0.55"/>
+              <dgm:constr type="w" for="ch" forName="iconRect" refType="h" refFor="ch" refForName="iconRect"/>
+              <dgm:constr type="l" for="ch" forName="iconRect" refType="h" refFor="ch" refForName="iconRect" fact="0.55"/>
+              <dgm:constr type="ctrY" for="ch" forName="iconRect" refType="ctrY" refFor="ch" refForName="bgRect"/>
+              <dgm:constr type="w" for="ch" forName="spaceRect" refType="l" refFor="ch" refForName="iconRect"/>
+              <dgm:constr type="h" for="ch" forName="spaceRect" refType="h"/>
+              <dgm:constr type="l" for="ch" forName="spaceRect" refType="r" refFor="ch" refForName="iconRect"/>
+              <dgm:constr type="t" for="ch" forName="spaceRect"/>
+              <dgm:constr type="h" for="ch" forName="parTx" refType="h"/>
+              <dgm:constr type="l" for="ch" forName="parTx" refType="r" refFor="ch" refForName="spaceRect"/>
+              <dgm:constr type="t" for="ch" forName="parTx"/>
+            </dgm:constrLst>
+          </dgm:else>
+        </dgm:choose>
+        <dgm:ruleLst>
+          <dgm:rule type="h" val="INF" fact="NaN" max="NaN"/>
+        </dgm:ruleLst>
+        <dgm:layoutNode name="bgRect" styleLbl="bgShp">
+          <dgm:alg type="sp"/>
+          <dgm:shape xmlns:r="http://schemas.openxmlformats.org/officeDocument/2006/relationships" type="roundRect" r:blip="">
+            <dgm:adjLst>
+              <dgm:adj idx="1" val="0.1"/>
+            </dgm:adjLst>
+          </dgm:shape>
+          <dgm:presOf/>
+          <dgm:constrLst/>
+          <dgm:ruleLst/>
+        </dgm:layoutNode>
+        <dgm:layoutNode name="iconRect" styleLbl="node1">
+          <dgm:alg type="sp"/>
+          <dgm:shape xmlns:r="http://schemas.openxmlformats.org/officeDocument/2006/relationships" type="rect" r:blip="" blipPhldr="1">
+            <dgm:adjLst/>
+          </dgm:shape>
+          <dgm:presOf/>
+          <dgm:constrLst/>
+          <dgm:ruleLst/>
+        </dgm:layoutNode>
+        <dgm:layoutNode name="spaceRect">
+          <dgm:alg type="sp"/>
+          <dgm:shape xmlns:r="http://schemas.openxmlformats.org/officeDocument/2006/relationships" r:blip="">
+            <dgm:adjLst/>
+          </dgm:shape>
+          <dgm:presOf/>
+          <dgm:constrLst/>
+          <dgm:ruleLst/>
+        </dgm:layoutNode>
+        <dgm:layoutNode name="parTx" styleLbl="revTx">
+          <dgm:varLst>
+            <dgm:chMax val="0"/>
+            <dgm:chPref val="0"/>
+          </dgm:varLst>
+          <dgm:alg type="tx">
+            <dgm:param type="txAnchorVert" val="mid"/>
+            <dgm:param type="parTxLTRAlign" val="l"/>
+            <dgm:param type="shpTxLTRAlignCh" val="l"/>
+            <dgm:param type="parTxRTLAlign" val="r"/>
+            <dgm:param type="shpTxRTLAlignCh" val="r"/>
+          </dgm:alg>
+          <dgm:shape xmlns:r="http://schemas.openxmlformats.org/officeDocument/2006/relationships" type="rect" r:blip="">
+            <dgm:adjLst/>
+          </dgm:shape>
+          <dgm:presOf axis="self" ptType="node"/>
+          <dgm:constrLst>
+            <dgm:constr type="lMarg" refType="h" fact="0.3"/>
+            <dgm:constr type="rMarg" refType="h" fact="0.3"/>
+            <dgm:constr type="tMarg" refType="h" fact="0.3"/>
+            <dgm:constr type="bMarg" refType="h" fact="0.3"/>
+          </dgm:constrLst>
+          <dgm:ruleLst>
+            <dgm:rule type="primFontSz" val="14" fact="NaN" max="NaN"/>
+            <dgm:rule type="h" val="INF" fact="NaN" max="NaN"/>
+          </dgm:ruleLst>
+        </dgm:layoutNode>
+        <dgm:choose name="Name12">
+          <dgm:if name="Name13" axis="ch" ptType="node" func="cnt" op="gte" val="1">
+            <dgm:layoutNode name="desTx" styleLbl="revTx">
+              <dgm:varLst/>
+              <dgm:alg type="tx">
+                <dgm:param type="txAnchorVertCh" val="mid"/>
+                <dgm:param type="parTxLTRAlign" val="l"/>
+                <dgm:param type="shpTxLTRAlignCh" val="l"/>
+                <dgm:param type="parTxRTLAlign" val="r"/>
+                <dgm:param type="shpTxRTLAlignCh" val="r"/>
+                <dgm:param type="stBulletLvl" val="0"/>
+              </dgm:alg>
+              <dgm:shape xmlns:r="http://schemas.openxmlformats.org/officeDocument/2006/relationships" type="rect" r:blip="">
+                <dgm:adjLst/>
+              </dgm:shape>
+              <dgm:presOf axis="des" ptType="node"/>
+              <dgm:constrLst>
+                <dgm:constr type="primFontSz" val="18"/>
+                <dgm:constr type="secFontSz" refType="primFontSz"/>
+                <dgm:constr type="lMarg" refType="h" fact="0.3"/>
+                <dgm:constr type="rMarg" refType="h" fact="0.3"/>
+                <dgm:constr type="tMarg" refType="h" fact="0.3"/>
+                <dgm:constr type="bMarg" refType="h" fact="0.3"/>
+              </dgm:constrLst>
+              <dgm:ruleLst>
+                <dgm:rule type="primFontSz" val="11" fact="NaN" max="NaN"/>
+              </dgm:ruleLst>
+            </dgm:layoutNode>
+          </dgm:if>
+          <dgm:else name="Name14"/>
+        </dgm:choose>
+      </dgm:layoutNode>
+      <dgm:forEach name="Name15" axis="followSib" ptType="sibTrans" cnt="1">
+        <dgm:layoutNode name="sibTrans">
+          <dgm:alg type="sp"/>
+          <dgm:shape xmlns:r="http://schemas.openxmlformats.org/officeDocument/2006/relationships" r:blip="">
+            <dgm:adjLst/>
+          </dgm:shape>
+          <dgm:presOf axis="self"/>
+          <dgm:constrLst/>
+          <dgm:ruleLst/>
+        </dgm:layoutNode>
+      </dgm:forEach>
+    </dgm:forEach>
+  </dgm:layoutNode>
+  <dgm:extLst>
+    <a:ext uri="{68A01E43-0DF5-4B5B-8FA6-DAF915123BFB}">
+      <dgm1612:lstStyle xmlns:dgm1612="http://schemas.microsoft.com/office/drawing/2016/12/diagram">
+        <a:lvl1pPr>
+          <a:lnSpc>
+            <a:spcPct val="100000"/>
+          </a:lnSpc>
+        </a:lvl1pPr>
+        <a:lvl2pPr>
+          <a:lnSpc>
+            <a:spcPct val="100000"/>
+          </a:lnSpc>
+        </a:lvl2pPr>
+      </dgm1612:lstStyle>
+    </a:ext>
+  </dgm:extLst>
+</dgm:layoutDef>
+</file>
+
+<file path=ppt/diagrams/layout2.xml><?xml version="1.0" encoding="utf-8"?>
+<dgm:layoutDef xmlns:dgm="http://schemas.openxmlformats.org/drawingml/2006/diagram" xmlns:a="http://schemas.openxmlformats.org/drawingml/2006/main" uniqueId="urn:microsoft.com/office/officeart/2005/8/layout/default">
+  <dgm:title val=""/>
+  <dgm:desc val=""/>
+  <dgm:catLst>
+    <dgm:cat type="list" pri="400"/>
+  </dgm:catLst>
+  <dgm:sampData>
+    <dgm:dataModel>
+      <dgm:ptLst>
+        <dgm:pt modelId="0" type="doc"/>
+        <dgm:pt modelId="1">
+          <dgm:prSet phldr="1"/>
+        </dgm:pt>
+        <dgm:pt modelId="2">
+          <dgm:prSet phldr="1"/>
+        </dgm:pt>
+        <dgm:pt modelId="3">
+          <dgm:prSet phldr="1"/>
+        </dgm:pt>
+        <dgm:pt modelId="4">
+          <dgm:prSet phldr="1"/>
+        </dgm:pt>
+        <dgm:pt modelId="5">
+          <dgm:prSet phldr="1"/>
+        </dgm:pt>
+      </dgm:ptLst>
+      <dgm:cxnLst>
+        <dgm:cxn modelId="6" srcId="0" destId="1" srcOrd="0" destOrd="0"/>
+        <dgm:cxn modelId="7" srcId="0" destId="2" srcOrd="1" destOrd="0"/>
+        <dgm:cxn modelId="8" srcId="0" destId="3" srcOrd="2" destOrd="0"/>
+        <dgm:cxn modelId="9" srcId="0" destId="4" srcOrd="3" destOrd="0"/>
+        <dgm:cxn modelId="10" srcId="0" destId="5" srcOrd="4" destOrd="0"/>
+      </dgm:cxnLst>
+      <dgm:bg/>
+      <dgm:whole/>
+    </dgm:dataModel>
+  </dgm:sampData>
+  <dgm:styleData>
+    <dgm:dataModel>
+      <dgm:ptLst>
+        <dgm:pt modelId="0" type="doc"/>
+        <dgm:pt modelId="1"/>
+        <dgm:pt modelId="2"/>
+      </dgm:ptLst>
+      <dgm:cxnLst>
+        <dgm:cxn modelId="3" srcId="0" destId="1" srcOrd="0" destOrd="0"/>
+        <dgm:cxn modelId="4" srcId="0" destId="2" srcOrd="1" destOrd="0"/>
+      </dgm:cxnLst>
+      <dgm:bg/>
+      <dgm:whole/>
+    </dgm:dataModel>
+  </dgm:styleData>
+  <dgm:clrData>
+    <dgm:dataModel>
+      <dgm:ptLst>
+        <dgm:pt modelId="0" type="doc"/>
+        <dgm:pt modelId="1"/>
+        <dgm:pt modelId="2"/>
+        <dgm:pt modelId="3"/>
+        <dgm:pt modelId="4"/>
+        <dgm:pt modelId="5"/>
+        <dgm:pt modelId="6"/>
+      </dgm:ptLst>
+      <dgm:cxnLst>
+        <dgm:cxn modelId="7" srcId="0" destId="1" srcOrd="0" destOrd="0"/>
+        <dgm:cxn modelId="8" srcId="0" destId="2" srcOrd="1" destOrd="0"/>
+        <dgm:cxn modelId="9" srcId="0" destId="3" srcOrd="2" destOrd="0"/>
+        <dgm:cxn modelId="10" srcId="0" destId="4" srcOrd="3" destOrd="0"/>
+        <dgm:cxn modelId="11" srcId="0" destId="5" srcOrd="4" destOrd="0"/>
+        <dgm:cxn modelId="12" srcId="0" destId="6" srcOrd="5" destOrd="0"/>
+      </dgm:cxnLst>
+      <dgm:bg/>
+      <dgm:whole/>
+    </dgm:dataModel>
+  </dgm:clrData>
+  <dgm:layoutNode name="diagram">
+    <dgm:varLst>
+      <dgm:dir/>
+      <dgm:resizeHandles val="exact"/>
+    </dgm:varLst>
+    <dgm:choose name="Name0">
+      <dgm:if name="Name1" func="var" arg="dir" op="equ" val="norm">
+        <dgm:alg type="snake">
+          <dgm:param type="grDir" val="tL"/>
+          <dgm:param type="flowDir" val="row"/>
+          <dgm:param type="contDir" val="sameDir"/>
+          <dgm:param type="off" val="ctr"/>
+        </dgm:alg>
+      </dgm:if>
+      <dgm:else name="Name2">
+        <dgm:alg type="snake">
+          <dgm:param type="grDir" val="tR"/>
+          <dgm:param type="flowDir" val="row"/>
+          <dgm:param type="contDir" val="sameDir"/>
+          <dgm:param type="off" val="ctr"/>
+        </dgm:alg>
+      </dgm:else>
+    </dgm:choose>
+    <dgm:shape xmlns:r="http://schemas.openxmlformats.org/officeDocument/2006/relationships" r:blip="">
+      <dgm:adjLst/>
+    </dgm:shape>
+    <dgm:presOf/>
+    <dgm:constrLst>
+      <dgm:constr type="w" for="ch" forName="node" refType="w"/>
+      <dgm:constr type="h" for="ch" forName="node" refType="w" refFor="ch" refForName="node" fact="0.6"/>
+      <dgm:constr type="w" for="ch" forName="sibTrans" refType="w" refFor="ch" refForName="node" fact="0.1"/>
+      <dgm:constr type="sp" refType="w" refFor="ch" refForName="sibTrans"/>
+      <dgm:constr type="primFontSz" for="ch" forName="node" op="equ" val="65"/>
+    </dgm:constrLst>
+    <dgm:ruleLst/>
+    <dgm:forEach name="Name3" axis="ch" ptType="node">
+      <dgm:layoutNode name="node">
+        <dgm:varLst>
+          <dgm:bulletEnabled val="1"/>
+        </dgm:varLst>
+        <dgm:alg type="tx"/>
+        <dgm:shape xmlns:r="http://schemas.openxmlformats.org/officeDocument/2006/relationships" type="rect" r:blip="">
+          <dgm:adjLst/>
+        </dgm:shape>
+        <dgm:presOf axis="desOrSelf" ptType="node"/>
+        <dgm:constrLst>
+          <dgm:constr type="lMarg" refType="primFontSz" fact="0.3"/>
+          <dgm:constr type="rMarg" refType="primFontSz" fact="0.3"/>
+          <dgm:constr type="tMarg" refType="primFontSz" fact="0.3"/>
+          <dgm:constr type="bMarg" refType="primFontSz" fact="0.3"/>
+        </dgm:constrLst>
+        <dgm:ruleLst>
+          <dgm:rule type="primFontSz" val="5" fact="NaN" max="NaN"/>
+        </dgm:ruleLst>
+      </dgm:layoutNode>
+      <dgm:forEach name="Name4" axis="followSib" ptType="sibTrans" cnt="1">
+        <dgm:layoutNode name="sibTrans">
+          <dgm:alg type="sp"/>
+          <dgm:shape xmlns:r="http://schemas.openxmlformats.org/officeDocument/2006/relationships" r:blip="">
+            <dgm:adjLst/>
+          </dgm:shape>
+          <dgm:presOf/>
+          <dgm:constrLst/>
+          <dgm:ruleLst/>
+        </dgm:layoutNode>
+      </dgm:forEach>
+    </dgm:forEach>
+  </dgm:layoutNode>
+</dgm:layoutDef>
+</file>
+
+<file path=ppt/diagrams/quickStyle1.xml><?xml version="1.0" encoding="utf-8"?>
+<dgm:styleDef xmlns:dgm="http://schemas.openxmlformats.org/drawingml/2006/diagram" xmlns:a="http://schemas.openxmlformats.org/drawingml/2006/main" uniqueId="urn:microsoft.com/office/officeart/2005/8/quickstyle/simple1">
+  <dgm:title val=""/>
+  <dgm:desc val=""/>
+  <dgm:catLst>
+    <dgm:cat type="simple" pri="10100"/>
+  </dgm:catLst>
+  <dgm:scene3d>
+    <a:camera prst="orthographicFront"/>
+    <a:lightRig rig="threePt" dir="t"/>
+  </dgm:scene3d>
+  <dgm:styleLbl name="node0">
+    <dgm:scene3d>
+      <a:camera prst="orthographicFront"/>
+      <a:lightRig rig="threePt" dir="t"/>
+    </dgm:scene3d>
+    <dgm:sp3d/>
+    <dgm:txPr/>
+    <dgm:style>
+      <a:lnRef idx="2">
+        <a:scrgbClr r="0" g="0" b="0"/>
+      </a:lnRef>
+      <a:fillRef idx="1">
+        <a:scrgbClr r="0" g="0" b="0"/>
+      </a:fillRef>
+      <a:effectRef idx="0">
+        <a:scrgbClr r="0" g="0" b="0"/>
+      </a:effectRef>
+      <a:fontRef idx="minor">
+        <a:schemeClr val="lt1"/>
+      </a:fontRef>
+    </dgm:style>
+  </dgm:styleLbl>
+  <dgm:styleLbl name="lnNode1">
+    <dgm:scene3d>
+      <a:camera prst="orthographicFront"/>
+      <a:lightRig rig="threePt" dir="t"/>
+    </dgm:scene3d>
+    <dgm:sp3d/>
+    <dgm:txPr/>
+    <dgm:style>
+      <a:lnRef idx="2">
+        <a:scrgbClr r="0" g="0" b="0"/>
+      </a:lnRef>
+      <a:fillRef idx="1">
+        <a:scrgbClr r="0" g="0" b="0"/>
+      </a:fillRef>
+      <a:effectRef idx="0">
+        <a:scrgbClr r="0" g="0" b="0"/>
+      </a:effectRef>
+      <a:fontRef idx="minor">
+        <a:schemeClr val="lt1"/>
+      </a:fontRef>
+    </dgm:style>
+  </dgm:styleLbl>
+  <dgm:styleLbl name="vennNode1">
+    <dgm:scene3d>
+      <a:camera prst="orthographicFront"/>
+      <a:lightRig rig="threePt" dir="t"/>
+    </dgm:scene3d>
+    <dgm:sp3d/>
+    <dgm:txPr/>
+    <dgm:style>
+      <a:lnRef idx="2">
+        <a:scrgbClr r="0" g="0" b="0"/>
+      </a:lnRef>
+      <a:fillRef idx="1">
+        <a:scrgbClr r="0" g="0" b="0"/>
+      </a:fillRef>
+      <a:effectRef idx="0">
+        <a:scrgbClr r="0" g="0" b="0"/>
+      </a:effectRef>
+      <a:fontRef idx="minor">
+        <a:schemeClr val="tx1"/>
+      </a:fontRef>
+    </dgm:style>
+  </dgm:styleLbl>
+  <dgm:styleLbl name="alignNode1">
+    <dgm:scene3d>
+      <a:camera prst="orthographicFront"/>
+      <a:lightRig rig="threePt" dir="t"/>
+    </dgm:scene3d>
+    <dgm:sp3d/>
+    <dgm:txPr/>
+    <dgm:style>
+      <a:lnRef idx="2">
+        <a:scrgbClr r="0" g="0" b="0"/>
+      </a:lnRef>
+      <a:fillRef idx="1">
+        <a:scrgbClr r="0" g="0" b="0"/>
+      </a:fillRef>
+      <a:effectRef idx="0">
+        <a:scrgbClr r="0" g="0" b="0"/>
+      </a:effectRef>
+      <a:fontRef idx="minor">
+        <a:schemeClr val="lt1"/>
+      </a:fontRef>
+    </dgm:style>
+  </dgm:styleLbl>
+  <dgm:styleLbl name="node1">
+    <dgm:scene3d>
+      <a:camera prst="orthographicFront"/>
+      <a:lightRig rig="threePt" dir="t"/>
+    </dgm:scene3d>
+    <dgm:sp3d/>
+    <dgm:txPr/>
+    <dgm:style>
+      <a:lnRef idx="2">
+        <a:scrgbClr r="0" g="0" b="0"/>
+      </a:lnRef>
+      <a:fillRef idx="1">
+        <a:scrgbClr r="0" g="0" b="0"/>
+      </a:fillRef>
+      <a:effectRef idx="0">
+        <a:scrgbClr r="0" g="0" b="0"/>
+      </a:effectRef>
+      <a:fontRef idx="minor">
+        <a:schemeClr val="lt1"/>
+      </a:fontRef>
+    </dgm:style>
+  </dgm:styleLbl>
+  <dgm:styleLbl name="node2">
+    <dgm:scene3d>
+      <a:camera prst="orthographicFront"/>
+      <a:lightRig rig="threePt" dir="t"/>
+    </dgm:scene3d>
+    <dgm:sp3d/>
+    <dgm:txPr/>
+    <dgm:style>
+      <a:lnRef idx="2">
+        <a:scrgbClr r="0" g="0" b="0"/>
+      </a:lnRef>
+      <a:fillRef idx="1">
+        <a:scrgbClr r="0" g="0" b="0"/>
+      </a:fillRef>
+      <a:effectRef idx="0">
+        <a:scrgbClr r="0" g="0" b="0"/>
+      </a:effectRef>
+      <a:fontRef idx="minor">
+        <a:schemeClr val="lt1"/>
+      </a:fontRef>
+    </dgm:style>
+  </dgm:styleLbl>
+  <dgm:styleLbl name="node3">
+    <dgm:scene3d>
+      <a:camera prst="orthographicFront"/>
+      <a:lightRig rig="threePt" dir="t"/>
+    </dgm:scene3d>
+    <dgm:sp3d/>
+    <dgm:txPr/>
+    <dgm:style>
+      <a:lnRef idx="2">
+        <a:scrgbClr r="0" g="0" b="0"/>
+      </a:lnRef>
+      <a:fillRef idx="1">
+        <a:scrgbClr r="0" g="0" b="0"/>
+      </a:fillRef>
+      <a:effectRef idx="0">
+        <a:scrgbClr r="0" g="0" b="0"/>
+      </a:effectRef>
+      <a:fontRef idx="minor">
+        <a:schemeClr val="lt1"/>
+      </a:fontRef>
+    </dgm:style>
+  </dgm:styleLbl>
+  <dgm:styleLbl name="node4">
+    <dgm:scene3d>
+      <a:camera prst="orthographicFront"/>
+      <a:lightRig rig="threePt" dir="t"/>
+    </dgm:scene3d>
+    <dgm:sp3d/>
+    <dgm:txPr/>
+    <dgm:style>
+      <a:lnRef idx="2">
+        <a:scrgbClr r="0" g="0" b="0"/>
+      </a:lnRef>
+      <a:fillRef idx="1">
+        <a:scrgbClr r="0" g="0" b="0"/>
+      </a:fillRef>
+      <a:effectRef idx="0">
+        <a:scrgbClr r="0" g="0" b="0"/>
+      </a:effectRef>
+      <a:fontRef idx="minor">
+        <a:schemeClr val="lt1"/>
+      </a:fontRef>
+    </dgm:style>
+  </dgm:styleLbl>
+  <dgm:styleLbl name="fgImgPlace1">
+    <dgm:scene3d>
+      <a:camera prst="orthographicFront"/>
+      <a:lightRig rig="threePt" dir="t"/>
+    </dgm:scene3d>
+    <dgm:sp3d/>
+    <dgm:txPr/>
+    <dgm:style>
+      <a:lnRef idx="2">
+        <a:scrgbClr r="0" g="0" b="0"/>
+      </a:lnRef>
+      <a:fillRef idx="1">
+        <a:scrgbClr r="0" g="0" b="0"/>
+      </a:fillRef>
+      <a:effectRef idx="0">
+        <a:scrgbClr r="0" g="0" b="0"/>
+      </a:effectRef>
+      <a:fontRef idx="minor"/>
+    </dgm:style>
+  </dgm:styleLbl>
+  <dgm:styleLbl name="alignImgPlace1">
+    <dgm:scene3d>
+      <a:camera prst="orthographicFront"/>
+      <a:lightRig rig="threePt" dir="t"/>
+    </dgm:scene3d>
+    <dgm:sp3d/>
+    <dgm:txPr/>
+    <dgm:style>
+      <a:lnRef idx="2">
+        <a:scrgbClr r="0" g="0" b="0"/>
+      </a:lnRef>
+      <a:fillRef idx="1">
+        <a:scrgbClr r="0" g="0" b="0"/>
+      </a:fillRef>
+      <a:effectRef idx="0">
+        <a:scrgbClr r="0" g="0" b="0"/>
+      </a:effectRef>
+      <a:fontRef idx="minor"/>
+    </dgm:style>
+  </dgm:styleLbl>
+  <dgm:styleLbl name="bgImgPlace1">
+    <dgm:scene3d>
+      <a:camera prst="orthographicFront"/>
+      <a:lightRig rig="threePt" dir="t"/>
+    </dgm:scene3d>
+    <dgm:sp3d/>
+    <dgm:txPr/>
+    <dgm:style>
+      <a:lnRef idx="2">
+        <a:scrgbClr r="0" g="0" b="0"/>
+      </a:lnRef>
+      <a:fillRef idx="1">
+        <a:scrgbClr r="0" g="0" b="0"/>
+      </a:fillRef>
+      <a:effectRef idx="0">
+        <a:scrgbClr r="0" g="0" b="0"/>
+      </a:effectRef>
+      <a:fontRef idx="minor"/>
+    </dgm:style>
+  </dgm:styleLbl>
+  <dgm:styleLbl name="sibTrans2D1">
+    <dgm:scene3d>
+      <a:camera prst="orthographicFront"/>
+      <a:lightRig rig="threePt" dir="t"/>
+    </dgm:scene3d>
+    <dgm:sp3d/>
+    <dgm:txPr/>
+    <dgm:style>
+      <a:lnRef idx="0">
+        <a:scrgbClr r="0" g="0" b="0"/>
+      </a:lnRef>
+      <a:fillRef idx="1">
+        <a:scrgbClr r="0" g="0" b="0"/>
+      </a:fillRef>
+      <a:effectRef idx="0">
+        <a:scrgbClr r="0" g="0" b="0"/>
+      </a:effectRef>
+      <a:fontRef idx="minor">
+        <a:schemeClr val="lt1"/>
+      </a:fontRef>
+    </dgm:style>
+  </dgm:styleLbl>
+  <dgm:styleLbl name="fgSibTrans2D1">
+    <dgm:scene3d>
+      <a:camera prst="orthographicFront"/>
+      <a:lightRig rig="threePt" dir="t"/>
+    </dgm:scene3d>
+    <dgm:sp3d/>
+    <dgm:txPr/>
+    <dgm:style>
+      <a:lnRef idx="0">
+        <a:scrgbClr r="0" g="0" b="0"/>
+      </a:lnRef>
+      <a:fillRef idx="1">
+        <a:scrgbClr r="0" g="0" b="0"/>
+      </a:fillRef>
+      <a:effectRef idx="0">
+        <a:scrgbClr r="0" g="0" b="0"/>
+      </a:effectRef>
+      <a:fontRef idx="minor">
+        <a:schemeClr val="lt1"/>
+      </a:fontRef>
+    </dgm:style>
+  </dgm:styleLbl>
+  <dgm:styleLbl name="bgSibTrans2D1">
+    <dgm:scene3d>
+      <a:camera prst="orthographicFront"/>
+      <a:lightRig rig="threePt" dir="t"/>
+    </dgm:scene3d>
+    <dgm:sp3d/>
+    <dgm:txPr/>
+    <dgm:style>
+      <a:lnRef idx="0">
+        <a:scrgbClr r="0" g="0" b="0"/>
+      </a:lnRef>
+      <a:fillRef idx="1">
+        <a:scrgbClr r="0" g="0" b="0"/>
+      </a:fillRef>
+      <a:effectRef idx="0">
+        <a:scrgbClr r="0" g="0" b="0"/>
+      </a:effectRef>
+      <a:fontRef idx="minor">
+        <a:schemeClr val="lt1"/>
+      </a:fontRef>
+    </dgm:style>
+  </dgm:styleLbl>
+  <dgm:styleLbl name="sibTrans1D1">
+    <dgm:scene3d>
+      <a:camera prst="orthographicFront"/>
+      <a:lightRig rig="threePt" dir="t"/>
+    </dgm:scene3d>
+    <dgm:sp3d/>
+    <dgm:txPr/>
+    <dgm:style>
+      <a:lnRef idx="1">
+        <a:scrgbClr r="0" g="0" b="0"/>
+      </a:lnRef>
+      <a:fillRef idx="0">
+        <a:scrgbClr r="0" g="0" b="0"/>
+      </a:fillRef>
+      <a:effectRef idx="0">
+        <a:scrgbClr r="0" g="0" b="0"/>
+      </a:effectRef>
+      <a:fontRef idx="minor"/>
+    </dgm:style>
+  </dgm:styleLbl>
+  <dgm:styleLbl name="callout">
+    <dgm:scene3d>
+      <a:camera prst="orthographicFront"/>
+      <a:lightRig rig="threePt" dir="t"/>
+    </dgm:scene3d>
+    <dgm:sp3d/>
+    <dgm:txPr/>
+    <dgm:style>
+      <a:lnRef idx="2">
+        <a:scrgbClr r="0" g="0" b="0"/>
+      </a:lnRef>
+      <a:fillRef idx="1">
+        <a:scrgbClr r="0" g="0" b="0"/>
+      </a:fillRef>
+      <a:effectRef idx="0">
+        <a:scrgbClr r="0" g="0" b="0"/>
+      </a:effectRef>
+      <a:fontRef idx="minor"/>
+    </dgm:style>
+  </dgm:styleLbl>
+  <dgm:styleLbl name="asst0">
+    <dgm:scene3d>
+      <a:camera prst="orthographicFront"/>
+      <a:lightRig rig="threePt" dir="t"/>
+    </dgm:scene3d>
+    <dgm:sp3d/>
+    <dgm:txPr/>
+    <dgm:style>
+      <a:lnRef idx="2">
+        <a:scrgbClr r="0" g="0" b="0"/>
+      </a:lnRef>
+      <a:fillRef idx="1">
+        <a:scrgbClr r="0" g="0" b="0"/>
+      </a:fillRef>
+      <a:effectRef idx="0">
+        <a:scrgbClr r="0" g="0" b="0"/>
+      </a:effectRef>
+      <a:fontRef idx="minor">
+        <a:schemeClr val="lt1"/>
+      </a:fontRef>
+    </dgm:style>
+  </dgm:styleLbl>
+  <dgm:styleLbl name="asst1">
+    <dgm:scene3d>
+      <a:camera prst="orthographicFront"/>
+      <a:lightRig rig="threePt" dir="t"/>
+    </dgm:scene3d>
+    <dgm:sp3d/>
+    <dgm:txPr/>
+    <dgm:style>
+      <a:lnRef idx="2">
+        <a:scrgbClr r="0" g="0" b="0"/>
+      </a:lnRef>
+      <a:fillRef idx="1">
+        <a:scrgbClr r="0" g="0" b="0"/>
+      </a:fillRef>
+      <a:effectRef idx="0">
+        <a:scrgbClr r="0" g="0" b="0"/>
+      </a:effectRef>
+      <a:fontRef idx="minor">
+        <a:schemeClr val="lt1"/>
+      </a:fontRef>
+    </dgm:style>
+  </dgm:styleLbl>
+  <dgm:styleLbl name="asst2">
+    <dgm:scene3d>
+      <a:camera prst="orthographicFront"/>
+      <a:lightRig rig="threePt" dir="t"/>
+    </dgm:scene3d>
+    <dgm:sp3d/>
+    <dgm:txPr/>
+    <dgm:style>
+      <a:lnRef idx="2">
+        <a:scrgbClr r="0" g="0" b="0"/>
+      </a:lnRef>
+      <a:fillRef idx="1">
+        <a:scrgbClr r="0" g="0" b="0"/>
+      </a:fillRef>
+      <a:effectRef idx="0">
+        <a:scrgbClr r="0" g="0" b="0"/>
+      </a:effectRef>
+      <a:fontRef idx="minor">
+        <a:schemeClr val="lt1"/>
+      </a:fontRef>
+    </dgm:style>
+  </dgm:styleLbl>
+  <dgm:styleLbl name="asst3">
+    <dgm:scene3d>
+      <a:camera prst="orthographicFront"/>
+      <a:lightRig rig="threePt" dir="t"/>
+    </dgm:scene3d>
+    <dgm:sp3d/>
+    <dgm:txPr/>
+    <dgm:style>
+      <a:lnRef idx="2">
+        <a:scrgbClr r="0" g="0" b="0"/>
+      </a:lnRef>
+      <a:fillRef idx="1">
+        <a:scrgbClr r="0" g="0" b="0"/>
+      </a:fillRef>
+      <a:effectRef idx="0">
+        <a:scrgbClr r="0" g="0" b="0"/>
+      </a:effectRef>
+      <a:fontRef idx="minor">
+        <a:schemeClr val="lt1"/>
+      </a:fontRef>
+    </dgm:style>
+  </dgm:styleLbl>
+  <dgm:styleLbl name="asst4">
+    <dgm:scene3d>
+      <a:camera prst="orthographicFront"/>
+      <a:lightRig rig="threePt" dir="t"/>
+    </dgm:scene3d>
+    <dgm:sp3d/>
+    <dgm:txPr/>
+    <dgm:style>
+      <a:lnRef idx="2">
+        <a:scrgbClr r="0" g="0" b="0"/>
+      </a:lnRef>
+      <a:fillRef idx="1">
+        <a:scrgbClr r="0" g="0" b="0"/>
+      </a:fillRef>
+      <a:effectRef idx="0">
+        <a:scrgbClr r="0" g="0" b="0"/>
+      </a:effectRef>
+      <a:fontRef idx="minor">
+        <a:schemeClr val="lt1"/>
+      </a:fontRef>
+    </dgm:style>
+  </dgm:styleLbl>
+  <dgm:styleLbl name="parChTrans2D1">
+    <dgm:scene3d>
+      <a:camera prst="orthographicFront"/>
+      <a:lightRig rig="threePt" dir="t"/>
+    </dgm:scene3d>
+    <dgm:sp3d/>
+    <dgm:txPr/>
+    <dgm:style>
+      <a:lnRef idx="2">
+        <a:scrgbClr r="0" g="0" b="0"/>
+      </a:lnRef>
+      <a:fillRef idx="1">
+        <a:scrgbClr r="0" g="0" b="0"/>
+      </a:fillRef>
+      <a:effectRef idx="0">
+        <a:scrgbClr r="0" g="0" b="0"/>
+      </a:effectRef>
+      <a:fontRef idx="minor">
+        <a:schemeClr val="lt1"/>
+      </a:fontRef>
+    </dgm:style>
+  </dgm:styleLbl>
+  <dgm:styleLbl name="parChTrans2D2">
+    <dgm:scene3d>
+      <a:camera prst="orthographicFront"/>
+      <a:lightRig rig="threePt" dir="t"/>
+    </dgm:scene3d>
+    <dgm:sp3d/>
+    <dgm:txPr/>
+    <dgm:style>
+      <a:lnRef idx="2">
+        <a:scrgbClr r="0" g="0" b="0"/>
+      </a:lnRef>
+      <a:fillRef idx="1">
+        <a:scrgbClr r="0" g="0" b="0"/>
+      </a:fillRef>
+      <a:effectRef idx="0">
+        <a:scrgbClr r="0" g="0" b="0"/>
+      </a:effectRef>
+      <a:fontRef idx="minor">
+        <a:schemeClr val="lt1"/>
+      </a:fontRef>
+    </dgm:style>
+  </dgm:styleLbl>
+  <dgm:styleLbl name="parChTrans2D3">
+    <dgm:scene3d>
+      <a:camera prst="orthographicFront"/>
+      <a:lightRig rig="threePt" dir="t"/>
+    </dgm:scene3d>
+    <dgm:sp3d/>
+    <dgm:txPr/>
+    <dgm:style>
+      <a:lnRef idx="2">
+        <a:scrgbClr r="0" g="0" b="0"/>
+      </a:lnRef>
+      <a:fillRef idx="1">
+        <a:scrgbClr r="0" g="0" b="0"/>
+      </a:fillRef>
+      <a:effectRef idx="0">
+        <a:scrgbClr r="0" g="0" b="0"/>
+      </a:effectRef>
+      <a:fontRef idx="minor">
+        <a:schemeClr val="lt1"/>
+      </a:fontRef>
+    </dgm:style>
+  </dgm:styleLbl>
+  <dgm:styleLbl name="parChTrans2D4">
+    <dgm:scene3d>
+      <a:camera prst="orthographicFront"/>
+      <a:lightRig rig="threePt" dir="t"/>
+    </dgm:scene3d>
+    <dgm:sp3d/>
+    <dgm:txPr/>
+    <dgm:style>
+      <a:lnRef idx="2">
+        <a:scrgbClr r="0" g="0" b="0"/>
+      </a:lnRef>
+      <a:fillRef idx="1">
+        <a:scrgbClr r="0" g="0" b="0"/>
+      </a:fillRef>
+      <a:effectRef idx="0">
+        <a:scrgbClr r="0" g="0" b="0"/>
+      </a:effectRef>
+      <a:fontRef idx="minor">
+        <a:schemeClr val="lt1"/>
+      </a:fontRef>
+    </dgm:style>
+  </dgm:styleLbl>
+  <dgm:styleLbl name="parChTrans1D1">
+    <dgm:scene3d>
+      <a:camera prst="orthographicFront"/>
+      <a:lightRig rig="threePt" dir="t"/>
+    </dgm:scene3d>
+    <dgm:sp3d/>
+    <dgm:txPr/>
+    <dgm:style>
+      <a:lnRef idx="2">
+        <a:scrgbClr r="0" g="0" b="0"/>
+      </a:lnRef>
+      <a:fillRef idx="0">
+        <a:scrgbClr r="0" g="0" b="0"/>
+      </a:fillRef>
+      <a:effectRef idx="0">
+        <a:scrgbClr r="0" g="0" b="0"/>
+      </a:effectRef>
+      <a:fontRef idx="minor"/>
+    </dgm:style>
+  </dgm:styleLbl>
+  <dgm:styleLbl name="parChTrans1D2">
+    <dgm:scene3d>
+      <a:camera prst="orthographicFront"/>
+      <a:lightRig rig="threePt" dir="t"/>
+    </dgm:scene3d>
+    <dgm:sp3d/>
+    <dgm:txPr/>
+    <dgm:style>
+      <a:lnRef idx="2">
+        <a:scrgbClr r="0" g="0" b="0"/>
+      </a:lnRef>
+      <a:fillRef idx="0">
+        <a:scrgbClr r="0" g="0" b="0"/>
+      </a:fillRef>
+      <a:effectRef idx="0">
+        <a:scrgbClr r="0" g="0" b="0"/>
+      </a:effectRef>
+      <a:fontRef idx="minor"/>
+    </dgm:style>
+  </dgm:styleLbl>
+  <dgm:styleLbl name="parChTrans1D3">
+    <dgm:scene3d>
+      <a:camera prst="orthographicFront"/>
+      <a:lightRig rig="threePt" dir="t"/>
+    </dgm:scene3d>
+    <dgm:sp3d/>
+    <dgm:txPr/>
+    <dgm:style>
+      <a:lnRef idx="2">
+        <a:scrgbClr r="0" g="0" b="0"/>
+      </a:lnRef>
+      <a:fillRef idx="0">
+        <a:scrgbClr r="0" g="0" b="0"/>
+      </a:fillRef>
+      <a:effectRef idx="0">
+        <a:scrgbClr r="0" g="0" b="0"/>
+      </a:effectRef>
+      <a:fontRef idx="minor"/>
+    </dgm:style>
+  </dgm:styleLbl>
+  <dgm:styleLbl name="parChTrans1D4">
+    <dgm:scene3d>
+      <a:camera prst="orthographicFront"/>
+      <a:lightRig rig="threePt" dir="t"/>
+    </dgm:scene3d>
+    <dgm:sp3d/>
+    <dgm:txPr/>
+    <dgm:style>
+      <a:lnRef idx="2">
+        <a:scrgbClr r="0" g="0" b="0"/>
+      </a:lnRef>
+      <a:fillRef idx="0">
+        <a:scrgbClr r="0" g="0" b="0"/>
+      </a:fillRef>
+      <a:effectRef idx="0">
+        <a:scrgbClr r="0" g="0" b="0"/>
+      </a:effectRef>
+      <a:fontRef idx="minor"/>
+    </dgm:style>
+  </dgm:styleLbl>
+  <dgm:styleLbl name="fgAcc1">
+    <dgm:scene3d>
+      <a:camera prst="orthographicFront"/>
+      <a:lightRig rig="threePt" dir="t"/>
+    </dgm:scene3d>
+    <dgm:sp3d/>
+    <dgm:txPr/>
+    <dgm:style>
+      <a:lnRef idx="2">
+        <a:scrgbClr r="0" g="0" b="0"/>
+      </a:lnRef>
+      <a:fillRef idx="1">
+        <a:scrgbClr r="0" g="0" b="0"/>
+      </a:fillRef>
+      <a:effectRef idx="0">
+        <a:scrgbClr r="0" g="0" b="0"/>
+      </a:effectRef>
+      <a:fontRef idx="minor"/>
+    </dgm:style>
+  </dgm:styleLbl>
+  <dgm:styleLbl name="conFgAcc1">
+    <dgm:scene3d>
+      <a:camera prst="orthographicFront"/>
+      <a:lightRig rig="threePt" dir="t"/>
+    </dgm:scene3d>
+    <dgm:sp3d/>
+    <dgm:txPr/>
+    <dgm:style>
+      <a:lnRef idx="2">
+        <a:scrgbClr r="0" g="0" b="0"/>
+      </a:lnRef>
+      <a:fillRef idx="1">
+        <a:scrgbClr r="0" g="0" b="0"/>
+      </a:fillRef>
+      <a:effectRef idx="0">
+        <a:scrgbClr r="0" g="0" b="0"/>
+      </a:effectRef>
+      <a:fontRef idx="minor"/>
+    </dgm:style>
+  </dgm:styleLbl>
+  <dgm:styleLbl name="alignAcc1">
+    <dgm:scene3d>
+      <a:camera prst="orthographicFront"/>
+      <a:lightRig rig="threePt" dir="t"/>
+    </dgm:scene3d>
+    <dgm:sp3d/>
+    <dgm:txPr/>
+    <dgm:style>
+      <a:lnRef idx="2">
+        <a:scrgbClr r="0" g="0" b="0"/>
+      </a:lnRef>
+      <a:fillRef idx="1">
+        <a:scrgbClr r="0" g="0" b="0"/>
+      </a:fillRef>
+      <a:effectRef idx="0">
+        <a:scrgbClr r="0" g="0" b="0"/>
+      </a:effectRef>
+      <a:fontRef idx="minor"/>
+    </dgm:style>
+  </dgm:styleLbl>
+  <dgm:styleLbl name="trAlignAcc1">
+    <dgm:scene3d>
+      <a:camera prst="orthographicFront"/>
+      <a:lightRig rig="threePt" dir="t"/>
+    </dgm:scene3d>
+    <dgm:sp3d/>
+    <dgm:txPr/>
+    <dgm:style>
+      <a:lnRef idx="1">
+        <a:scrgbClr r="0" g="0" b="0"/>
+      </a:lnRef>
+      <a:fillRef idx="1">
+        <a:scrgbClr r="0" g="0" b="0"/>
+      </a:fillRef>
+      <a:effectRef idx="0">
+        <a:scrgbClr r="0" g="0" b="0"/>
+      </a:effectRef>
+      <a:fontRef idx="minor"/>
+    </dgm:style>
+  </dgm:styleLbl>
+  <dgm:styleLbl name="bgAcc1">
+    <dgm:scene3d>
+      <a:camera prst="orthographicFront"/>
+      <a:lightRig rig="threePt" dir="t"/>
+    </dgm:scene3d>
+    <dgm:sp3d/>
+    <dgm:txPr/>
+    <dgm:style>
+      <a:lnRef idx="2">
+        <a:scrgbClr r="0" g="0" b="0"/>
+      </a:lnRef>
+      <a:fillRef idx="1">
+        <a:scrgbClr r="0" g="0" b="0"/>
+      </a:fillRef>
+      <a:effectRef idx="0">
+        <a:scrgbClr r="0" g="0" b="0"/>
+      </a:effectRef>
+      <a:fontRef idx="minor"/>
+    </dgm:style>
+  </dgm:styleLbl>
+  <dgm:styleLbl name="solidFgAcc1">
+    <dgm:scene3d>
+      <a:camera prst="orthographicFront"/>
+      <a:lightRig rig="threePt" dir="t"/>
+    </dgm:scene3d>
+    <dgm:sp3d/>
+    <dgm:txPr/>
+    <dgm:style>
+      <a:lnRef idx="2">
+        <a:scrgbClr r="0" g="0" b="0"/>
+      </a:lnRef>
+      <a:fillRef idx="1">
+        <a:scrgbClr r="0" g="0" b="0"/>
+      </a:fillRef>
+      <a:effectRef idx="0">
+        <a:scrgbClr r="0" g="0" b="0"/>
+      </a:effectRef>
+      <a:fontRef idx="minor"/>
+    </dgm:style>
+  </dgm:styleLbl>
+  <dgm:styleLbl name="solidAlignAcc1">
+    <dgm:scene3d>
+      <a:camera prst="orthographicFront"/>
+      <a:lightRig rig="threePt" dir="t"/>
+    </dgm:scene3d>
+    <dgm:sp3d/>
+    <dgm:txPr/>
+    <dgm:style>
+      <a:lnRef idx="2">
+        <a:scrgbClr r="0" g="0" b="0"/>
+      </a:lnRef>
+      <a:fillRef idx="1">
+        <a:scrgbClr r="0" g="0" b="0"/>
+      </a:fillRef>
+      <a:effectRef idx="0">
+        <a:scrgbClr r="0" g="0" b="0"/>
+      </a:effectRef>
+      <a:fontRef idx="minor"/>
+    </dgm:style>
+  </dgm:styleLbl>
+  <dgm:styleLbl name="solidBgAcc1">
+    <dgm:scene3d>
+      <a:camera prst="orthographicFront"/>
+      <a:lightRig rig="threePt" dir="t"/>
+    </dgm:scene3d>
+    <dgm:sp3d/>
+    <dgm:txPr/>
+    <dgm:style>
+      <a:lnRef idx="2">
+        <a:scrgbClr r="0" g="0" b="0"/>
+      </a:lnRef>
+      <a:fillRef idx="1">
+        <a:scrgbClr r="0" g="0" b="0"/>
+      </a:fillRef>
+      <a:effectRef idx="0">
+        <a:scrgbClr r="0" g="0" b="0"/>
+      </a:effectRef>
+      <a:fontRef idx="minor"/>
+    </dgm:style>
+  </dgm:styleLbl>
+  <dgm:styleLbl name="fgAccFollowNode1">
+    <dgm:scene3d>
+      <a:camera prst="orthographicFront"/>
+      <a:lightRig rig="threePt" dir="t"/>
+    </dgm:scene3d>
+    <dgm:sp3d/>
+    <dgm:txPr/>
+    <dgm:style>
+      <a:lnRef idx="2">
+        <a:scrgbClr r="0" g="0" b="0"/>
+      </a:lnRef>
+      <a:fillRef idx="1">
+        <a:scrgbClr r="0" g="0" b="0"/>
+      </a:fillRef>
+      <a:effectRef idx="0">
+        <a:scrgbClr r="0" g="0" b="0"/>
+      </a:effectRef>
+      <a:fontRef idx="minor"/>
+    </dgm:style>
+  </dgm:styleLbl>
+  <dgm:styleLbl name="alignAccFollowNode1">
+    <dgm:scene3d>
+      <a:camera prst="orthographicFront"/>
+      <a:lightRig rig="threePt" dir="t"/>
+    </dgm:scene3d>
+    <dgm:sp3d/>
+    <dgm:txPr/>
+    <dgm:style>
+      <a:lnRef idx="2">
+        <a:scrgbClr r="0" g="0" b="0"/>
+      </a:lnRef>
+      <a:fillRef idx="1">
+        <a:scrgbClr r="0" g="0" b="0"/>
+      </a:fillRef>
+      <a:effectRef idx="0">
+        <a:scrgbClr r="0" g="0" b="0"/>
+      </a:effectRef>
+      <a:fontRef idx="minor"/>
+    </dgm:style>
+  </dgm:styleLbl>
+  <dgm:styleLbl name="bgAccFollowNode1">
+    <dgm:scene3d>
+      <a:camera prst="orthographicFront"/>
+      <a:lightRig rig="threePt" dir="t"/>
+    </dgm:scene3d>
+    <dgm:sp3d/>
+    <dgm:txPr/>
+    <dgm:style>
+      <a:lnRef idx="2">
+        <a:scrgbClr r="0" g="0" b="0"/>
+      </a:lnRef>
+      <a:fillRef idx="1">
+        <a:scrgbClr r="0" g="0" b="0"/>
+      </a:fillRef>
+      <a:effectRef idx="0">
+        <a:scrgbClr r="0" g="0" b="0"/>
+      </a:effectRef>
+      <a:fontRef idx="minor"/>
+    </dgm:style>
+  </dgm:styleLbl>
+  <dgm:styleLbl name="fgAcc0">
+    <dgm:scene3d>
+      <a:camera prst="orthographicFront"/>
+      <a:lightRig rig="threePt" dir="t"/>
+    </dgm:scene3d>
+    <dgm:sp3d/>
+    <dgm:txPr/>
+    <dgm:style>
+      <a:lnRef idx="2">
+        <a:scrgbClr r="0" g="0" b="0"/>
+      </a:lnRef>
+      <a:fillRef idx="1">
+        <a:scrgbClr r="0" g="0" b="0"/>
+      </a:fillRef>
+      <a:effectRef idx="0">
+        <a:scrgbClr r="0" g="0" b="0"/>
+      </a:effectRef>
+      <a:fontRef idx="minor"/>
+    </dgm:style>
+  </dgm:styleLbl>
+  <dgm:styleLbl name="fgAcc2">
+    <dgm:scene3d>
+      <a:camera prst="orthographicFront"/>
+      <a:lightRig rig="threePt" dir="t"/>
+    </dgm:scene3d>
+    <dgm:sp3d/>
+    <dgm:txPr/>
+    <dgm:style>
+      <a:lnRef idx="2">
+        <a:scrgbClr r="0" g="0" b="0"/>
+      </a:lnRef>
+      <a:fillRef idx="1">
+        <a:scrgbClr r="0" g="0" b="0"/>
+      </a:fillRef>
+      <a:effectRef idx="0">
+        <a:scrgbClr r="0" g="0" b="0"/>
+      </a:effectRef>
+      <a:fontRef idx="minor"/>
+    </dgm:style>
+  </dgm:styleLbl>
+  <dgm:styleLbl name="fgAcc3">
+    <dgm:scene3d>
+      <a:camera prst="orthographicFront"/>
+      <a:lightRig rig="threePt" dir="t"/>
+    </dgm:scene3d>
+    <dgm:sp3d/>
+    <dgm:txPr/>
+    <dgm:style>
+      <a:lnRef idx="2">
+        <a:scrgbClr r="0" g="0" b="0"/>
+      </a:lnRef>
+      <a:fillRef idx="1">
+        <a:scrgbClr r="0" g="0" b="0"/>
+      </a:fillRef>
+      <a:effectRef idx="0">
+        <a:scrgbClr r="0" g="0" b="0"/>
+      </a:effectRef>
+      <a:fontRef idx="minor"/>
+    </dgm:style>
+  </dgm:styleLbl>
+  <dgm:styleLbl name="fgAcc4">
+    <dgm:scene3d>
+      <a:camera prst="orthographicFront"/>
+      <a:lightRig rig="threePt" dir="t"/>
+    </dgm:scene3d>
+    <dgm:sp3d/>
+    <dgm:txPr/>
+    <dgm:style>
+      <a:lnRef idx="2">
+        <a:scrgbClr r="0" g="0" b="0"/>
+      </a:lnRef>
+      <a:fillRef idx="1">
+        <a:scrgbClr r="0" g="0" b="0"/>
+      </a:fillRef>
+      <a:effectRef idx="0">
+        <a:scrgbClr r="0" g="0" b="0"/>
+      </a:effectRef>
+      <a:fontRef idx="minor"/>
+    </dgm:style>
+  </dgm:styleLbl>
+  <dgm:styleLbl name="bgShp">
+    <dgm:scene3d>
+      <a:camera prst="orthographicFront"/>
+      <a:lightRig rig="threePt" dir="t"/>
+    </dgm:scene3d>
+    <dgm:sp3d/>
+    <dgm:txPr/>
+    <dgm:style>
+      <a:lnRef idx="0">
+        <a:scrgbClr r="0" g="0" b="0"/>
+      </a:lnRef>
+      <a:fillRef idx="1">
+        <a:scrgbClr r="0" g="0" b="0"/>
+      </a:fillRef>
+      <a:effectRef idx="0">
+        <a:scrgbClr r="0" g="0" b="0"/>
+      </a:effectRef>
+      <a:fontRef idx="minor"/>
+    </dgm:style>
+  </dgm:styleLbl>
+  <dgm:styleLbl name="dkBgShp">
+    <dgm:scene3d>
+      <a:camera prst="orthographicFront"/>
+      <a:lightRig rig="threePt" dir="t"/>
+    </dgm:scene3d>
+    <dgm:sp3d/>
+    <dgm:txPr/>
+    <dgm:style>
+      <a:lnRef idx="0">
+        <a:scrgbClr r="0" g="0" b="0"/>
+      </a:lnRef>
+      <a:fillRef idx="1">
+        <a:scrgbClr r="0" g="0" b="0"/>
+      </a:fillRef>
+      <a:effectRef idx="0">
+        <a:scrgbClr r="0" g="0" b="0"/>
+      </a:effectRef>
+      <a:fontRef idx="minor"/>
+    </dgm:style>
+  </dgm:styleLbl>
+  <dgm:styleLbl name="trBgShp">
+    <dgm:scene3d>
+      <a:camera prst="orthographicFront"/>
+      <a:lightRig rig="threePt" dir="t"/>
+    </dgm:scene3d>
+    <dgm:sp3d/>
+    <dgm:txPr/>
+    <dgm:style>
+      <a:lnRef idx="0">
+        <a:scrgbClr r="0" g="0" b="0"/>
+      </a:lnRef>
+      <a:fillRef idx="1">
+        <a:scrgbClr r="0" g="0" b="0"/>
+      </a:fillRef>
+      <a:effectRef idx="0">
+        <a:scrgbClr r="0" g="0" b="0"/>
+      </a:effectRef>
+      <a:fontRef idx="minor"/>
+    </dgm:style>
+  </dgm:styleLbl>
+  <dgm:styleLbl name="fgShp">
+    <dgm:scene3d>
+      <a:camera prst="orthographicFront"/>
+      <a:lightRig rig="threePt" dir="t"/>
+    </dgm:scene3d>
+    <dgm:sp3d/>
+    <dgm:txPr/>
+    <dgm:style>
+      <a:lnRef idx="2">
+        <a:scrgbClr r="0" g="0" b="0"/>
+      </a:lnRef>
+      <a:fillRef idx="1">
+        <a:scrgbClr r="0" g="0" b="0"/>
+      </a:fillRef>
+      <a:effectRef idx="0">
+        <a:scrgbClr r="0" g="0" b="0"/>
+      </a:effectRef>
+      <a:fontRef idx="minor"/>
+    </dgm:style>
+  </dgm:styleLbl>
+  <dgm:styleLbl name="revTx">
+    <dgm:scene3d>
+      <a:camera prst="orthographicFront"/>
+      <a:lightRig rig="threePt" dir="t"/>
+    </dgm:scene3d>
+    <dgm:sp3d/>
+    <dgm:txPr/>
+    <dgm:style>
+      <a:lnRef idx="0">
+        <a:scrgbClr r="0" g="0" b="0"/>
+      </a:lnRef>
+      <a:fillRef idx="0">
+        <a:scrgbClr r="0" g="0" b="0"/>
+      </a:fillRef>
+      <a:effectRef idx="0">
+        <a:scrgbClr r="0" g="0" b="0"/>
+      </a:effectRef>
+      <a:fontRef idx="minor"/>
+    </dgm:style>
+  </dgm:styleLbl>
+</dgm:styleDef>
+</file>
+
+<file path=ppt/diagrams/quickStyle2.xml><?xml version="1.0" encoding="utf-8"?>
+<dgm:styleDef xmlns:dgm="http://schemas.openxmlformats.org/drawingml/2006/diagram" xmlns:a="http://schemas.openxmlformats.org/drawingml/2006/main" uniqueId="urn:microsoft.com/office/officeart/2005/8/quickstyle/simple2">
+  <dgm:title val=""/>
+  <dgm:desc val=""/>
+  <dgm:catLst>
+    <dgm:cat type="simple" pri="10200"/>
+  </dgm:catLst>
+  <dgm:scene3d>
+    <a:camera prst="orthographicFront"/>
+    <a:lightRig rig="threePt" dir="t"/>
+  </dgm:scene3d>
+  <dgm:styleLbl name="node0">
+    <dgm:scene3d>
+      <a:camera prst="orthographicFront"/>
+      <a:lightRig rig="threePt" dir="t"/>
+    </dgm:scene3d>
+    <dgm:sp3d/>
+    <dgm:txPr/>
+    <dgm:style>
+      <a:lnRef idx="3">
+        <a:scrgbClr r="0" g="0" b="0"/>
+      </a:lnRef>
+      <a:fillRef idx="1">
+        <a:scrgbClr r="0" g="0" b="0"/>
+      </a:fillRef>
+      <a:effectRef idx="1">
+        <a:scrgbClr r="0" g="0" b="0"/>
+      </a:effectRef>
+      <a:fontRef idx="minor">
+        <a:schemeClr val="lt1"/>
+      </a:fontRef>
+    </dgm:style>
+  </dgm:styleLbl>
+  <dgm:styleLbl name="lnNode1">
+    <dgm:scene3d>
+      <a:camera prst="orthographicFront"/>
+      <a:lightRig rig="threePt" dir="t"/>
+    </dgm:scene3d>
+    <dgm:sp3d/>
+    <dgm:txPr/>
+    <dgm:style>
+      <a:lnRef idx="3">
+        <a:scrgbClr r="0" g="0" b="0"/>
+      </a:lnRef>
+      <a:fillRef idx="1">
+        <a:scrgbClr r="0" g="0" b="0"/>
+      </a:fillRef>
+      <a:effectRef idx="1">
+        <a:scrgbClr r="0" g="0" b="0"/>
+      </a:effectRef>
+      <a:fontRef idx="minor">
+        <a:schemeClr val="lt1"/>
+      </a:fontRef>
+    </dgm:style>
+  </dgm:styleLbl>
+  <dgm:styleLbl name="vennNode1">
+    <dgm:scene3d>
+      <a:camera prst="orthographicFront"/>
+      <a:lightRig rig="threePt" dir="t"/>
+    </dgm:scene3d>
+    <dgm:sp3d/>
+    <dgm:txPr/>
+    <dgm:style>
+      <a:lnRef idx="3">
+        <a:scrgbClr r="0" g="0" b="0"/>
+      </a:lnRef>
+      <a:fillRef idx="1">
+        <a:scrgbClr r="0" g="0" b="0"/>
+      </a:fillRef>
+      <a:effectRef idx="0">
+        <a:scrgbClr r="0" g="0" b="0"/>
+      </a:effectRef>
+      <a:fontRef idx="minor">
+        <a:schemeClr val="tx1"/>
+      </a:fontRef>
+    </dgm:style>
+  </dgm:styleLbl>
+  <dgm:styleLbl name="alignNode1">
+    <dgm:scene3d>
+      <a:camera prst="orthographicFront"/>
+      <a:lightRig rig="threePt" dir="t"/>
+    </dgm:scene3d>
+    <dgm:sp3d/>
+    <dgm:txPr/>
+    <dgm:style>
+      <a:lnRef idx="2">
+        <a:scrgbClr r="0" g="0" b="0"/>
+      </a:lnRef>
+      <a:fillRef idx="1">
+        <a:scrgbClr r="0" g="0" b="0"/>
+      </a:fillRef>
+      <a:effectRef idx="1">
+        <a:scrgbClr r="0" g="0" b="0"/>
+      </a:effectRef>
+      <a:fontRef idx="minor">
+        <a:schemeClr val="lt1"/>
+      </a:fontRef>
+    </dgm:style>
+  </dgm:styleLbl>
+  <dgm:styleLbl name="node1">
+    <dgm:scene3d>
+      <a:camera prst="orthographicFront"/>
+      <a:lightRig rig="threePt" dir="t"/>
+    </dgm:scene3d>
+    <dgm:sp3d/>
+    <dgm:txPr/>
+    <dgm:style>
+      <a:lnRef idx="3">
+        <a:scrgbClr r="0" g="0" b="0"/>
+      </a:lnRef>
+      <a:fillRef idx="1">
+        <a:scrgbClr r="0" g="0" b="0"/>
+      </a:fillRef>
+      <a:effectRef idx="1">
+        <a:scrgbClr r="0" g="0" b="0"/>
+      </a:effectRef>
+      <a:fontRef idx="minor">
+        <a:schemeClr val="lt1"/>
+      </a:fontRef>
+    </dgm:style>
+  </dgm:styleLbl>
+  <dgm:styleLbl name="node2">
+    <dgm:scene3d>
+      <a:camera prst="orthographicFront"/>
+      <a:lightRig rig="threePt" dir="t"/>
+    </dgm:scene3d>
+    <dgm:sp3d/>
+    <dgm:txPr/>
+    <dgm:style>
+      <a:lnRef idx="3">
+        <a:scrgbClr r="0" g="0" b="0"/>
+      </a:lnRef>
+      <a:fillRef idx="1">
+        <a:scrgbClr r="0" g="0" b="0"/>
+      </a:fillRef>
+      <a:effectRef idx="1">
+        <a:scrgbClr r="0" g="0" b="0"/>
+      </a:effectRef>
+      <a:fontRef idx="minor">
+        <a:schemeClr val="lt1"/>
+      </a:fontRef>
+    </dgm:style>
+  </dgm:styleLbl>
+  <dgm:styleLbl name="node3">
+    <dgm:scene3d>
+      <a:camera prst="orthographicFront"/>
+      <a:lightRig rig="threePt" dir="t"/>
+    </dgm:scene3d>
+    <dgm:sp3d/>
+    <dgm:txPr/>
+    <dgm:style>
+      <a:lnRef idx="3">
+        <a:scrgbClr r="0" g="0" b="0"/>
+      </a:lnRef>
+      <a:fillRef idx="1">
+        <a:scrgbClr r="0" g="0" b="0"/>
+      </a:fillRef>
+      <a:effectRef idx="1">
+        <a:scrgbClr r="0" g="0" b="0"/>
+      </a:effectRef>
+      <a:fontRef idx="minor">
+        <a:schemeClr val="lt1"/>
+      </a:fontRef>
+    </dgm:style>
+  </dgm:styleLbl>
+  <dgm:styleLbl name="node4">
+    <dgm:scene3d>
+      <a:camera prst="orthographicFront"/>
+      <a:lightRig rig="threePt" dir="t"/>
+    </dgm:scene3d>
+    <dgm:sp3d/>
+    <dgm:txPr/>
+    <dgm:style>
+      <a:lnRef idx="3">
+        <a:scrgbClr r="0" g="0" b="0"/>
+      </a:lnRef>
+      <a:fillRef idx="1">
+        <a:scrgbClr r="0" g="0" b="0"/>
+      </a:fillRef>
+      <a:effectRef idx="1">
+        <a:scrgbClr r="0" g="0" b="0"/>
+      </a:effectRef>
+      <a:fontRef idx="minor">
+        <a:schemeClr val="lt1"/>
+      </a:fontRef>
+    </dgm:style>
+  </dgm:styleLbl>
+  <dgm:styleLbl name="fgImgPlace1">
+    <dgm:scene3d>
+      <a:camera prst="orthographicFront"/>
+      <a:lightRig rig="threePt" dir="t"/>
+    </dgm:scene3d>
+    <dgm:sp3d/>
+    <dgm:txPr/>
+    <dgm:style>
+      <a:lnRef idx="3">
+        <a:scrgbClr r="0" g="0" b="0"/>
+      </a:lnRef>
+      <a:fillRef idx="1">
+        <a:scrgbClr r="0" g="0" b="0"/>
+      </a:fillRef>
+      <a:effectRef idx="1">
+        <a:scrgbClr r="0" g="0" b="0"/>
+      </a:effectRef>
+      <a:fontRef idx="minor"/>
+    </dgm:style>
+  </dgm:styleLbl>
+  <dgm:styleLbl name="alignImgPlace1">
+    <dgm:scene3d>
+      <a:camera prst="orthographicFront"/>
+      <a:lightRig rig="threePt" dir="t"/>
+    </dgm:scene3d>
+    <dgm:sp3d/>
+    <dgm:txPr/>
+    <dgm:style>
+      <a:lnRef idx="3">
+        <a:scrgbClr r="0" g="0" b="0"/>
+      </a:lnRef>
+      <a:fillRef idx="1">
+        <a:scrgbClr r="0" g="0" b="0"/>
+      </a:fillRef>
+      <a:effectRef idx="1">
+        <a:scrgbClr r="0" g="0" b="0"/>
+      </a:effectRef>
+      <a:fontRef idx="minor"/>
+    </dgm:style>
+  </dgm:styleLbl>
+  <dgm:styleLbl name="bgImgPlace1">
+    <dgm:scene3d>
+      <a:camera prst="orthographicFront"/>
+      <a:lightRig rig="threePt" dir="t"/>
+    </dgm:scene3d>
+    <dgm:sp3d/>
+    <dgm:txPr/>
+    <dgm:style>
+      <a:lnRef idx="3">
+        <a:scrgbClr r="0" g="0" b="0"/>
+      </a:lnRef>
+      <a:fillRef idx="1">
+        <a:scrgbClr r="0" g="0" b="0"/>
+      </a:fillRef>
+      <a:effectRef idx="1">
+        <a:scrgbClr r="0" g="0" b="0"/>
+      </a:effectRef>
+      <a:fontRef idx="minor"/>
+    </dgm:style>
+  </dgm:styleLbl>
+  <dgm:styleLbl name="sibTrans2D1">
+    <dgm:scene3d>
+      <a:camera prst="orthographicFront"/>
+      <a:lightRig rig="threePt" dir="t"/>
+    </dgm:scene3d>
+    <dgm:sp3d/>
+    <dgm:txPr/>
+    <dgm:style>
+      <a:lnRef idx="0">
+        <a:scrgbClr r="0" g="0" b="0"/>
+      </a:lnRef>
+      <a:fillRef idx="1">
+        <a:scrgbClr r="0" g="0" b="0"/>
+      </a:fillRef>
+      <a:effectRef idx="1">
+        <a:scrgbClr r="0" g="0" b="0"/>
+      </a:effectRef>
+      <a:fontRef idx="minor">
+        <a:schemeClr val="lt1"/>
+      </a:fontRef>
+    </dgm:style>
+  </dgm:styleLbl>
+  <dgm:styleLbl name="fgSibTrans2D1">
+    <dgm:scene3d>
+      <a:camera prst="orthographicFront"/>
+      <a:lightRig rig="threePt" dir="t"/>
+    </dgm:scene3d>
+    <dgm:sp3d/>
+    <dgm:txPr/>
+    <dgm:style>
+      <a:lnRef idx="0">
+        <a:scrgbClr r="0" g="0" b="0"/>
+      </a:lnRef>
+      <a:fillRef idx="1">
+        <a:scrgbClr r="0" g="0" b="0"/>
+      </a:fillRef>
+      <a:effectRef idx="1">
+        <a:scrgbClr r="0" g="0" b="0"/>
+      </a:effectRef>
+      <a:fontRef idx="minor">
+        <a:schemeClr val="lt1"/>
+      </a:fontRef>
+    </dgm:style>
+  </dgm:styleLbl>
+  <dgm:styleLbl name="bgSibTrans2D1">
+    <dgm:scene3d>
+      <a:camera prst="orthographicFront"/>
+      <a:lightRig rig="threePt" dir="t"/>
+    </dgm:scene3d>
+    <dgm:sp3d/>
+    <dgm:txPr/>
+    <dgm:style>
+      <a:lnRef idx="0">
+        <a:scrgbClr r="0" g="0" b="0"/>
+      </a:lnRef>
+      <a:fillRef idx="1">
+        <a:scrgbClr r="0" g="0" b="0"/>
+      </a:fillRef>
+      <a:effectRef idx="1">
+        <a:scrgbClr r="0" g="0" b="0"/>
+      </a:effectRef>
+      <a:fontRef idx="minor">
+        <a:schemeClr val="lt1"/>
+      </a:fontRef>
+    </dgm:style>
+  </dgm:styleLbl>
+  <dgm:styleLbl name="sibTrans1D1">
+    <dgm:scene3d>
+      <a:camera prst="orthographicFront"/>
+      <a:lightRig rig="threePt" dir="t"/>
+    </dgm:scene3d>
+    <dgm:sp3d/>
+    <dgm:txPr/>
+    <dgm:style>
+      <a:lnRef idx="1">
+        <a:scrgbClr r="0" g="0" b="0"/>
+      </a:lnRef>
+      <a:fillRef idx="0">
+        <a:scrgbClr r="0" g="0" b="0"/>
+      </a:fillRef>
+      <a:effectRef idx="0">
+        <a:scrgbClr r="0" g="0" b="0"/>
+      </a:effectRef>
+      <a:fontRef idx="minor"/>
+    </dgm:style>
+  </dgm:styleLbl>
+  <dgm:styleLbl name="callout">
+    <dgm:scene3d>
+      <a:camera prst="orthographicFront"/>
+      <a:lightRig rig="threePt" dir="t"/>
+    </dgm:scene3d>
+    <dgm:sp3d/>
+    <dgm:txPr/>
+    <dgm:style>
+      <a:lnRef idx="2">
+        <a:scrgbClr r="0" g="0" b="0"/>
+      </a:lnRef>
+      <a:fillRef idx="1">
+        <a:scrgbClr r="0" g="0" b="0"/>
+      </a:fillRef>
+      <a:effectRef idx="1">
+        <a:scrgbClr r="0" g="0" b="0"/>
+      </a:effectRef>
+      <a:fontRef idx="minor"/>
+    </dgm:style>
+  </dgm:styleLbl>
+  <dgm:styleLbl name="asst0">
+    <dgm:scene3d>
+      <a:camera prst="orthographicFront"/>
+      <a:lightRig rig="threePt" dir="t"/>
+    </dgm:scene3d>
+    <dgm:sp3d/>
+    <dgm:txPr/>
+    <dgm:style>
+      <a:lnRef idx="3">
+        <a:scrgbClr r="0" g="0" b="0"/>
+      </a:lnRef>
+      <a:fillRef idx="1">
+        <a:scrgbClr r="0" g="0" b="0"/>
+      </a:fillRef>
+      <a:effectRef idx="1">
+        <a:scrgbClr r="0" g="0" b="0"/>
+      </a:effectRef>
+      <a:fontRef idx="minor">
+        <a:schemeClr val="lt1"/>
+      </a:fontRef>
+    </dgm:style>
+  </dgm:styleLbl>
+  <dgm:styleLbl name="asst1">
+    <dgm:scene3d>
+      <a:camera prst="orthographicFront"/>
+      <a:lightRig rig="threePt" dir="t"/>
+    </dgm:scene3d>
+    <dgm:sp3d/>
+    <dgm:txPr/>
+    <dgm:style>
+      <a:lnRef idx="3">
+        <a:scrgbClr r="0" g="0" b="0"/>
+      </a:lnRef>
+      <a:fillRef idx="1">
+        <a:scrgbClr r="0" g="0" b="0"/>
+      </a:fillRef>
+      <a:effectRef idx="1">
+        <a:scrgbClr r="0" g="0" b="0"/>
+      </a:effectRef>
+      <a:fontRef idx="minor">
+        <a:schemeClr val="lt1"/>
+      </a:fontRef>
+    </dgm:style>
+  </dgm:styleLbl>
+  <dgm:styleLbl name="asst2">
+    <dgm:scene3d>
+      <a:camera prst="orthographicFront"/>
+      <a:lightRig rig="threePt" dir="t"/>
+    </dgm:scene3d>
+    <dgm:sp3d/>
+    <dgm:txPr/>
+    <dgm:style>
+      <a:lnRef idx="3">
+        <a:scrgbClr r="0" g="0" b="0"/>
+      </a:lnRef>
+      <a:fillRef idx="1">
+        <a:scrgbClr r="0" g="0" b="0"/>
+      </a:fillRef>
+      <a:effectRef idx="1">
+        <a:scrgbClr r="0" g="0" b="0"/>
+      </a:effectRef>
+      <a:fontRef idx="minor">
+        <a:schemeClr val="lt1"/>
+      </a:fontRef>
+    </dgm:style>
+  </dgm:styleLbl>
+  <dgm:styleLbl name="asst3">
+    <dgm:scene3d>
+      <a:camera prst="orthographicFront"/>
+      <a:lightRig rig="threePt" dir="t"/>
+    </dgm:scene3d>
+    <dgm:sp3d/>
+    <dgm:txPr/>
+    <dgm:style>
+      <a:lnRef idx="3">
+        <a:scrgbClr r="0" g="0" b="0"/>
+      </a:lnRef>
+      <a:fillRef idx="1">
+        <a:scrgbClr r="0" g="0" b="0"/>
+      </a:fillRef>
+      <a:effectRef idx="1">
+        <a:scrgbClr r="0" g="0" b="0"/>
+      </a:effectRef>
+      <a:fontRef idx="minor">
+        <a:schemeClr val="lt1"/>
+      </a:fontRef>
+    </dgm:style>
+  </dgm:styleLbl>
+  <dgm:styleLbl name="asst4">
+    <dgm:scene3d>
+      <a:camera prst="orthographicFront"/>
+      <a:lightRig rig="threePt" dir="t"/>
+    </dgm:scene3d>
+    <dgm:sp3d/>
+    <dgm:txPr/>
+    <dgm:style>
+      <a:lnRef idx="3">
+        <a:scrgbClr r="0" g="0" b="0"/>
+      </a:lnRef>
+      <a:fillRef idx="1">
+        <a:scrgbClr r="0" g="0" b="0"/>
+      </a:fillRef>
+      <a:effectRef idx="1">
+        <a:scrgbClr r="0" g="0" b="0"/>
+      </a:effectRef>
+      <a:fontRef idx="minor">
+        <a:schemeClr val="lt1"/>
+      </a:fontRef>
+    </dgm:style>
+  </dgm:styleLbl>
+  <dgm:styleLbl name="parChTrans2D1">
+    <dgm:scene3d>
+      <a:camera prst="orthographicFront"/>
+      <a:lightRig rig="threePt" dir="t"/>
+    </dgm:scene3d>
+    <dgm:sp3d/>
+    <dgm:txPr/>
+    <dgm:style>
+      <a:lnRef idx="3">
+        <a:scrgbClr r="0" g="0" b="0"/>
+      </a:lnRef>
+      <a:fillRef idx="1">
+        <a:scrgbClr r="0" g="0" b="0"/>
+      </a:fillRef>
+      <a:effectRef idx="1">
+        <a:scrgbClr r="0" g="0" b="0"/>
+      </a:effectRef>
+      <a:fontRef idx="minor">
+        <a:schemeClr val="lt1"/>
+      </a:fontRef>
+    </dgm:style>
+  </dgm:styleLbl>
+  <dgm:styleLbl name="parChTrans2D2">
+    <dgm:scene3d>
+      <a:camera prst="orthographicFront"/>
+      <a:lightRig rig="threePt" dir="t"/>
+    </dgm:scene3d>
+    <dgm:sp3d/>
+    <dgm:txPr/>
+    <dgm:style>
+      <a:lnRef idx="3">
+        <a:scrgbClr r="0" g="0" b="0"/>
+      </a:lnRef>
+      <a:fillRef idx="1">
+        <a:scrgbClr r="0" g="0" b="0"/>
+      </a:fillRef>
+      <a:effectRef idx="1">
+        <a:scrgbClr r="0" g="0" b="0"/>
+      </a:effectRef>
+      <a:fontRef idx="minor">
+        <a:schemeClr val="lt1"/>
+      </a:fontRef>
+    </dgm:style>
+  </dgm:styleLbl>
+  <dgm:styleLbl name="parChTrans2D3">
+    <dgm:scene3d>
+      <a:camera prst="orthographicFront"/>
+      <a:lightRig rig="threePt" dir="t"/>
+    </dgm:scene3d>
+    <dgm:sp3d/>
+    <dgm:txPr/>
+    <dgm:style>
+      <a:lnRef idx="3">
+        <a:scrgbClr r="0" g="0" b="0"/>
+      </a:lnRef>
+      <a:fillRef idx="1">
+        <a:scrgbClr r="0" g="0" b="0"/>
+      </a:fillRef>
+      <a:effectRef idx="1">
+        <a:scrgbClr r="0" g="0" b="0"/>
+      </a:effectRef>
+      <a:fontRef idx="minor">
+        <a:schemeClr val="lt1"/>
+      </a:fontRef>
+    </dgm:style>
+  </dgm:styleLbl>
+  <dgm:styleLbl name="parChTrans2D4">
+    <dgm:scene3d>
+      <a:camera prst="orthographicFront"/>
+      <a:lightRig rig="threePt" dir="t"/>
+    </dgm:scene3d>
+    <dgm:sp3d/>
+    <dgm:txPr/>
+    <dgm:style>
+      <a:lnRef idx="3">
+        <a:scrgbClr r="0" g="0" b="0"/>
+      </a:lnRef>
+      <a:fillRef idx="1">
+        <a:scrgbClr r="0" g="0" b="0"/>
+      </a:fillRef>
+      <a:effectRef idx="1">
+        <a:scrgbClr r="0" g="0" b="0"/>
+      </a:effectRef>
+      <a:fontRef idx="minor">
+        <a:schemeClr val="lt1"/>
+      </a:fontRef>
+    </dgm:style>
+  </dgm:styleLbl>
+  <dgm:styleLbl name="parChTrans1D1">
+    <dgm:scene3d>
+      <a:camera prst="orthographicFront"/>
+      <a:lightRig rig="threePt" dir="t"/>
+    </dgm:scene3d>
+    <dgm:sp3d/>
+    <dgm:txPr/>
+    <dgm:style>
+      <a:lnRef idx="2">
+        <a:scrgbClr r="0" g="0" b="0"/>
+      </a:lnRef>
+      <a:fillRef idx="0">
+        <a:scrgbClr r="0" g="0" b="0"/>
+      </a:fillRef>
+      <a:effectRef idx="0">
+        <a:scrgbClr r="0" g="0" b="0"/>
+      </a:effectRef>
+      <a:fontRef idx="minor"/>
+    </dgm:style>
+  </dgm:styleLbl>
+  <dgm:styleLbl name="parChTrans1D2">
+    <dgm:scene3d>
+      <a:camera prst="orthographicFront"/>
+      <a:lightRig rig="threePt" dir="t"/>
+    </dgm:scene3d>
+    <dgm:sp3d/>
+    <dgm:txPr/>
+    <dgm:style>
+      <a:lnRef idx="2">
+        <a:scrgbClr r="0" g="0" b="0"/>
+      </a:lnRef>
+      <a:fillRef idx="0">
+        <a:scrgbClr r="0" g="0" b="0"/>
+      </a:fillRef>
+      <a:effectRef idx="0">
+        <a:scrgbClr r="0" g="0" b="0"/>
+      </a:effectRef>
+      <a:fontRef idx="minor"/>
+    </dgm:style>
+  </dgm:styleLbl>
+  <dgm:styleLbl name="parChTrans1D3">
+    <dgm:scene3d>
+      <a:camera prst="orthographicFront"/>
+      <a:lightRig rig="threePt" dir="t"/>
+    </dgm:scene3d>
+    <dgm:sp3d/>
+    <dgm:txPr/>
+    <dgm:style>
+      <a:lnRef idx="2">
+        <a:scrgbClr r="0" g="0" b="0"/>
+      </a:lnRef>
+      <a:fillRef idx="0">
+        <a:scrgbClr r="0" g="0" b="0"/>
+      </a:fillRef>
+      <a:effectRef idx="0">
+        <a:scrgbClr r="0" g="0" b="0"/>
+      </a:effectRef>
+      <a:fontRef idx="minor"/>
+    </dgm:style>
+  </dgm:styleLbl>
+  <dgm:styleLbl name="parChTrans1D4">
+    <dgm:scene3d>
+      <a:camera prst="orthographicFront"/>
+      <a:lightRig rig="threePt" dir="t"/>
+    </dgm:scene3d>
+    <dgm:sp3d/>
+    <dgm:txPr/>
+    <dgm:style>
+      <a:lnRef idx="2">
+        <a:scrgbClr r="0" g="0" b="0"/>
+      </a:lnRef>
+      <a:fillRef idx="0">
+        <a:scrgbClr r="0" g="0" b="0"/>
+      </a:fillRef>
+      <a:effectRef idx="0">
+        <a:scrgbClr r="0" g="0" b="0"/>
+      </a:effectRef>
+      <a:fontRef idx="minor"/>
+    </dgm:style>
+  </dgm:styleLbl>
+  <dgm:styleLbl name="fgAcc1">
+    <dgm:scene3d>
+      <a:camera prst="orthographicFront"/>
+      <a:lightRig rig="threePt" dir="t"/>
+    </dgm:scene3d>
+    <dgm:sp3d/>
+    <dgm:txPr/>
+    <dgm:style>
+      <a:lnRef idx="2">
+        <a:scrgbClr r="0" g="0" b="0"/>
+      </a:lnRef>
+      <a:fillRef idx="1">
+        <a:scrgbClr r="0" g="0" b="0"/>
+      </a:fillRef>
+      <a:effectRef idx="0">
+        <a:scrgbClr r="0" g="0" b="0"/>
+      </a:effectRef>
+      <a:fontRef idx="minor"/>
+    </dgm:style>
+  </dgm:styleLbl>
+  <dgm:styleLbl name="conFgAcc1">
+    <dgm:scene3d>
+      <a:camera prst="orthographicFront"/>
+      <a:lightRig rig="threePt" dir="t"/>
+    </dgm:scene3d>
+    <dgm:sp3d/>
+    <dgm:txPr/>
+    <dgm:style>
+      <a:lnRef idx="2">
+        <a:scrgbClr r="0" g="0" b="0"/>
+      </a:lnRef>
+      <a:fillRef idx="1">
+        <a:scrgbClr r="0" g="0" b="0"/>
+      </a:fillRef>
+      <a:effectRef idx="0">
+        <a:scrgbClr r="0" g="0" b="0"/>
+      </a:effectRef>
+      <a:fontRef idx="minor"/>
+    </dgm:style>
+  </dgm:styleLbl>
+  <dgm:styleLbl name="alignAcc1">
+    <dgm:scene3d>
+      <a:camera prst="orthographicFront"/>
+      <a:lightRig rig="threePt" dir="t"/>
+    </dgm:scene3d>
+    <dgm:sp3d/>
+    <dgm:txPr/>
+    <dgm:style>
+      <a:lnRef idx="2">
+        <a:scrgbClr r="0" g="0" b="0"/>
+      </a:lnRef>
+      <a:fillRef idx="1">
+        <a:scrgbClr r="0" g="0" b="0"/>
+      </a:fillRef>
+      <a:effectRef idx="0">
+        <a:scrgbClr r="0" g="0" b="0"/>
+      </a:effectRef>
+      <a:fontRef idx="minor"/>
+    </dgm:style>
+  </dgm:styleLbl>
+  <dgm:styleLbl name="trAlignAcc1">
+    <dgm:scene3d>
+      <a:camera prst="orthographicFront"/>
+      <a:lightRig rig="threePt" dir="t"/>
+    </dgm:scene3d>
+    <dgm:sp3d/>
+    <dgm:txPr/>
+    <dgm:style>
+      <a:lnRef idx="1">
+        <a:scrgbClr r="0" g="0" b="0"/>
+      </a:lnRef>
+      <a:fillRef idx="1">
+        <a:scrgbClr r="0" g="0" b="0"/>
+      </a:fillRef>
+      <a:effectRef idx="0">
+        <a:scrgbClr r="0" g="0" b="0"/>
+      </a:effectRef>
+      <a:fontRef idx="minor"/>
+    </dgm:style>
+  </dgm:styleLbl>
+  <dgm:styleLbl name="bgAcc1">
+    <dgm:scene3d>
+      <a:camera prst="orthographicFront"/>
+      <a:lightRig rig="threePt" dir="t"/>
+    </dgm:scene3d>
+    <dgm:sp3d/>
+    <dgm:txPr/>
+    <dgm:style>
+      <a:lnRef idx="2">
+        <a:scrgbClr r="0" g="0" b="0"/>
+      </a:lnRef>
+      <a:fillRef idx="1">
+        <a:scrgbClr r="0" g="0" b="0"/>
+      </a:fillRef>
+      <a:effectRef idx="0">
+        <a:scrgbClr r="0" g="0" b="0"/>
+      </a:effectRef>
+      <a:fontRef idx="minor"/>
+    </dgm:style>
+  </dgm:styleLbl>
+  <dgm:styleLbl name="solidFgAcc1">
+    <dgm:scene3d>
+      <a:camera prst="orthographicFront"/>
+      <a:lightRig rig="threePt" dir="t"/>
+    </dgm:scene3d>
+    <dgm:sp3d/>
+    <dgm:txPr/>
+    <dgm:style>
+      <a:lnRef idx="2">
+        <a:scrgbClr r="0" g="0" b="0"/>
+      </a:lnRef>
+      <a:fillRef idx="1">
+        <a:scrgbClr r="0" g="0" b="0"/>
+      </a:fillRef>
+      <a:effectRef idx="0">
+        <a:scrgbClr r="0" g="0" b="0"/>
+      </a:effectRef>
+      <a:fontRef idx="minor"/>
+    </dgm:style>
+  </dgm:styleLbl>
+  <dgm:styleLbl name="solidAlignAcc1">
+    <dgm:scene3d>
+      <a:camera prst="orthographicFront"/>
+      <a:lightRig rig="threePt" dir="t"/>
+    </dgm:scene3d>
+    <dgm:sp3d/>
+    <dgm:txPr/>
+    <dgm:style>
+      <a:lnRef idx="2">
+        <a:scrgbClr r="0" g="0" b="0"/>
+      </a:lnRef>
+      <a:fillRef idx="1">
+        <a:scrgbClr r="0" g="0" b="0"/>
+      </a:fillRef>
+      <a:effectRef idx="0">
+        <a:scrgbClr r="0" g="0" b="0"/>
+      </a:effectRef>
+      <a:fontRef idx="minor"/>
+    </dgm:style>
+  </dgm:styleLbl>
+  <dgm:styleLbl name="solidBgAcc1">
+    <dgm:scene3d>
+      <a:camera prst="orthographicFront"/>
+      <a:lightRig rig="threePt" dir="t"/>
+    </dgm:scene3d>
+    <dgm:sp3d/>
+    <dgm:txPr/>
+    <dgm:style>
+      <a:lnRef idx="2">
+        <a:scrgbClr r="0" g="0" b="0"/>
+      </a:lnRef>
+      <a:fillRef idx="1">
+        <a:scrgbClr r="0" g="0" b="0"/>
+      </a:fillRef>
+      <a:effectRef idx="0">
+        <a:scrgbClr r="0" g="0" b="0"/>
+      </a:effectRef>
+      <a:fontRef idx="minor"/>
+    </dgm:style>
+  </dgm:styleLbl>
+  <dgm:styleLbl name="fgAccFollowNode1">
+    <dgm:scene3d>
+      <a:camera prst="orthographicFront"/>
+      <a:lightRig rig="threePt" dir="t"/>
+    </dgm:scene3d>
+    <dgm:sp3d/>
+    <dgm:txPr/>
+    <dgm:style>
+      <a:lnRef idx="2">
+        <a:scrgbClr r="0" g="0" b="0"/>
+      </a:lnRef>
+      <a:fillRef idx="1">
+        <a:scrgbClr r="0" g="0" b="0"/>
+      </a:fillRef>
+      <a:effectRef idx="0">
+        <a:scrgbClr r="0" g="0" b="0"/>
+      </a:effectRef>
+      <a:fontRef idx="minor"/>
+    </dgm:style>
+  </dgm:styleLbl>
+  <dgm:styleLbl name="alignAccFollowNode1">
+    <dgm:scene3d>
+      <a:camera prst="orthographicFront"/>
+      <a:lightRig rig="threePt" dir="t"/>
+    </dgm:scene3d>
+    <dgm:sp3d/>
+    <dgm:txPr/>
+    <dgm:style>
+      <a:lnRef idx="2">
+        <a:scrgbClr r="0" g="0" b="0"/>
+      </a:lnRef>
+      <a:fillRef idx="1">
+        <a:scrgbClr r="0" g="0" b="0"/>
+      </a:fillRef>
+      <a:effectRef idx="0">
+        <a:scrgbClr r="0" g="0" b="0"/>
+      </a:effectRef>
+      <a:fontRef idx="minor"/>
+    </dgm:style>
+  </dgm:styleLbl>
+  <dgm:styleLbl name="bgAccFollowNode1">
+    <dgm:scene3d>
+      <a:camera prst="orthographicFront"/>
+      <a:lightRig rig="threePt" dir="t"/>
+    </dgm:scene3d>
+    <dgm:sp3d/>
+    <dgm:txPr/>
+    <dgm:style>
+      <a:lnRef idx="2">
+        <a:scrgbClr r="0" g="0" b="0"/>
+      </a:lnRef>
+      <a:fillRef idx="1">
+        <a:scrgbClr r="0" g="0" b="0"/>
+      </a:fillRef>
+      <a:effectRef idx="0">
+        <a:scrgbClr r="0" g="0" b="0"/>
+      </a:effectRef>
+      <a:fontRef idx="minor"/>
+    </dgm:style>
+  </dgm:styleLbl>
+  <dgm:styleLbl name="fgAcc0">
+    <dgm:scene3d>
+      <a:camera prst="orthographicFront"/>
+      <a:lightRig rig="threePt" dir="t"/>
+    </dgm:scene3d>
+    <dgm:sp3d/>
+    <dgm:txPr/>
+    <dgm:style>
+      <a:lnRef idx="2">
+        <a:scrgbClr r="0" g="0" b="0"/>
+      </a:lnRef>
+      <a:fillRef idx="1">
+        <a:scrgbClr r="0" g="0" b="0"/>
+      </a:fillRef>
+      <a:effectRef idx="0">
+        <a:scrgbClr r="0" g="0" b="0"/>
+      </a:effectRef>
+      <a:fontRef idx="minor"/>
+    </dgm:style>
+  </dgm:styleLbl>
+  <dgm:styleLbl name="fgAcc2">
+    <dgm:scene3d>
+      <a:camera prst="orthographicFront"/>
+      <a:lightRig rig="threePt" dir="t"/>
+    </dgm:scene3d>
+    <dgm:sp3d/>
+    <dgm:txPr/>
+    <dgm:style>
+      <a:lnRef idx="2">
+        <a:scrgbClr r="0" g="0" b="0"/>
+      </a:lnRef>
+      <a:fillRef idx="1">
+        <a:scrgbClr r="0" g="0" b="0"/>
+      </a:fillRef>
+      <a:effectRef idx="0">
+        <a:scrgbClr r="0" g="0" b="0"/>
+      </a:effectRef>
+      <a:fontRef idx="minor"/>
+    </dgm:style>
+  </dgm:styleLbl>
+  <dgm:styleLbl name="fgAcc3">
+    <dgm:scene3d>
+      <a:camera prst="orthographicFront"/>
+      <a:lightRig rig="threePt" dir="t"/>
+    </dgm:scene3d>
+    <dgm:sp3d/>
+    <dgm:txPr/>
+    <dgm:style>
+      <a:lnRef idx="2">
+        <a:scrgbClr r="0" g="0" b="0"/>
+      </a:lnRef>
+      <a:fillRef idx="1">
+        <a:scrgbClr r="0" g="0" b="0"/>
+      </a:fillRef>
+      <a:effectRef idx="0">
+        <a:scrgbClr r="0" g="0" b="0"/>
+      </a:effectRef>
+      <a:fontRef idx="minor"/>
+    </dgm:style>
+  </dgm:styleLbl>
+  <dgm:styleLbl name="fgAcc4">
+    <dgm:scene3d>
+      <a:camera prst="orthographicFront"/>
+      <a:lightRig rig="threePt" dir="t"/>
+    </dgm:scene3d>
+    <dgm:sp3d/>
+    <dgm:txPr/>
+    <dgm:style>
+      <a:lnRef idx="2">
+        <a:scrgbClr r="0" g="0" b="0"/>
+      </a:lnRef>
+      <a:fillRef idx="1">
+        <a:scrgbClr r="0" g="0" b="0"/>
+      </a:fillRef>
+      <a:effectRef idx="0">
+        <a:scrgbClr r="0" g="0" b="0"/>
+      </a:effectRef>
+      <a:fontRef idx="minor"/>
+    </dgm:style>
+  </dgm:styleLbl>
+  <dgm:styleLbl name="bgShp">
+    <dgm:scene3d>
+      <a:camera prst="orthographicFront"/>
+      <a:lightRig rig="threePt" dir="t"/>
+    </dgm:scene3d>
+    <dgm:sp3d/>
+    <dgm:txPr/>
+    <dgm:style>
+      <a:lnRef idx="0">
+        <a:scrgbClr r="0" g="0" b="0"/>
+      </a:lnRef>
+      <a:fillRef idx="1">
+        <a:scrgbClr r="0" g="0" b="0"/>
+      </a:fillRef>
+      <a:effectRef idx="0">
+        <a:scrgbClr r="0" g="0" b="0"/>
+      </a:effectRef>
+      <a:fontRef idx="minor"/>
+    </dgm:style>
+  </dgm:styleLbl>
+  <dgm:styleLbl name="dkBgShp">
+    <dgm:scene3d>
+      <a:camera prst="orthographicFront"/>
+      <a:lightRig rig="threePt" dir="t"/>
+    </dgm:scene3d>
+    <dgm:sp3d/>
+    <dgm:txPr/>
+    <dgm:style>
+      <a:lnRef idx="0">
+        <a:scrgbClr r="0" g="0" b="0"/>
+      </a:lnRef>
+      <a:fillRef idx="1">
+        <a:scrgbClr r="0" g="0" b="0"/>
+      </a:fillRef>
+      <a:effectRef idx="0">
+        <a:scrgbClr r="0" g="0" b="0"/>
+      </a:effectRef>
+      <a:fontRef idx="minor"/>
+    </dgm:style>
+  </dgm:styleLbl>
+  <dgm:styleLbl name="trBgShp">
+    <dgm:scene3d>
+      <a:camera prst="orthographicFront"/>
+      <a:lightRig rig="threePt" dir="t"/>
+    </dgm:scene3d>
+    <dgm:sp3d/>
+    <dgm:txPr/>
+    <dgm:style>
+      <a:lnRef idx="0">
+        <a:scrgbClr r="0" g="0" b="0"/>
+      </a:lnRef>
+      <a:fillRef idx="1">
+        <a:scrgbClr r="0" g="0" b="0"/>
+      </a:fillRef>
+      <a:effectRef idx="0">
+        <a:scrgbClr r="0" g="0" b="0"/>
+      </a:effectRef>
+      <a:fontRef idx="minor"/>
+    </dgm:style>
+  </dgm:styleLbl>
+  <dgm:styleLbl name="fgShp">
+    <dgm:scene3d>
+      <a:camera prst="orthographicFront"/>
+      <a:lightRig rig="threePt" dir="t"/>
+    </dgm:scene3d>
+    <dgm:sp3d/>
+    <dgm:txPr/>
+    <dgm:style>
+      <a:lnRef idx="3">
+        <a:scrgbClr r="0" g="0" b="0"/>
+      </a:lnRef>
+      <a:fillRef idx="1">
+        <a:scrgbClr r="0" g="0" b="0"/>
+      </a:fillRef>
+      <a:effectRef idx="1">
+        <a:scrgbClr r="0" g="0" b="0"/>
+      </a:effectRef>
+      <a:fontRef idx="minor"/>
+    </dgm:style>
+  </dgm:styleLbl>
+  <dgm:styleLbl name="revTx">
+    <dgm:scene3d>
+      <a:camera prst="orthographicFront"/>
+      <a:lightRig rig="threePt" dir="t"/>
+    </dgm:scene3d>
+    <dgm:sp3d/>
+    <dgm:txPr/>
+    <dgm:style>
+      <a:lnRef idx="0">
+        <a:scrgbClr r="0" g="0" b="0"/>
+      </a:lnRef>
+      <a:fillRef idx="0">
+        <a:scrgbClr r="0" g="0" b="0"/>
+      </a:fillRef>
+      <a:effectRef idx="0">
+        <a:scrgbClr r="0" g="0" b="0"/>
+      </a:effectRef>
+      <a:fontRef idx="minor"/>
+    </dgm:style>
+  </dgm:styleLbl>
+</dgm:styleDef>
 </file>
 
 <file path=ppt/slideLayouts/slideLayout1.xml><?xml version="1.0" encoding="utf-8"?>
@@ -3825,6 +10692,36 @@
           </a:p>
         </p:txBody>
       </p:sp>
+      <p:pic>
+        <p:nvPicPr>
+          <p:cNvPr id="4" name="Picture 3">
+            <a:extLst>
+              <a:ext uri="{FF2B5EF4-FFF2-40B4-BE49-F238E27FC236}">
+                <a16:creationId xmlns:a16="http://schemas.microsoft.com/office/drawing/2014/main" id="{ACA51C0B-3C41-942A-3C9C-BFF963EC9422}"/>
+              </a:ext>
+            </a:extLst>
+          </p:cNvPr>
+          <p:cNvPicPr>
+            <a:picLocks noChangeAspect="1"/>
+          </p:cNvPicPr>
+          <p:nvPr/>
+        </p:nvPicPr>
+        <p:blipFill>
+          <a:blip r:embed="rId2"/>
+          <a:stretch>
+            <a:fillRect/>
+          </a:stretch>
+        </p:blipFill>
+        <p:spPr>
+          <a:xfrm>
+            <a:off x="7117744" y="1122363"/>
+            <a:ext cx="1162050" cy="1162050"/>
+          </a:xfrm>
+          <a:prstGeom prst="rect">
+            <a:avLst/>
+          </a:prstGeom>
+        </p:spPr>
+      </p:pic>
     </p:spTree>
     <p:extLst>
       <p:ext uri="{BB962C8B-B14F-4D97-AF65-F5344CB8AC3E}">
@@ -3839,6 +10736,216 @@
 </file>
 
 <file path=ppt/slides/slide10.xml><?xml version="1.0" encoding="utf-8"?>
+<p:sld xmlns:a="http://schemas.openxmlformats.org/drawingml/2006/main" xmlns:r="http://schemas.openxmlformats.org/officeDocument/2006/relationships" xmlns:p="http://schemas.openxmlformats.org/presentationml/2006/main">
+  <p:cSld>
+    <p:spTree>
+      <p:nvGrpSpPr>
+        <p:cNvPr id="1" name=""/>
+        <p:cNvGrpSpPr/>
+        <p:nvPr/>
+      </p:nvGrpSpPr>
+      <p:grpSpPr>
+        <a:xfrm>
+          <a:off x="0" y="0"/>
+          <a:ext cx="0" cy="0"/>
+          <a:chOff x="0" y="0"/>
+          <a:chExt cx="0" cy="0"/>
+        </a:xfrm>
+      </p:grpSpPr>
+      <p:sp>
+        <p:nvSpPr>
+          <p:cNvPr id="2" name="Title 1">
+            <a:extLst>
+              <a:ext uri="{FF2B5EF4-FFF2-40B4-BE49-F238E27FC236}">
+                <a16:creationId xmlns:a16="http://schemas.microsoft.com/office/drawing/2014/main" id="{AC138BC1-DC6F-7026-8049-FE61341A57C5}"/>
+              </a:ext>
+            </a:extLst>
+          </p:cNvPr>
+          <p:cNvSpPr>
+            <a:spLocks noGrp="1"/>
+          </p:cNvSpPr>
+          <p:nvPr>
+            <p:ph type="title"/>
+          </p:nvPr>
+        </p:nvSpPr>
+        <p:spPr/>
+        <p:txBody>
+          <a:bodyPr/>
+          <a:lstStyle/>
+          <a:p>
+            <a:r>
+              <a:rPr lang="en-US" dirty="0"/>
+              <a:t>Identify which key most of Christmas songs appear in the data.</a:t>
+            </a:r>
+          </a:p>
+        </p:txBody>
+      </p:sp>
+      <p:pic>
+        <p:nvPicPr>
+          <p:cNvPr id="4" name="Content Placeholder 3">
+            <a:extLst>
+              <a:ext uri="{FF2B5EF4-FFF2-40B4-BE49-F238E27FC236}">
+                <a16:creationId xmlns:a16="http://schemas.microsoft.com/office/drawing/2014/main" id="{2F9D5CD7-BC8B-4823-3330-80422F97F679}"/>
+              </a:ext>
+            </a:extLst>
+          </p:cNvPr>
+          <p:cNvPicPr>
+            <a:picLocks noGrp="1" noChangeAspect="1"/>
+          </p:cNvPicPr>
+          <p:nvPr>
+            <p:ph idx="1"/>
+          </p:nvPr>
+        </p:nvPicPr>
+        <p:blipFill>
+          <a:blip r:embed="rId2"/>
+          <a:stretch>
+            <a:fillRect/>
+          </a:stretch>
+        </p:blipFill>
+        <p:spPr>
+          <a:xfrm>
+            <a:off x="3346692" y="1144105"/>
+            <a:ext cx="6556260" cy="5188306"/>
+          </a:xfrm>
+          <a:prstGeom prst="rect">
+            <a:avLst/>
+          </a:prstGeom>
+        </p:spPr>
+      </p:pic>
+    </p:spTree>
+    <p:extLst>
+      <p:ext uri="{BB962C8B-B14F-4D97-AF65-F5344CB8AC3E}">
+        <p14:creationId xmlns:p14="http://schemas.microsoft.com/office/powerpoint/2010/main" val="332521964"/>
+      </p:ext>
+    </p:extLst>
+  </p:cSld>
+  <p:clrMapOvr>
+    <a:masterClrMapping/>
+  </p:clrMapOvr>
+</p:sld>
+</file>
+
+<file path=ppt/slides/slide11.xml><?xml version="1.0" encoding="utf-8"?>
+<p:sld xmlns:a="http://schemas.openxmlformats.org/drawingml/2006/main" xmlns:r="http://schemas.openxmlformats.org/officeDocument/2006/relationships" xmlns:p="http://schemas.openxmlformats.org/presentationml/2006/main">
+  <p:cSld>
+    <p:spTree>
+      <p:nvGrpSpPr>
+        <p:cNvPr id="1" name=""/>
+        <p:cNvGrpSpPr/>
+        <p:nvPr/>
+      </p:nvGrpSpPr>
+      <p:grpSpPr>
+        <a:xfrm>
+          <a:off x="0" y="0"/>
+          <a:ext cx="0" cy="0"/>
+          <a:chOff x="0" y="0"/>
+          <a:chExt cx="0" cy="0"/>
+        </a:xfrm>
+      </p:grpSpPr>
+      <p:sp>
+        <p:nvSpPr>
+          <p:cNvPr id="2" name="Title 1">
+            <a:extLst>
+              <a:ext uri="{FF2B5EF4-FFF2-40B4-BE49-F238E27FC236}">
+                <a16:creationId xmlns:a16="http://schemas.microsoft.com/office/drawing/2014/main" id="{BE6F6C39-7181-C7B7-FE50-58C1720F6A8B}"/>
+              </a:ext>
+            </a:extLst>
+          </p:cNvPr>
+          <p:cNvSpPr>
+            <a:spLocks noGrp="1"/>
+          </p:cNvSpPr>
+          <p:nvPr>
+            <p:ph type="title"/>
+          </p:nvPr>
+        </p:nvSpPr>
+        <p:spPr/>
+        <p:txBody>
+          <a:bodyPr/>
+          <a:lstStyle/>
+          <a:p>
+            <a:r>
+              <a:rPr lang="en-US" dirty="0"/>
+              <a:t>Song Release Count in Nov. &amp; Dec. Over Time</a:t>
+            </a:r>
+          </a:p>
+        </p:txBody>
+      </p:sp>
+      <p:pic>
+        <p:nvPicPr>
+          <p:cNvPr id="4" name="Content Placeholder 3">
+            <a:extLst>
+              <a:ext uri="{FF2B5EF4-FFF2-40B4-BE49-F238E27FC236}">
+                <a16:creationId xmlns:a16="http://schemas.microsoft.com/office/drawing/2014/main" id="{8B0E5D0E-A2F4-E880-1105-5A791514EDEB}"/>
+              </a:ext>
+            </a:extLst>
+          </p:cNvPr>
+          <p:cNvPicPr>
+            <a:picLocks noGrp="1" noChangeAspect="1"/>
+          </p:cNvPicPr>
+          <p:nvPr>
+            <p:ph idx="1"/>
+          </p:nvPr>
+        </p:nvPicPr>
+        <p:blipFill>
+          <a:blip r:embed="rId2"/>
+          <a:stretch>
+            <a:fillRect/>
+          </a:stretch>
+        </p:blipFill>
+        <p:spPr>
+          <a:xfrm>
+            <a:off x="271272" y="3098610"/>
+            <a:ext cx="6257544" cy="2327989"/>
+          </a:xfrm>
+          <a:prstGeom prst="rect">
+            <a:avLst/>
+          </a:prstGeom>
+        </p:spPr>
+      </p:pic>
+      <p:pic>
+        <p:nvPicPr>
+          <p:cNvPr id="5" name="Picture 4">
+            <a:extLst>
+              <a:ext uri="{FF2B5EF4-FFF2-40B4-BE49-F238E27FC236}">
+                <a16:creationId xmlns:a16="http://schemas.microsoft.com/office/drawing/2014/main" id="{5E9BCCEE-C86F-B1BF-F209-15EE0FE3058C}"/>
+              </a:ext>
+            </a:extLst>
+          </p:cNvPr>
+          <p:cNvPicPr>
+            <a:picLocks noChangeAspect="1"/>
+          </p:cNvPicPr>
+          <p:nvPr/>
+        </p:nvPicPr>
+        <p:blipFill>
+          <a:blip r:embed="rId3"/>
+          <a:stretch>
+            <a:fillRect/>
+          </a:stretch>
+        </p:blipFill>
+        <p:spPr>
+          <a:xfrm>
+            <a:off x="6528816" y="1436715"/>
+            <a:ext cx="5166596" cy="5131960"/>
+          </a:xfrm>
+          <a:prstGeom prst="rect">
+            <a:avLst/>
+          </a:prstGeom>
+        </p:spPr>
+      </p:pic>
+    </p:spTree>
+    <p:extLst>
+      <p:ext uri="{BB962C8B-B14F-4D97-AF65-F5344CB8AC3E}">
+        <p14:creationId xmlns:p14="http://schemas.microsoft.com/office/powerpoint/2010/main" val="555256373"/>
+      </p:ext>
+    </p:extLst>
+  </p:cSld>
+  <p:clrMapOvr>
+    <a:masterClrMapping/>
+  </p:clrMapOvr>
+</p:sld>
+</file>
+
+<file path=ppt/slides/slide12.xml><?xml version="1.0" encoding="utf-8"?>
 <p:sld xmlns:a="http://schemas.openxmlformats.org/drawingml/2006/main" xmlns:r="http://schemas.openxmlformats.org/officeDocument/2006/relationships" xmlns:p="http://schemas.openxmlformats.org/presentationml/2006/main">
   <p:cSld>
     <p:spTree>
@@ -4010,7 +11117,7 @@
 </p:sld>
 </file>
 
-<file path=ppt/slides/slide11.xml><?xml version="1.0" encoding="utf-8"?>
+<file path=ppt/slides/slide13.xml><?xml version="1.0" encoding="utf-8"?>
 <p:sld xmlns:a="http://schemas.openxmlformats.org/drawingml/2006/main" xmlns:r="http://schemas.openxmlformats.org/officeDocument/2006/relationships" xmlns:p="http://schemas.openxmlformats.org/presentationml/2006/main">
   <p:cSld>
     <p:spTree>
@@ -4141,7 +11248,7 @@
 </p:sld>
 </file>
 
-<file path=ppt/slides/slide12.xml><?xml version="1.0" encoding="utf-8"?>
+<file path=ppt/slides/slide14.xml><?xml version="1.0" encoding="utf-8"?>
 <p:sld xmlns:a="http://schemas.openxmlformats.org/drawingml/2006/main" xmlns:r="http://schemas.openxmlformats.org/officeDocument/2006/relationships" xmlns:p="http://schemas.openxmlformats.org/presentationml/2006/main">
   <p:cSld>
     <p:spTree>
@@ -4180,9 +11287,10 @@
           <a:lstStyle/>
           <a:p>
             <a:r>
-              <a:rPr lang="en-US" dirty="0"/>
+              <a:rPr lang="en-US"/>
               <a:t>Visualize the bar chart the average BPM over the signature key and modes.</a:t>
             </a:r>
+            <a:endParaRPr lang="en-US" dirty="0"/>
           </a:p>
         </p:txBody>
       </p:sp>
@@ -4277,9 +11385,10 @@
           <a:lstStyle/>
           <a:p>
             <a:r>
-              <a:rPr lang="en-US" dirty="0"/>
+              <a:rPr lang="en-US"/>
               <a:t>From the first chart we can see that certain songs have a higher speed regardless of how popular those keys might be.</a:t>
             </a:r>
+            <a:endParaRPr lang="en-US" dirty="0"/>
           </a:p>
         </p:txBody>
       </p:sp>
@@ -4296,7 +11405,349 @@
 </p:sld>
 </file>
 
-<file path=ppt/slides/slide13.xml><?xml version="1.0" encoding="utf-8"?>
+<file path=ppt/slides/slide15.xml><?xml version="1.0" encoding="utf-8"?>
+<p:sld xmlns:a="http://schemas.openxmlformats.org/drawingml/2006/main" xmlns:r="http://schemas.openxmlformats.org/officeDocument/2006/relationships" xmlns:p="http://schemas.openxmlformats.org/presentationml/2006/main">
+  <p:cSld>
+    <p:spTree>
+      <p:nvGrpSpPr>
+        <p:cNvPr id="1" name=""/>
+        <p:cNvGrpSpPr/>
+        <p:nvPr/>
+      </p:nvGrpSpPr>
+      <p:grpSpPr>
+        <a:xfrm>
+          <a:off x="0" y="0"/>
+          <a:ext cx="0" cy="0"/>
+          <a:chOff x="0" y="0"/>
+          <a:chExt cx="0" cy="0"/>
+        </a:xfrm>
+      </p:grpSpPr>
+      <p:sp>
+        <p:nvSpPr>
+          <p:cNvPr id="2" name="Title 1">
+            <a:extLst>
+              <a:ext uri="{FF2B5EF4-FFF2-40B4-BE49-F238E27FC236}">
+                <a16:creationId xmlns:a16="http://schemas.microsoft.com/office/drawing/2014/main" id="{9D648266-964A-DE84-00A2-962BA72B0A2D}"/>
+              </a:ext>
+            </a:extLst>
+          </p:cNvPr>
+          <p:cNvSpPr>
+            <a:spLocks noGrp="1"/>
+          </p:cNvSpPr>
+          <p:nvPr>
+            <p:ph type="title"/>
+          </p:nvPr>
+        </p:nvSpPr>
+        <p:spPr>
+          <a:xfrm>
+            <a:off x="838200" y="365129"/>
+            <a:ext cx="10515600" cy="1325563"/>
+          </a:xfrm>
+        </p:spPr>
+        <p:txBody>
+          <a:bodyPr anchor="ctr">
+            <a:normAutofit/>
+          </a:bodyPr>
+          <a:lstStyle/>
+          <a:p>
+            <a:r>
+              <a:rPr lang="en-US" dirty="0"/>
+              <a:t>Linear Regression variables and direct outcomes</a:t>
+            </a:r>
+          </a:p>
+        </p:txBody>
+      </p:sp>
+      <p:sp>
+        <p:nvSpPr>
+          <p:cNvPr id="3" name="Content Placeholder 2">
+            <a:extLst>
+              <a:ext uri="{FF2B5EF4-FFF2-40B4-BE49-F238E27FC236}">
+                <a16:creationId xmlns:a16="http://schemas.microsoft.com/office/drawing/2014/main" id="{1FC886E0-F0BF-7FF3-A72E-EB33A8A7BF16}"/>
+              </a:ext>
+            </a:extLst>
+          </p:cNvPr>
+          <p:cNvSpPr>
+            <a:spLocks noGrp="1"/>
+          </p:cNvSpPr>
+          <p:nvPr>
+            <p:ph sz="half" idx="1"/>
+          </p:nvPr>
+        </p:nvSpPr>
+        <p:spPr>
+          <a:xfrm>
+            <a:off x="838200" y="1825625"/>
+            <a:ext cx="5181600" cy="4351338"/>
+          </a:xfrm>
+        </p:spPr>
+        <p:txBody>
+          <a:bodyPr>
+            <a:normAutofit/>
+          </a:bodyPr>
+          <a:lstStyle/>
+          <a:p>
+            <a:r>
+              <a:rPr lang="en-US" sz="1800"/>
+              <a:t>x=ds[['</a:t>
+            </a:r>
+            <a:r>
+              <a:rPr lang="en-US" sz="1800" err="1"/>
+              <a:t>released_year</a:t>
+            </a:r>
+            <a:r>
+              <a:rPr lang="en-US" sz="1800"/>
+              <a:t>',  '</a:t>
+            </a:r>
+            <a:r>
+              <a:rPr lang="en-US" sz="1800" err="1"/>
+              <a:t>released_month</a:t>
+            </a:r>
+            <a:r>
+              <a:rPr lang="en-US" sz="1800"/>
+              <a:t>', '</a:t>
+            </a:r>
+            <a:r>
+              <a:rPr lang="en-US" sz="1800" err="1"/>
+              <a:t>released_day</a:t>
+            </a:r>
+            <a:r>
+              <a:rPr lang="en-US" sz="1800"/>
+              <a:t>', 'in_spotify_playlists','</a:t>
+            </a:r>
+            <a:r>
+              <a:rPr lang="en-US" sz="1800" err="1"/>
+              <a:t>in_spotify_charts</a:t>
+            </a:r>
+            <a:r>
+              <a:rPr lang="en-US" sz="1800"/>
+              <a:t>', '</a:t>
+            </a:r>
+            <a:r>
+              <a:rPr lang="en-US" sz="1800" err="1"/>
+              <a:t>in_apple_playlists</a:t>
+            </a:r>
+            <a:r>
+              <a:rPr lang="en-US" sz="1800"/>
+              <a:t>', 'in_apple_charts','</a:t>
+            </a:r>
+            <a:r>
+              <a:rPr lang="en-US" sz="1800" err="1"/>
+              <a:t>in_deezer_playlists</a:t>
+            </a:r>
+            <a:r>
+              <a:rPr lang="en-US" sz="1800"/>
+              <a:t>', '</a:t>
+            </a:r>
+            <a:r>
+              <a:rPr lang="en-US" sz="1800" err="1"/>
+              <a:t>in_deezer_charts</a:t>
+            </a:r>
+            <a:r>
+              <a:rPr lang="en-US" sz="1800"/>
+              <a:t>', '</a:t>
+            </a:r>
+            <a:r>
+              <a:rPr lang="en-US" sz="1800" err="1"/>
+              <a:t>in_shazam_charts','danceability</a:t>
+            </a:r>
+            <a:r>
+              <a:rPr lang="en-US" sz="1800"/>
+              <a:t>_%', 'valence_%', 'energy_%','</a:t>
+            </a:r>
+            <a:r>
+              <a:rPr lang="en-US" sz="1800" err="1"/>
+              <a:t>acousticness</a:t>
+            </a:r>
+            <a:r>
+              <a:rPr lang="en-US" sz="1800"/>
+              <a:t>_%', '</a:t>
+            </a:r>
+            <a:r>
+              <a:rPr lang="en-US" sz="1800" err="1"/>
+              <a:t>instrumentalness</a:t>
+            </a:r>
+            <a:r>
+              <a:rPr lang="en-US" sz="1800"/>
+              <a:t>_%', 'liveness_%', '</a:t>
+            </a:r>
+            <a:r>
+              <a:rPr lang="en-US" sz="1800" err="1"/>
+              <a:t>speechiness</a:t>
+            </a:r>
+            <a:r>
+              <a:rPr lang="en-US" sz="1800"/>
+              <a:t>_%’]]</a:t>
+            </a:r>
+          </a:p>
+          <a:p>
+            <a:r>
+              <a:rPr lang="en-US" sz="1800"/>
+              <a:t>y=ds[['bpm’]]</a:t>
+            </a:r>
+          </a:p>
+          <a:p>
+            <a:endParaRPr lang="en-US" sz="1800"/>
+          </a:p>
+          <a:p>
+            <a:r>
+              <a:rPr lang="en-US" sz="1800"/>
+              <a:t>MSE: 812.27</a:t>
+            </a:r>
+          </a:p>
+          <a:p>
+            <a:r>
+              <a:rPr lang="en-US" sz="1800"/>
+              <a:t>RMSE: 28.50</a:t>
+            </a:r>
+          </a:p>
+          <a:p>
+            <a:r>
+              <a:rPr lang="en-US" sz="1800"/>
+              <a:t>R-square: -0.24</a:t>
+            </a:r>
+          </a:p>
+        </p:txBody>
+      </p:sp>
+      <p:pic>
+        <p:nvPicPr>
+          <p:cNvPr id="5" name="Picture 4" descr="A screenshot of a computer code&#10;&#10;Description automatically generated">
+            <a:extLst>
+              <a:ext uri="{FF2B5EF4-FFF2-40B4-BE49-F238E27FC236}">
+                <a16:creationId xmlns:a16="http://schemas.microsoft.com/office/drawing/2014/main" id="{DCA1A184-C2B3-215D-1E3F-BE2781FE301F}"/>
+              </a:ext>
+            </a:extLst>
+          </p:cNvPr>
+          <p:cNvPicPr>
+            <a:picLocks noChangeAspect="1"/>
+          </p:cNvPicPr>
+          <p:nvPr/>
+        </p:nvPicPr>
+        <p:blipFill>
+          <a:blip r:embed="rId2"/>
+          <a:stretch>
+            <a:fillRect/>
+          </a:stretch>
+        </p:blipFill>
+        <p:spPr>
+          <a:xfrm>
+            <a:off x="6172200" y="3217701"/>
+            <a:ext cx="5181600" cy="1567186"/>
+          </a:xfrm>
+          <a:prstGeom prst="rect">
+            <a:avLst/>
+          </a:prstGeom>
+          <a:noFill/>
+        </p:spPr>
+      </p:pic>
+    </p:spTree>
+    <p:extLst>
+      <p:ext uri="{BB962C8B-B14F-4D97-AF65-F5344CB8AC3E}">
+        <p14:creationId xmlns:p14="http://schemas.microsoft.com/office/powerpoint/2010/main" val="3579054152"/>
+      </p:ext>
+    </p:extLst>
+  </p:cSld>
+  <p:clrMapOvr>
+    <a:masterClrMapping/>
+  </p:clrMapOvr>
+</p:sld>
+</file>
+
+<file path=ppt/slides/slide16.xml><?xml version="1.0" encoding="utf-8"?>
+<p:sld xmlns:a="http://schemas.openxmlformats.org/drawingml/2006/main" xmlns:r="http://schemas.openxmlformats.org/officeDocument/2006/relationships" xmlns:p="http://schemas.openxmlformats.org/presentationml/2006/main">
+  <p:cSld>
+    <p:spTree>
+      <p:nvGrpSpPr>
+        <p:cNvPr id="1" name=""/>
+        <p:cNvGrpSpPr/>
+        <p:nvPr/>
+      </p:nvGrpSpPr>
+      <p:grpSpPr>
+        <a:xfrm>
+          <a:off x="0" y="0"/>
+          <a:ext cx="0" cy="0"/>
+          <a:chOff x="0" y="0"/>
+          <a:chExt cx="0" cy="0"/>
+        </a:xfrm>
+      </p:grpSpPr>
+      <p:sp>
+        <p:nvSpPr>
+          <p:cNvPr id="2" name="Title 1">
+            <a:extLst>
+              <a:ext uri="{FF2B5EF4-FFF2-40B4-BE49-F238E27FC236}">
+                <a16:creationId xmlns:a16="http://schemas.microsoft.com/office/drawing/2014/main" id="{1465633F-9054-071A-8106-46D423BC47B0}"/>
+              </a:ext>
+            </a:extLst>
+          </p:cNvPr>
+          <p:cNvSpPr>
+            <a:spLocks noGrp="1"/>
+          </p:cNvSpPr>
+          <p:nvPr>
+            <p:ph type="title"/>
+          </p:nvPr>
+        </p:nvSpPr>
+        <p:spPr>
+          <a:xfrm>
+            <a:off x="838200" y="365129"/>
+            <a:ext cx="10515600" cy="1325563"/>
+          </a:xfrm>
+        </p:spPr>
+        <p:txBody>
+          <a:bodyPr anchor="ctr">
+            <a:normAutofit/>
+          </a:bodyPr>
+          <a:lstStyle/>
+          <a:p>
+            <a:r>
+              <a:rPr lang="en-US" dirty="0"/>
+              <a:t>Challenges and improvements</a:t>
+            </a:r>
+          </a:p>
+        </p:txBody>
+      </p:sp>
+      <p:graphicFrame>
+        <p:nvGraphicFramePr>
+          <p:cNvPr id="5" name="Content Placeholder 2">
+            <a:extLst>
+              <a:ext uri="{FF2B5EF4-FFF2-40B4-BE49-F238E27FC236}">
+                <a16:creationId xmlns:a16="http://schemas.microsoft.com/office/drawing/2014/main" id="{F2BF043E-AEA4-1219-FB57-0AC8ACC64B62}"/>
+              </a:ext>
+            </a:extLst>
+          </p:cNvPr>
+          <p:cNvGraphicFramePr>
+            <a:graphicFrameLocks noGrp="1"/>
+          </p:cNvGraphicFramePr>
+          <p:nvPr>
+            <p:ph idx="1"/>
+            <p:extLst>
+              <p:ext uri="{D42A27DB-BD31-4B8C-83A1-F6EECF244321}">
+                <p14:modId xmlns:p14="http://schemas.microsoft.com/office/powerpoint/2010/main" val="1965902317"/>
+              </p:ext>
+            </p:extLst>
+          </p:nvPr>
+        </p:nvGraphicFramePr>
+        <p:xfrm>
+          <a:off x="838200" y="1825625"/>
+          <a:ext cx="10515600" cy="4351338"/>
+        </p:xfrm>
+        <a:graphic>
+          <a:graphicData uri="http://schemas.openxmlformats.org/drawingml/2006/diagram">
+            <dgm:relIds xmlns:dgm="http://schemas.openxmlformats.org/drawingml/2006/diagram" xmlns:r="http://schemas.openxmlformats.org/officeDocument/2006/relationships" r:dm="rId2" r:lo="rId3" r:qs="rId4" r:cs="rId5"/>
+          </a:graphicData>
+        </a:graphic>
+      </p:graphicFrame>
+    </p:spTree>
+    <p:extLst>
+      <p:ext uri="{BB962C8B-B14F-4D97-AF65-F5344CB8AC3E}">
+        <p14:creationId xmlns:p14="http://schemas.microsoft.com/office/powerpoint/2010/main" val="1896839959"/>
+      </p:ext>
+    </p:extLst>
+  </p:cSld>
+  <p:clrMapOvr>
+    <a:masterClrMapping/>
+  </p:clrMapOvr>
+</p:sld>
+</file>
+
+<file path=ppt/slides/slide17.xml><?xml version="1.0" encoding="utf-8"?>
 <p:sld xmlns:a="http://schemas.openxmlformats.org/drawingml/2006/main" xmlns:r="http://schemas.openxmlformats.org/officeDocument/2006/relationships" xmlns:p="http://schemas.openxmlformats.org/presentationml/2006/main">
   <p:cSld>
     <p:spTree>
@@ -4329,83 +11780,56 @@
             <p:ph type="title"/>
           </p:nvPr>
         </p:nvSpPr>
-        <p:spPr/>
-        <p:txBody>
-          <a:bodyPr/>
-          <a:lstStyle/>
-          <a:p>
-            <a:r>
-              <a:rPr lang="en-US" dirty="0"/>
-              <a:t>Hypothesis and findings:</a:t>
-            </a:r>
-          </a:p>
-        </p:txBody>
-      </p:sp>
-      <p:sp>
-        <p:nvSpPr>
-          <p:cNvPr id="3" name="Content Placeholder 2">
-            <a:extLst>
-              <a:ext uri="{FF2B5EF4-FFF2-40B4-BE49-F238E27FC236}">
-                <a16:creationId xmlns:a16="http://schemas.microsoft.com/office/drawing/2014/main" id="{84EBA0F4-14B6-39A0-756E-61E90A86C7A1}"/>
-              </a:ext>
-            </a:extLst>
-          </p:cNvPr>
-          <p:cNvSpPr>
-            <a:spLocks noGrp="1"/>
-          </p:cNvSpPr>
-          <p:nvPr>
-            <p:ph idx="1"/>
-          </p:nvPr>
-        </p:nvSpPr>
         <p:spPr>
           <a:xfrm>
-            <a:off x="838200" y="1825625"/>
-            <a:ext cx="10515600" cy="3578479"/>
+            <a:off x="838200" y="365129"/>
+            <a:ext cx="10515600" cy="1325563"/>
           </a:xfrm>
         </p:spPr>
         <p:txBody>
-          <a:bodyPr>
-            <a:normAutofit fontScale="92500" lnSpcReduction="10000"/>
+          <a:bodyPr anchor="ctr">
+            <a:normAutofit/>
           </a:bodyPr>
           <a:lstStyle/>
           <a:p>
             <a:r>
               <a:rPr lang="en-US" dirty="0"/>
-              <a:t>The year 2022 saw the most Christmas songs created, driven by technological advancements and the globalization of music. </a:t>
-            </a:r>
-          </a:p>
-          <a:p>
-            <a:r>
-              <a:rPr lang="en-US" dirty="0"/>
-              <a:t>Artists and musicians explored new sounds and innovative production techniques, resulting in a surge in Christmas songs. </a:t>
-            </a:r>
-          </a:p>
-          <a:p>
-            <a:r>
-              <a:rPr lang="en-US" dirty="0"/>
-              <a:t>Key signatures and modes have diversified, with artists drawing inspiration from different cultures and genres. </a:t>
-            </a:r>
-          </a:p>
-          <a:p>
-            <a:r>
-              <a:rPr lang="en-US" dirty="0"/>
-              <a:t>Tempo in Christmas music is not arbitrary, as certain keys may have inherent associations with the holiday season. </a:t>
-            </a:r>
-          </a:p>
-          <a:p>
-            <a:r>
-              <a:rPr lang="en-US" dirty="0"/>
-              <a:t>Spotify, Apple Charts, Shazam, and Deezer share similarities in heat maps and statistics, but each platform has its unique features and user base. </a:t>
-            </a:r>
-          </a:p>
-          <a:p>
-            <a:r>
-              <a:rPr lang="en-US" dirty="0"/>
-              <a:t>Understanding these differences can provide a deeper understanding of music consumption across different streaming services.</a:t>
+              <a:t>Findings</a:t>
             </a:r>
           </a:p>
         </p:txBody>
       </p:sp>
+      <p:graphicFrame>
+        <p:nvGraphicFramePr>
+          <p:cNvPr id="5" name="Content Placeholder 2">
+            <a:extLst>
+              <a:ext uri="{FF2B5EF4-FFF2-40B4-BE49-F238E27FC236}">
+                <a16:creationId xmlns:a16="http://schemas.microsoft.com/office/drawing/2014/main" id="{E2992CD0-E83C-5F12-42B6-B4981CC17F83}"/>
+              </a:ext>
+            </a:extLst>
+          </p:cNvPr>
+          <p:cNvGraphicFramePr>
+            <a:graphicFrameLocks noGrp="1"/>
+          </p:cNvGraphicFramePr>
+          <p:nvPr>
+            <p:ph idx="1"/>
+            <p:extLst>
+              <p:ext uri="{D42A27DB-BD31-4B8C-83A1-F6EECF244321}">
+                <p14:modId xmlns:p14="http://schemas.microsoft.com/office/powerpoint/2010/main" val="961854994"/>
+              </p:ext>
+            </p:extLst>
+          </p:nvPr>
+        </p:nvGraphicFramePr>
+        <p:xfrm>
+          <a:off x="838200" y="1825625"/>
+          <a:ext cx="10515600" cy="4351338"/>
+        </p:xfrm>
+        <a:graphic>
+          <a:graphicData uri="http://schemas.openxmlformats.org/drawingml/2006/diagram">
+            <dgm:relIds xmlns:dgm="http://schemas.openxmlformats.org/drawingml/2006/diagram" xmlns:r="http://schemas.openxmlformats.org/officeDocument/2006/relationships" r:dm="rId2" r:lo="rId3" r:qs="rId4" r:cs="rId5"/>
+          </a:graphicData>
+        </a:graphic>
+      </p:graphicFrame>
     </p:spTree>
     <p:extLst>
       <p:ext uri="{BB962C8B-B14F-4D97-AF65-F5344CB8AC3E}">
@@ -4420,6 +11844,359 @@
 </file>
 
 <file path=ppt/slides/slide2.xml><?xml version="1.0" encoding="utf-8"?>
+<p:sld xmlns:a="http://schemas.openxmlformats.org/drawingml/2006/main" xmlns:r="http://schemas.openxmlformats.org/officeDocument/2006/relationships" xmlns:p="http://schemas.openxmlformats.org/presentationml/2006/main">
+  <p:cSld>
+    <p:spTree>
+      <p:nvGrpSpPr>
+        <p:cNvPr id="1" name=""/>
+        <p:cNvGrpSpPr/>
+        <p:nvPr/>
+      </p:nvGrpSpPr>
+      <p:grpSpPr>
+        <a:xfrm>
+          <a:off x="0" y="0"/>
+          <a:ext cx="0" cy="0"/>
+          <a:chOff x="0" y="0"/>
+          <a:chExt cx="0" cy="0"/>
+        </a:xfrm>
+      </p:grpSpPr>
+      <p:sp>
+        <p:nvSpPr>
+          <p:cNvPr id="2" name="Title 1">
+            <a:extLst>
+              <a:ext uri="{FF2B5EF4-FFF2-40B4-BE49-F238E27FC236}">
+                <a16:creationId xmlns:a16="http://schemas.microsoft.com/office/drawing/2014/main" id="{F351E48E-1FF7-CCB0-BFB6-D294BC154AAB}"/>
+              </a:ext>
+            </a:extLst>
+          </p:cNvPr>
+          <p:cNvSpPr>
+            <a:spLocks noGrp="1"/>
+          </p:cNvSpPr>
+          <p:nvPr>
+            <p:ph type="title"/>
+          </p:nvPr>
+        </p:nvSpPr>
+        <p:spPr>
+          <a:xfrm>
+            <a:off x="838200" y="365129"/>
+            <a:ext cx="10515600" cy="1325563"/>
+          </a:xfrm>
+        </p:spPr>
+        <p:txBody>
+          <a:bodyPr anchor="ctr">
+            <a:normAutofit/>
+          </a:bodyPr>
+          <a:lstStyle/>
+          <a:p>
+            <a:r>
+              <a:rPr lang="en-US" dirty="0"/>
+              <a:t>Objective</a:t>
+            </a:r>
+          </a:p>
+        </p:txBody>
+      </p:sp>
+      <p:sp>
+        <p:nvSpPr>
+          <p:cNvPr id="3" name="Content Placeholder 2">
+            <a:extLst>
+              <a:ext uri="{FF2B5EF4-FFF2-40B4-BE49-F238E27FC236}">
+                <a16:creationId xmlns:a16="http://schemas.microsoft.com/office/drawing/2014/main" id="{5A4EA368-F9FE-E802-CBE2-BA73C56DB323}"/>
+              </a:ext>
+            </a:extLst>
+          </p:cNvPr>
+          <p:cNvSpPr>
+            <a:spLocks noGrp="1"/>
+          </p:cNvSpPr>
+          <p:nvPr>
+            <p:ph sz="half" idx="1"/>
+          </p:nvPr>
+        </p:nvSpPr>
+        <p:spPr>
+          <a:xfrm>
+            <a:off x="838200" y="1825625"/>
+            <a:ext cx="5181600" cy="4351338"/>
+          </a:xfrm>
+        </p:spPr>
+        <p:txBody>
+          <a:bodyPr>
+            <a:normAutofit/>
+          </a:bodyPr>
+          <a:lstStyle/>
+          <a:p>
+            <a:r>
+              <a:rPr lang="en-US" dirty="0"/>
+              <a:t>My goal with this project is to understand how “Christmas” music is significant in this dataset, and through the use of this analysis I am able to not only figure out what makes it unique, but what are the common patterns that these present.</a:t>
+            </a:r>
+          </a:p>
+        </p:txBody>
+      </p:sp>
+      <p:pic>
+        <p:nvPicPr>
+          <p:cNvPr id="5" name="Picture 4">
+            <a:extLst>
+              <a:ext uri="{FF2B5EF4-FFF2-40B4-BE49-F238E27FC236}">
+                <a16:creationId xmlns:a16="http://schemas.microsoft.com/office/drawing/2014/main" id="{C0991586-E05A-3295-F84A-89701D009416}"/>
+              </a:ext>
+            </a:extLst>
+          </p:cNvPr>
+          <p:cNvPicPr>
+            <a:picLocks noChangeAspect="1"/>
+          </p:cNvPicPr>
+          <p:nvPr/>
+        </p:nvPicPr>
+        <p:blipFill>
+          <a:blip r:embed="rId2"/>
+          <a:stretch>
+            <a:fillRect/>
+          </a:stretch>
+        </p:blipFill>
+        <p:spPr>
+          <a:xfrm>
+            <a:off x="6172200" y="2274094"/>
+            <a:ext cx="5181600" cy="3454400"/>
+          </a:xfrm>
+          <a:prstGeom prst="rect">
+            <a:avLst/>
+          </a:prstGeom>
+          <a:noFill/>
+        </p:spPr>
+      </p:pic>
+    </p:spTree>
+    <p:extLst>
+      <p:ext uri="{BB962C8B-B14F-4D97-AF65-F5344CB8AC3E}">
+        <p14:creationId xmlns:p14="http://schemas.microsoft.com/office/powerpoint/2010/main" val="3286256648"/>
+      </p:ext>
+    </p:extLst>
+  </p:cSld>
+  <p:clrMapOvr>
+    <a:masterClrMapping/>
+  </p:clrMapOvr>
+</p:sld>
+</file>
+
+<file path=ppt/slides/slide3.xml><?xml version="1.0" encoding="utf-8"?>
+<p:sld xmlns:a="http://schemas.openxmlformats.org/drawingml/2006/main" xmlns:r="http://schemas.openxmlformats.org/officeDocument/2006/relationships" xmlns:p="http://schemas.openxmlformats.org/presentationml/2006/main">
+  <p:cSld>
+    <p:spTree>
+      <p:nvGrpSpPr>
+        <p:cNvPr id="1" name=""/>
+        <p:cNvGrpSpPr/>
+        <p:nvPr/>
+      </p:nvGrpSpPr>
+      <p:grpSpPr>
+        <a:xfrm>
+          <a:off x="0" y="0"/>
+          <a:ext cx="0" cy="0"/>
+          <a:chOff x="0" y="0"/>
+          <a:chExt cx="0" cy="0"/>
+        </a:xfrm>
+      </p:grpSpPr>
+      <p:sp>
+        <p:nvSpPr>
+          <p:cNvPr id="2" name="Title 1">
+            <a:extLst>
+              <a:ext uri="{FF2B5EF4-FFF2-40B4-BE49-F238E27FC236}">
+                <a16:creationId xmlns:a16="http://schemas.microsoft.com/office/drawing/2014/main" id="{69D1DB87-735E-A12B-8F55-3C198AD33C35}"/>
+              </a:ext>
+            </a:extLst>
+          </p:cNvPr>
+          <p:cNvSpPr>
+            <a:spLocks noGrp="1"/>
+          </p:cNvSpPr>
+          <p:nvPr>
+            <p:ph type="title"/>
+          </p:nvPr>
+        </p:nvSpPr>
+        <p:spPr/>
+        <p:txBody>
+          <a:bodyPr/>
+          <a:lstStyle/>
+          <a:p>
+            <a:r>
+              <a:rPr lang="en-US" dirty="0"/>
+              <a:t>Preprocessing </a:t>
+            </a:r>
+          </a:p>
+        </p:txBody>
+      </p:sp>
+      <p:sp>
+        <p:nvSpPr>
+          <p:cNvPr id="3" name="Content Placeholder 2">
+            <a:extLst>
+              <a:ext uri="{FF2B5EF4-FFF2-40B4-BE49-F238E27FC236}">
+                <a16:creationId xmlns:a16="http://schemas.microsoft.com/office/drawing/2014/main" id="{89857AF0-232F-E5D4-935A-2240422CA860}"/>
+              </a:ext>
+            </a:extLst>
+          </p:cNvPr>
+          <p:cNvSpPr>
+            <a:spLocks noGrp="1"/>
+          </p:cNvSpPr>
+          <p:nvPr>
+            <p:ph idx="1"/>
+          </p:nvPr>
+        </p:nvSpPr>
+        <p:spPr>
+          <a:xfrm>
+            <a:off x="838200" y="1825625"/>
+            <a:ext cx="5772912" cy="4351338"/>
+          </a:xfrm>
+        </p:spPr>
+        <p:txBody>
+          <a:bodyPr/>
+          <a:lstStyle/>
+          <a:p>
+            <a:r>
+              <a:rPr lang="en-US"/>
+              <a:t>new_data = data.dropna()</a:t>
+            </a:r>
+          </a:p>
+          <a:p>
+            <a:r>
+              <a:rPr lang="en-US"/>
+              <a:t>print("Old data frame length:", len(data)) </a:t>
+            </a:r>
+          </a:p>
+          <a:p>
+            <a:r>
+              <a:rPr lang="en-US"/>
+              <a:t>print("New data frame length:", len(new_data))  </a:t>
+            </a:r>
+          </a:p>
+          <a:p>
+            <a:r>
+              <a:rPr lang="en-US"/>
+              <a:t>print("Number of rows with at least 1 NA value: ", </a:t>
+            </a:r>
+          </a:p>
+          <a:p>
+            <a:r>
+              <a:rPr lang="en-US"/>
+              <a:t>      (len(data)-len(new_data)))</a:t>
+            </a:r>
+          </a:p>
+          <a:p>
+            <a:r>
+              <a:rPr lang="en-US"/>
+              <a:t>Otucome: </a:t>
+            </a:r>
+          </a:p>
+          <a:p>
+            <a:r>
+              <a:rPr lang="en-US"/>
+              <a:t>Old data frame length: 951</a:t>
+            </a:r>
+          </a:p>
+          <a:p>
+            <a:r>
+              <a:rPr lang="en-US"/>
+              <a:t>New data frame length: 816</a:t>
+            </a:r>
+          </a:p>
+          <a:p>
+            <a:r>
+              <a:rPr lang="en-US"/>
+              <a:t>Number of rows with at least 1 NA value:  135</a:t>
+            </a:r>
+          </a:p>
+          <a:p>
+            <a:endParaRPr lang="en-US" dirty="0"/>
+          </a:p>
+        </p:txBody>
+      </p:sp>
+      <p:sp>
+        <p:nvSpPr>
+          <p:cNvPr id="6" name="TextBox 5">
+            <a:extLst>
+              <a:ext uri="{FF2B5EF4-FFF2-40B4-BE49-F238E27FC236}">
+                <a16:creationId xmlns:a16="http://schemas.microsoft.com/office/drawing/2014/main" id="{3CF12CE6-4B37-F947-90BF-0451DCA89C40}"/>
+              </a:ext>
+            </a:extLst>
+          </p:cNvPr>
+          <p:cNvSpPr txBox="1"/>
+          <p:nvPr/>
+        </p:nvSpPr>
+        <p:spPr>
+          <a:xfrm>
+            <a:off x="6007608" y="1696711"/>
+            <a:ext cx="6089904" cy="1477328"/>
+          </a:xfrm>
+          <a:prstGeom prst="rect">
+            <a:avLst/>
+          </a:prstGeom>
+          <a:noFill/>
+        </p:spPr>
+        <p:txBody>
+          <a:bodyPr wrap="square">
+            <a:spAutoFit/>
+          </a:bodyPr>
+          <a:lstStyle/>
+          <a:p>
+            <a:r>
+              <a:rPr lang="en-US"/>
+              <a:t>data['release_date']=pd.to_datetime(data['release_date’])</a:t>
+            </a:r>
+          </a:p>
+          <a:p>
+            <a:endParaRPr lang="en-US"/>
+          </a:p>
+          <a:p>
+            <a:endParaRPr lang="en-US"/>
+          </a:p>
+          <a:p>
+            <a:r>
+              <a:rPr lang="en-US"/>
+              <a:t>ds= data[(data['release_date'].dt.month &gt;=11)]</a:t>
+            </a:r>
+          </a:p>
+          <a:p>
+            <a:endParaRPr lang="en-US" dirty="0"/>
+          </a:p>
+        </p:txBody>
+      </p:sp>
+      <p:pic>
+        <p:nvPicPr>
+          <p:cNvPr id="7" name="Picture 6">
+            <a:extLst>
+              <a:ext uri="{FF2B5EF4-FFF2-40B4-BE49-F238E27FC236}">
+                <a16:creationId xmlns:a16="http://schemas.microsoft.com/office/drawing/2014/main" id="{084583E2-9722-267B-4A54-4C0CED00D9E2}"/>
+              </a:ext>
+            </a:extLst>
+          </p:cNvPr>
+          <p:cNvPicPr>
+            <a:picLocks noChangeAspect="1"/>
+          </p:cNvPicPr>
+          <p:nvPr/>
+        </p:nvPicPr>
+        <p:blipFill>
+          <a:blip r:embed="rId2"/>
+          <a:stretch>
+            <a:fillRect/>
+          </a:stretch>
+        </p:blipFill>
+        <p:spPr>
+          <a:xfrm>
+            <a:off x="7205472" y="3683962"/>
+            <a:ext cx="4319016" cy="2159508"/>
+          </a:xfrm>
+          <a:prstGeom prst="rect">
+            <a:avLst/>
+          </a:prstGeom>
+        </p:spPr>
+      </p:pic>
+    </p:spTree>
+    <p:extLst>
+      <p:ext uri="{BB962C8B-B14F-4D97-AF65-F5344CB8AC3E}">
+        <p14:creationId xmlns:p14="http://schemas.microsoft.com/office/powerpoint/2010/main" val="2387339558"/>
+      </p:ext>
+    </p:extLst>
+  </p:cSld>
+  <p:clrMapOvr>
+    <a:masterClrMapping/>
+  </p:clrMapOvr>
+</p:sld>
+</file>
+
+<file path=ppt/slides/slide4.xml><?xml version="1.0" encoding="utf-8"?>
 <p:sld xmlns:a="http://schemas.openxmlformats.org/drawingml/2006/main" xmlns:r="http://schemas.openxmlformats.org/officeDocument/2006/relationships" xmlns:p="http://schemas.openxmlformats.org/presentationml/2006/main">
   <p:cSld>
     <p:spTree>
@@ -4498,10 +12275,9 @@
           <a:lstStyle/>
           <a:p>
             <a:r>
-              <a:rPr lang="en-US"/>
-              <a:t>There are 953 entries (rows) in the dataset, with 25 columns. The columns position, name, their datatypes, number of, and percentage of missing values are as follows</a:t>
+              <a:rPr lang="en-US" dirty="0"/>
+              <a:t>There are 953 entries (rows) in the dataset, with 25 columns. The columns position, name, their datatypes, number of, and percentage of missing values are as follows:</a:t>
             </a:r>
-            <a:endParaRPr lang="en-US" dirty="0"/>
           </a:p>
         </p:txBody>
       </p:sp>
@@ -10055,6 +17831,36 @@
           </a:graphicData>
         </a:graphic>
       </p:graphicFrame>
+      <p:pic>
+        <p:nvPicPr>
+          <p:cNvPr id="11" name="Picture 10">
+            <a:extLst>
+              <a:ext uri="{FF2B5EF4-FFF2-40B4-BE49-F238E27FC236}">
+                <a16:creationId xmlns:a16="http://schemas.microsoft.com/office/drawing/2014/main" id="{D32E133D-223D-DB93-1AAA-2051B299BE67}"/>
+              </a:ext>
+            </a:extLst>
+          </p:cNvPr>
+          <p:cNvPicPr>
+            <a:picLocks noChangeAspect="1"/>
+          </p:cNvPicPr>
+          <p:nvPr/>
+        </p:nvPicPr>
+        <p:blipFill>
+          <a:blip r:embed="rId2"/>
+          <a:stretch>
+            <a:fillRect/>
+          </a:stretch>
+        </p:blipFill>
+        <p:spPr>
+          <a:xfrm>
+            <a:off x="219456" y="3528822"/>
+            <a:ext cx="3092196" cy="1546098"/>
+          </a:xfrm>
+          <a:prstGeom prst="rect">
+            <a:avLst/>
+          </a:prstGeom>
+        </p:spPr>
+      </p:pic>
     </p:spTree>
     <p:extLst>
       <p:ext uri="{BB962C8B-B14F-4D97-AF65-F5344CB8AC3E}">
@@ -10068,7 +17874,7 @@
 </p:sld>
 </file>
 
-<file path=ppt/slides/slide3.xml><?xml version="1.0" encoding="utf-8"?>
+<file path=ppt/slides/slide5.xml><?xml version="1.0" encoding="utf-8"?>
 <p:sld xmlns:a="http://schemas.openxmlformats.org/drawingml/2006/main" xmlns:r="http://schemas.openxmlformats.org/officeDocument/2006/relationships" xmlns:p="http://schemas.openxmlformats.org/presentationml/2006/main">
   <p:cSld>
     <p:spTree>
@@ -19876,7 +27682,7 @@
 </p:sld>
 </file>
 
-<file path=ppt/slides/slide4.xml><?xml version="1.0" encoding="utf-8"?>
+<file path=ppt/slides/slide6.xml><?xml version="1.0" encoding="utf-8"?>
 <p:sld xmlns:a="http://schemas.openxmlformats.org/drawingml/2006/main" xmlns:r="http://schemas.openxmlformats.org/officeDocument/2006/relationships" xmlns:p="http://schemas.openxmlformats.org/presentationml/2006/main">
   <p:cSld>
     <p:spTree>
@@ -20016,7 +27822,7 @@
 </p:sld>
 </file>
 
-<file path=ppt/slides/slide5.xml><?xml version="1.0" encoding="utf-8"?>
+<file path=ppt/slides/slide7.xml><?xml version="1.0" encoding="utf-8"?>
 <p:sld xmlns:a="http://schemas.openxmlformats.org/drawingml/2006/main" xmlns:r="http://schemas.openxmlformats.org/officeDocument/2006/relationships" xmlns:p="http://schemas.openxmlformats.org/presentationml/2006/main">
   <p:cSld>
     <p:spTree>
@@ -24854,7 +32660,7 @@
 </p:sld>
 </file>
 
-<file path=ppt/slides/slide6.xml><?xml version="1.0" encoding="utf-8"?>
+<file path=ppt/slides/slide8.xml><?xml version="1.0" encoding="utf-8"?>
 <p:sld xmlns:a="http://schemas.openxmlformats.org/drawingml/2006/main" xmlns:r="http://schemas.openxmlformats.org/officeDocument/2006/relationships" xmlns:p="http://schemas.openxmlformats.org/presentationml/2006/main">
   <p:cSld>
     <p:spTree>
@@ -24987,7 +32793,7 @@
 </p:sld>
 </file>
 
-<file path=ppt/slides/slide7.xml><?xml version="1.0" encoding="utf-8"?>
+<file path=ppt/slides/slide9.xml><?xml version="1.0" encoding="utf-8"?>
 <p:sld xmlns:a="http://schemas.openxmlformats.org/drawingml/2006/main" xmlns:r="http://schemas.openxmlformats.org/officeDocument/2006/relationships" xmlns:p="http://schemas.openxmlformats.org/presentationml/2006/main">
   <p:cSld>
     <p:spTree>
@@ -25068,216 +32874,6 @@
     <p:extLst>
       <p:ext uri="{BB962C8B-B14F-4D97-AF65-F5344CB8AC3E}">
         <p14:creationId xmlns:p14="http://schemas.microsoft.com/office/powerpoint/2010/main" val="329924475"/>
-      </p:ext>
-    </p:extLst>
-  </p:cSld>
-  <p:clrMapOvr>
-    <a:masterClrMapping/>
-  </p:clrMapOvr>
-</p:sld>
-</file>
-
-<file path=ppt/slides/slide8.xml><?xml version="1.0" encoding="utf-8"?>
-<p:sld xmlns:a="http://schemas.openxmlformats.org/drawingml/2006/main" xmlns:r="http://schemas.openxmlformats.org/officeDocument/2006/relationships" xmlns:p="http://schemas.openxmlformats.org/presentationml/2006/main">
-  <p:cSld>
-    <p:spTree>
-      <p:nvGrpSpPr>
-        <p:cNvPr id="1" name=""/>
-        <p:cNvGrpSpPr/>
-        <p:nvPr/>
-      </p:nvGrpSpPr>
-      <p:grpSpPr>
-        <a:xfrm>
-          <a:off x="0" y="0"/>
-          <a:ext cx="0" cy="0"/>
-          <a:chOff x="0" y="0"/>
-          <a:chExt cx="0" cy="0"/>
-        </a:xfrm>
-      </p:grpSpPr>
-      <p:sp>
-        <p:nvSpPr>
-          <p:cNvPr id="2" name="Title 1">
-            <a:extLst>
-              <a:ext uri="{FF2B5EF4-FFF2-40B4-BE49-F238E27FC236}">
-                <a16:creationId xmlns:a16="http://schemas.microsoft.com/office/drawing/2014/main" id="{AC138BC1-DC6F-7026-8049-FE61341A57C5}"/>
-              </a:ext>
-            </a:extLst>
-          </p:cNvPr>
-          <p:cNvSpPr>
-            <a:spLocks noGrp="1"/>
-          </p:cNvSpPr>
-          <p:nvPr>
-            <p:ph type="title"/>
-          </p:nvPr>
-        </p:nvSpPr>
-        <p:spPr/>
-        <p:txBody>
-          <a:bodyPr/>
-          <a:lstStyle/>
-          <a:p>
-            <a:r>
-              <a:rPr lang="en-US" dirty="0"/>
-              <a:t>Identify which key most of Christmas songs appear in the data.</a:t>
-            </a:r>
-          </a:p>
-        </p:txBody>
-      </p:sp>
-      <p:pic>
-        <p:nvPicPr>
-          <p:cNvPr id="4" name="Content Placeholder 3">
-            <a:extLst>
-              <a:ext uri="{FF2B5EF4-FFF2-40B4-BE49-F238E27FC236}">
-                <a16:creationId xmlns:a16="http://schemas.microsoft.com/office/drawing/2014/main" id="{2F9D5CD7-BC8B-4823-3330-80422F97F679}"/>
-              </a:ext>
-            </a:extLst>
-          </p:cNvPr>
-          <p:cNvPicPr>
-            <a:picLocks noGrp="1" noChangeAspect="1"/>
-          </p:cNvPicPr>
-          <p:nvPr>
-            <p:ph idx="1"/>
-          </p:nvPr>
-        </p:nvPicPr>
-        <p:blipFill>
-          <a:blip r:embed="rId2"/>
-          <a:stretch>
-            <a:fillRect/>
-          </a:stretch>
-        </p:blipFill>
-        <p:spPr>
-          <a:xfrm>
-            <a:off x="3346692" y="1144105"/>
-            <a:ext cx="6556260" cy="5188306"/>
-          </a:xfrm>
-          <a:prstGeom prst="rect">
-            <a:avLst/>
-          </a:prstGeom>
-        </p:spPr>
-      </p:pic>
-    </p:spTree>
-    <p:extLst>
-      <p:ext uri="{BB962C8B-B14F-4D97-AF65-F5344CB8AC3E}">
-        <p14:creationId xmlns:p14="http://schemas.microsoft.com/office/powerpoint/2010/main" val="332521964"/>
-      </p:ext>
-    </p:extLst>
-  </p:cSld>
-  <p:clrMapOvr>
-    <a:masterClrMapping/>
-  </p:clrMapOvr>
-</p:sld>
-</file>
-
-<file path=ppt/slides/slide9.xml><?xml version="1.0" encoding="utf-8"?>
-<p:sld xmlns:a="http://schemas.openxmlformats.org/drawingml/2006/main" xmlns:r="http://schemas.openxmlformats.org/officeDocument/2006/relationships" xmlns:p="http://schemas.openxmlformats.org/presentationml/2006/main">
-  <p:cSld>
-    <p:spTree>
-      <p:nvGrpSpPr>
-        <p:cNvPr id="1" name=""/>
-        <p:cNvGrpSpPr/>
-        <p:nvPr/>
-      </p:nvGrpSpPr>
-      <p:grpSpPr>
-        <a:xfrm>
-          <a:off x="0" y="0"/>
-          <a:ext cx="0" cy="0"/>
-          <a:chOff x="0" y="0"/>
-          <a:chExt cx="0" cy="0"/>
-        </a:xfrm>
-      </p:grpSpPr>
-      <p:sp>
-        <p:nvSpPr>
-          <p:cNvPr id="2" name="Title 1">
-            <a:extLst>
-              <a:ext uri="{FF2B5EF4-FFF2-40B4-BE49-F238E27FC236}">
-                <a16:creationId xmlns:a16="http://schemas.microsoft.com/office/drawing/2014/main" id="{BE6F6C39-7181-C7B7-FE50-58C1720F6A8B}"/>
-              </a:ext>
-            </a:extLst>
-          </p:cNvPr>
-          <p:cNvSpPr>
-            <a:spLocks noGrp="1"/>
-          </p:cNvSpPr>
-          <p:nvPr>
-            <p:ph type="title"/>
-          </p:nvPr>
-        </p:nvSpPr>
-        <p:spPr/>
-        <p:txBody>
-          <a:bodyPr/>
-          <a:lstStyle/>
-          <a:p>
-            <a:r>
-              <a:rPr lang="en-US" dirty="0"/>
-              <a:t>Song Release Count in Nov. &amp; Dec. Over Time</a:t>
-            </a:r>
-          </a:p>
-        </p:txBody>
-      </p:sp>
-      <p:pic>
-        <p:nvPicPr>
-          <p:cNvPr id="4" name="Content Placeholder 3">
-            <a:extLst>
-              <a:ext uri="{FF2B5EF4-FFF2-40B4-BE49-F238E27FC236}">
-                <a16:creationId xmlns:a16="http://schemas.microsoft.com/office/drawing/2014/main" id="{8B0E5D0E-A2F4-E880-1105-5A791514EDEB}"/>
-              </a:ext>
-            </a:extLst>
-          </p:cNvPr>
-          <p:cNvPicPr>
-            <a:picLocks noGrp="1" noChangeAspect="1"/>
-          </p:cNvPicPr>
-          <p:nvPr>
-            <p:ph idx="1"/>
-          </p:nvPr>
-        </p:nvPicPr>
-        <p:blipFill>
-          <a:blip r:embed="rId2"/>
-          <a:stretch>
-            <a:fillRect/>
-          </a:stretch>
-        </p:blipFill>
-        <p:spPr>
-          <a:xfrm>
-            <a:off x="271272" y="3098610"/>
-            <a:ext cx="6257544" cy="2327989"/>
-          </a:xfrm>
-          <a:prstGeom prst="rect">
-            <a:avLst/>
-          </a:prstGeom>
-        </p:spPr>
-      </p:pic>
-      <p:pic>
-        <p:nvPicPr>
-          <p:cNvPr id="5" name="Picture 4">
-            <a:extLst>
-              <a:ext uri="{FF2B5EF4-FFF2-40B4-BE49-F238E27FC236}">
-                <a16:creationId xmlns:a16="http://schemas.microsoft.com/office/drawing/2014/main" id="{5E9BCCEE-C86F-B1BF-F209-15EE0FE3058C}"/>
-              </a:ext>
-            </a:extLst>
-          </p:cNvPr>
-          <p:cNvPicPr>
-            <a:picLocks noChangeAspect="1"/>
-          </p:cNvPicPr>
-          <p:nvPr/>
-        </p:nvPicPr>
-        <p:blipFill>
-          <a:blip r:embed="rId3"/>
-          <a:stretch>
-            <a:fillRect/>
-          </a:stretch>
-        </p:blipFill>
-        <p:spPr>
-          <a:xfrm>
-            <a:off x="6528816" y="1436715"/>
-            <a:ext cx="5166596" cy="5131960"/>
-          </a:xfrm>
-          <a:prstGeom prst="rect">
-            <a:avLst/>
-          </a:prstGeom>
-        </p:spPr>
-      </p:pic>
-    </p:spTree>
-    <p:extLst>
-      <p:ext uri="{BB962C8B-B14F-4D97-AF65-F5344CB8AC3E}">
-        <p14:creationId xmlns:p14="http://schemas.microsoft.com/office/powerpoint/2010/main" val="555256373"/>
       </p:ext>
     </p:extLst>
   </p:cSld>
